--- a/ppt/0522_2조_나현희_신원철.pptx
+++ b/ppt/0522_2조_나현희_신원철.pptx
@@ -5,15 +5,18 @@
     <p:sldMasterId id="2147483648" r:id="rId1"/>
   </p:sldMasterIdLst>
   <p:notesMasterIdLst>
-    <p:notesMasterId r:id="rId8"/>
+    <p:notesMasterId r:id="rId11"/>
   </p:notesMasterIdLst>
   <p:sldIdLst>
     <p:sldId id="257" r:id="rId2"/>
     <p:sldId id="259" r:id="rId3"/>
     <p:sldId id="329" r:id="rId4"/>
     <p:sldId id="330" r:id="rId5"/>
-    <p:sldId id="318" r:id="rId6"/>
-    <p:sldId id="312" r:id="rId7"/>
+    <p:sldId id="333" r:id="rId6"/>
+    <p:sldId id="331" r:id="rId7"/>
+    <p:sldId id="335" r:id="rId8"/>
+    <p:sldId id="318" r:id="rId9"/>
+    <p:sldId id="312" r:id="rId10"/>
   </p:sldIdLst>
   <p:sldSz cx="9245600" cy="6840538"/>
   <p:notesSz cx="6858000" cy="9144000"/>
@@ -134,167 +137,13 @@
 <file path=ppt/revisionInfo.xml><?xml version="1.0" encoding="utf-8"?>
 <p1510:revInfo xmlns:a="http://schemas.openxmlformats.org/drawingml/2006/main" xmlns:r="http://schemas.openxmlformats.org/officeDocument/2006/relationships" xmlns:p1510="http://schemas.microsoft.com/office/powerpoint/2015/10/main">
   <p1510:revLst>
-    <p1510:client id="{326999BE-42FC-4C4F-A778-1B68E5A9DBBF}" v="17" dt="2023-05-07T07:09:44.171"/>
-    <p1510:client id="{F212702E-236B-4959-B623-49B675EF7A4F}" v="2" dt="2023-05-07T14:08:00.214"/>
+    <p1510:client id="{9EABD138-AAC5-47B5-AB84-2CF123370297}" v="12" dt="2023-05-21T14:09:40.044"/>
   </p1510:revLst>
 </p1510:revInfo>
 </file>
 
 <file path=ppt/changesInfos/changesInfo1.xml><?xml version="1.0" encoding="utf-8"?>
 <pc:chgInfo xmlns:a="http://schemas.openxmlformats.org/drawingml/2006/main" xmlns:r="http://schemas.openxmlformats.org/officeDocument/2006/relationships" xmlns:ac="http://schemas.microsoft.com/office/drawing/2013/main/command" xmlns:pc="http://schemas.microsoft.com/office/powerpoint/2013/main/command">
-  <pc:docChgLst>
-    <pc:chgData name="나 현희" userId="a7b73e83492eed8a" providerId="LiveId" clId="{F212702E-236B-4959-B623-49B675EF7A4F}"/>
-    <pc:docChg chg="custSel modSld">
-      <pc:chgData name="나 현희" userId="a7b73e83492eed8a" providerId="LiveId" clId="{F212702E-236B-4959-B623-49B675EF7A4F}" dt="2023-05-07T23:16:53.422" v="196" actId="20577"/>
-      <pc:docMkLst>
-        <pc:docMk/>
-      </pc:docMkLst>
-      <pc:sldChg chg="modSp mod modNotesTx">
-        <pc:chgData name="나 현희" userId="a7b73e83492eed8a" providerId="LiveId" clId="{F212702E-236B-4959-B623-49B675EF7A4F}" dt="2023-05-07T23:16:13.078" v="193" actId="20577"/>
-        <pc:sldMkLst>
-          <pc:docMk/>
-          <pc:sldMk cId="2636684587" sldId="309"/>
-        </pc:sldMkLst>
-        <pc:spChg chg="mod">
-          <ac:chgData name="나 현희" userId="a7b73e83492eed8a" providerId="LiveId" clId="{F212702E-236B-4959-B623-49B675EF7A4F}" dt="2023-05-07T14:07:04.205" v="164" actId="14100"/>
-          <ac:spMkLst>
-            <pc:docMk/>
-            <pc:sldMk cId="2636684587" sldId="309"/>
-            <ac:spMk id="18" creationId="{F198F75F-36C7-3C73-EF54-6E4A2DF56C64}"/>
-          </ac:spMkLst>
-        </pc:spChg>
-        <pc:picChg chg="mod">
-          <ac:chgData name="나 현희" userId="a7b73e83492eed8a" providerId="LiveId" clId="{F212702E-236B-4959-B623-49B675EF7A4F}" dt="2023-05-07T14:06:59.916" v="163" actId="1076"/>
-          <ac:picMkLst>
-            <pc:docMk/>
-            <pc:sldMk cId="2636684587" sldId="309"/>
-            <ac:picMk id="17" creationId="{E7E32411-40C9-02B7-3DC0-7AC783268383}"/>
-          </ac:picMkLst>
-        </pc:picChg>
-      </pc:sldChg>
-      <pc:sldChg chg="addSp delSp modSp mod modNotesTx">
-        <pc:chgData name="나 현희" userId="a7b73e83492eed8a" providerId="LiveId" clId="{F212702E-236B-4959-B623-49B675EF7A4F}" dt="2023-05-07T23:15:25.867" v="189" actId="20577"/>
-        <pc:sldMkLst>
-          <pc:docMk/>
-          <pc:sldMk cId="2798841362" sldId="312"/>
-        </pc:sldMkLst>
-        <pc:picChg chg="del">
-          <ac:chgData name="나 현희" userId="a7b73e83492eed8a" providerId="LiveId" clId="{F212702E-236B-4959-B623-49B675EF7A4F}" dt="2023-05-07T13:08:38.777" v="0" actId="478"/>
-          <ac:picMkLst>
-            <pc:docMk/>
-            <pc:sldMk cId="2798841362" sldId="312"/>
-            <ac:picMk id="3" creationId="{4EEC6A53-ED8B-570D-2486-C6A83FF93AAF}"/>
-          </ac:picMkLst>
-        </pc:picChg>
-        <pc:picChg chg="del">
-          <ac:chgData name="나 현희" userId="a7b73e83492eed8a" providerId="LiveId" clId="{F212702E-236B-4959-B623-49B675EF7A4F}" dt="2023-05-07T13:08:40.126" v="1" actId="478"/>
-          <ac:picMkLst>
-            <pc:docMk/>
-            <pc:sldMk cId="2798841362" sldId="312"/>
-            <ac:picMk id="4" creationId="{2B60ADE5-D4FC-23D7-EAEC-8BF04222EB21}"/>
-          </ac:picMkLst>
-        </pc:picChg>
-        <pc:picChg chg="add mod">
-          <ac:chgData name="나 현희" userId="a7b73e83492eed8a" providerId="LiveId" clId="{F212702E-236B-4959-B623-49B675EF7A4F}" dt="2023-05-07T13:08:47.980" v="5" actId="1076"/>
-          <ac:picMkLst>
-            <pc:docMk/>
-            <pc:sldMk cId="2798841362" sldId="312"/>
-            <ac:picMk id="5" creationId="{1B60B5D5-50FA-E331-5351-448E7BEFDBB4}"/>
-          </ac:picMkLst>
-        </pc:picChg>
-      </pc:sldChg>
-      <pc:sldChg chg="modSp mod modNotesTx">
-        <pc:chgData name="나 현희" userId="a7b73e83492eed8a" providerId="LiveId" clId="{F212702E-236B-4959-B623-49B675EF7A4F}" dt="2023-05-07T23:16:44.786" v="195" actId="20577"/>
-        <pc:sldMkLst>
-          <pc:docMk/>
-          <pc:sldMk cId="3011494856" sldId="313"/>
-        </pc:sldMkLst>
-        <pc:spChg chg="mod">
-          <ac:chgData name="나 현희" userId="a7b73e83492eed8a" providerId="LiveId" clId="{F212702E-236B-4959-B623-49B675EF7A4F}" dt="2023-05-07T14:09:46.822" v="185" actId="1076"/>
-          <ac:spMkLst>
-            <pc:docMk/>
-            <pc:sldMk cId="3011494856" sldId="313"/>
-            <ac:spMk id="16" creationId="{31A6B0AB-C59B-F6AE-E683-11E23C64E268}"/>
-          </ac:spMkLst>
-        </pc:spChg>
-        <pc:spChg chg="mod">
-          <ac:chgData name="나 현희" userId="a7b73e83492eed8a" providerId="LiveId" clId="{F212702E-236B-4959-B623-49B675EF7A4F}" dt="2023-05-07T14:09:38.112" v="181" actId="20577"/>
-          <ac:spMkLst>
-            <pc:docMk/>
-            <pc:sldMk cId="3011494856" sldId="313"/>
-            <ac:spMk id="19" creationId="{4B1C32E0-5C8D-3F7F-9E9B-2DEE25DA672A}"/>
-          </ac:spMkLst>
-        </pc:spChg>
-        <pc:picChg chg="mod">
-          <ac:chgData name="나 현희" userId="a7b73e83492eed8a" providerId="LiveId" clId="{F212702E-236B-4959-B623-49B675EF7A4F}" dt="2023-05-07T14:09:43.262" v="184" actId="1076"/>
-          <ac:picMkLst>
-            <pc:docMk/>
-            <pc:sldMk cId="3011494856" sldId="313"/>
-            <ac:picMk id="5" creationId="{221A75AB-3E06-026A-9B2D-F464F39092E7}"/>
-          </ac:picMkLst>
-        </pc:picChg>
-      </pc:sldChg>
-      <pc:sldChg chg="modNotesTx">
-        <pc:chgData name="나 현희" userId="a7b73e83492eed8a" providerId="LiveId" clId="{F212702E-236B-4959-B623-49B675EF7A4F}" dt="2023-05-07T23:15:37.678" v="190" actId="20577"/>
-        <pc:sldMkLst>
-          <pc:docMk/>
-          <pc:sldMk cId="235539631" sldId="318"/>
-        </pc:sldMkLst>
-      </pc:sldChg>
-      <pc:sldChg chg="modNotesTx">
-        <pc:chgData name="나 현희" userId="a7b73e83492eed8a" providerId="LiveId" clId="{F212702E-236B-4959-B623-49B675EF7A4F}" dt="2023-05-07T23:16:53.422" v="196" actId="20577"/>
-        <pc:sldMkLst>
-          <pc:docMk/>
-          <pc:sldMk cId="4051723476" sldId="320"/>
-        </pc:sldMkLst>
-      </pc:sldChg>
-      <pc:sldChg chg="modNotesTx">
-        <pc:chgData name="나 현희" userId="a7b73e83492eed8a" providerId="LiveId" clId="{F212702E-236B-4959-B623-49B675EF7A4F}" dt="2023-05-07T23:15:47.761" v="191" actId="20577"/>
-        <pc:sldMkLst>
-          <pc:docMk/>
-          <pc:sldMk cId="2574738296" sldId="324"/>
-        </pc:sldMkLst>
-      </pc:sldChg>
-      <pc:sldChg chg="modNotesTx">
-        <pc:chgData name="나 현희" userId="a7b73e83492eed8a" providerId="LiveId" clId="{F212702E-236B-4959-B623-49B675EF7A4F}" dt="2023-05-07T23:15:58.160" v="192" actId="20577"/>
-        <pc:sldMkLst>
-          <pc:docMk/>
-          <pc:sldMk cId="1947904416" sldId="326"/>
-        </pc:sldMkLst>
-      </pc:sldChg>
-      <pc:sldChg chg="addSp modSp mod modNotesTx">
-        <pc:chgData name="나 현희" userId="a7b73e83492eed8a" providerId="LiveId" clId="{F212702E-236B-4959-B623-49B675EF7A4F}" dt="2023-05-07T23:16:23.573" v="194" actId="20577"/>
-        <pc:sldMkLst>
-          <pc:docMk/>
-          <pc:sldMk cId="440598943" sldId="328"/>
-        </pc:sldMkLst>
-        <pc:spChg chg="add mod">
-          <ac:chgData name="나 현희" userId="a7b73e83492eed8a" providerId="LiveId" clId="{F212702E-236B-4959-B623-49B675EF7A4F}" dt="2023-05-07T13:20:18.349" v="83" actId="122"/>
-          <ac:spMkLst>
-            <pc:docMk/>
-            <pc:sldMk cId="440598943" sldId="328"/>
-            <ac:spMk id="3" creationId="{443843C6-98CB-D5DA-F899-65781E48ACF3}"/>
-          </ac:spMkLst>
-        </pc:spChg>
-        <pc:grpChg chg="mod">
-          <ac:chgData name="나 현희" userId="a7b73e83492eed8a" providerId="LiveId" clId="{F212702E-236B-4959-B623-49B675EF7A4F}" dt="2023-05-07T13:20:12.642" v="81" actId="1076"/>
-          <ac:grpSpMkLst>
-            <pc:docMk/>
-            <pc:sldMk cId="440598943" sldId="328"/>
-            <ac:grpSpMk id="15" creationId="{00000000-0000-0000-0000-000000000000}"/>
-          </ac:grpSpMkLst>
-        </pc:grpChg>
-        <pc:picChg chg="mod">
-          <ac:chgData name="나 현희" userId="a7b73e83492eed8a" providerId="LiveId" clId="{F212702E-236B-4959-B623-49B675EF7A4F}" dt="2023-05-07T13:09:46.215" v="6" actId="14100"/>
-          <ac:picMkLst>
-            <pc:docMk/>
-            <pc:sldMk cId="440598943" sldId="328"/>
-            <ac:picMk id="16" creationId="{9FEFA0DA-D423-649B-BFF4-D2872A67068F}"/>
-          </ac:picMkLst>
-        </pc:picChg>
-      </pc:sldChg>
-    </pc:docChg>
-  </pc:docChgLst>
   <pc:docChgLst>
     <pc:chgData name="나 현희" userId="a7b73e83492eed8a" providerId="LiveId" clId="{326999BE-42FC-4C4F-A778-1B68E5A9DBBF}"/>
     <pc:docChg chg="undo custSel addSld delSld modSld">
@@ -1030,6 +879,358 @@
       </pc:sldChg>
     </pc:docChg>
   </pc:docChgLst>
+  <pc:docChgLst>
+    <pc:chgData name="나 현희" userId="a7b73e83492eed8a" providerId="LiveId" clId="{F212702E-236B-4959-B623-49B675EF7A4F}"/>
+    <pc:docChg chg="custSel modSld">
+      <pc:chgData name="나 현희" userId="a7b73e83492eed8a" providerId="LiveId" clId="{F212702E-236B-4959-B623-49B675EF7A4F}" dt="2023-05-07T23:16:53.422" v="196" actId="20577"/>
+      <pc:docMkLst>
+        <pc:docMk/>
+      </pc:docMkLst>
+      <pc:sldChg chg="modSp mod modNotesTx">
+        <pc:chgData name="나 현희" userId="a7b73e83492eed8a" providerId="LiveId" clId="{F212702E-236B-4959-B623-49B675EF7A4F}" dt="2023-05-07T23:16:13.078" v="193" actId="20577"/>
+        <pc:sldMkLst>
+          <pc:docMk/>
+          <pc:sldMk cId="2636684587" sldId="309"/>
+        </pc:sldMkLst>
+        <pc:spChg chg="mod">
+          <ac:chgData name="나 현희" userId="a7b73e83492eed8a" providerId="LiveId" clId="{F212702E-236B-4959-B623-49B675EF7A4F}" dt="2023-05-07T14:07:04.205" v="164" actId="14100"/>
+          <ac:spMkLst>
+            <pc:docMk/>
+            <pc:sldMk cId="2636684587" sldId="309"/>
+            <ac:spMk id="18" creationId="{F198F75F-36C7-3C73-EF54-6E4A2DF56C64}"/>
+          </ac:spMkLst>
+        </pc:spChg>
+        <pc:picChg chg="mod">
+          <ac:chgData name="나 현희" userId="a7b73e83492eed8a" providerId="LiveId" clId="{F212702E-236B-4959-B623-49B675EF7A4F}" dt="2023-05-07T14:06:59.916" v="163" actId="1076"/>
+          <ac:picMkLst>
+            <pc:docMk/>
+            <pc:sldMk cId="2636684587" sldId="309"/>
+            <ac:picMk id="17" creationId="{E7E32411-40C9-02B7-3DC0-7AC783268383}"/>
+          </ac:picMkLst>
+        </pc:picChg>
+      </pc:sldChg>
+      <pc:sldChg chg="addSp delSp modSp mod modNotesTx">
+        <pc:chgData name="나 현희" userId="a7b73e83492eed8a" providerId="LiveId" clId="{F212702E-236B-4959-B623-49B675EF7A4F}" dt="2023-05-07T23:15:25.867" v="189" actId="20577"/>
+        <pc:sldMkLst>
+          <pc:docMk/>
+          <pc:sldMk cId="2798841362" sldId="312"/>
+        </pc:sldMkLst>
+        <pc:picChg chg="del">
+          <ac:chgData name="나 현희" userId="a7b73e83492eed8a" providerId="LiveId" clId="{F212702E-236B-4959-B623-49B675EF7A4F}" dt="2023-05-07T13:08:38.777" v="0" actId="478"/>
+          <ac:picMkLst>
+            <pc:docMk/>
+            <pc:sldMk cId="2798841362" sldId="312"/>
+            <ac:picMk id="3" creationId="{4EEC6A53-ED8B-570D-2486-C6A83FF93AAF}"/>
+          </ac:picMkLst>
+        </pc:picChg>
+        <pc:picChg chg="del">
+          <ac:chgData name="나 현희" userId="a7b73e83492eed8a" providerId="LiveId" clId="{F212702E-236B-4959-B623-49B675EF7A4F}" dt="2023-05-07T13:08:40.126" v="1" actId="478"/>
+          <ac:picMkLst>
+            <pc:docMk/>
+            <pc:sldMk cId="2798841362" sldId="312"/>
+            <ac:picMk id="4" creationId="{2B60ADE5-D4FC-23D7-EAEC-8BF04222EB21}"/>
+          </ac:picMkLst>
+        </pc:picChg>
+        <pc:picChg chg="add mod">
+          <ac:chgData name="나 현희" userId="a7b73e83492eed8a" providerId="LiveId" clId="{F212702E-236B-4959-B623-49B675EF7A4F}" dt="2023-05-07T13:08:47.980" v="5" actId="1076"/>
+          <ac:picMkLst>
+            <pc:docMk/>
+            <pc:sldMk cId="2798841362" sldId="312"/>
+            <ac:picMk id="5" creationId="{1B60B5D5-50FA-E331-5351-448E7BEFDBB4}"/>
+          </ac:picMkLst>
+        </pc:picChg>
+      </pc:sldChg>
+      <pc:sldChg chg="modSp mod modNotesTx">
+        <pc:chgData name="나 현희" userId="a7b73e83492eed8a" providerId="LiveId" clId="{F212702E-236B-4959-B623-49B675EF7A4F}" dt="2023-05-07T23:16:44.786" v="195" actId="20577"/>
+        <pc:sldMkLst>
+          <pc:docMk/>
+          <pc:sldMk cId="3011494856" sldId="313"/>
+        </pc:sldMkLst>
+        <pc:spChg chg="mod">
+          <ac:chgData name="나 현희" userId="a7b73e83492eed8a" providerId="LiveId" clId="{F212702E-236B-4959-B623-49B675EF7A4F}" dt="2023-05-07T14:09:46.822" v="185" actId="1076"/>
+          <ac:spMkLst>
+            <pc:docMk/>
+            <pc:sldMk cId="3011494856" sldId="313"/>
+            <ac:spMk id="16" creationId="{31A6B0AB-C59B-F6AE-E683-11E23C64E268}"/>
+          </ac:spMkLst>
+        </pc:spChg>
+        <pc:spChg chg="mod">
+          <ac:chgData name="나 현희" userId="a7b73e83492eed8a" providerId="LiveId" clId="{F212702E-236B-4959-B623-49B675EF7A4F}" dt="2023-05-07T14:09:38.112" v="181" actId="20577"/>
+          <ac:spMkLst>
+            <pc:docMk/>
+            <pc:sldMk cId="3011494856" sldId="313"/>
+            <ac:spMk id="19" creationId="{4B1C32E0-5C8D-3F7F-9E9B-2DEE25DA672A}"/>
+          </ac:spMkLst>
+        </pc:spChg>
+        <pc:picChg chg="mod">
+          <ac:chgData name="나 현희" userId="a7b73e83492eed8a" providerId="LiveId" clId="{F212702E-236B-4959-B623-49B675EF7A4F}" dt="2023-05-07T14:09:43.262" v="184" actId="1076"/>
+          <ac:picMkLst>
+            <pc:docMk/>
+            <pc:sldMk cId="3011494856" sldId="313"/>
+            <ac:picMk id="5" creationId="{221A75AB-3E06-026A-9B2D-F464F39092E7}"/>
+          </ac:picMkLst>
+        </pc:picChg>
+      </pc:sldChg>
+      <pc:sldChg chg="modNotesTx">
+        <pc:chgData name="나 현희" userId="a7b73e83492eed8a" providerId="LiveId" clId="{F212702E-236B-4959-B623-49B675EF7A4F}" dt="2023-05-07T23:15:37.678" v="190" actId="20577"/>
+        <pc:sldMkLst>
+          <pc:docMk/>
+          <pc:sldMk cId="235539631" sldId="318"/>
+        </pc:sldMkLst>
+      </pc:sldChg>
+      <pc:sldChg chg="modNotesTx">
+        <pc:chgData name="나 현희" userId="a7b73e83492eed8a" providerId="LiveId" clId="{F212702E-236B-4959-B623-49B675EF7A4F}" dt="2023-05-07T23:16:53.422" v="196" actId="20577"/>
+        <pc:sldMkLst>
+          <pc:docMk/>
+          <pc:sldMk cId="4051723476" sldId="320"/>
+        </pc:sldMkLst>
+      </pc:sldChg>
+      <pc:sldChg chg="modNotesTx">
+        <pc:chgData name="나 현희" userId="a7b73e83492eed8a" providerId="LiveId" clId="{F212702E-236B-4959-B623-49B675EF7A4F}" dt="2023-05-07T23:15:47.761" v="191" actId="20577"/>
+        <pc:sldMkLst>
+          <pc:docMk/>
+          <pc:sldMk cId="2574738296" sldId="324"/>
+        </pc:sldMkLst>
+      </pc:sldChg>
+      <pc:sldChg chg="modNotesTx">
+        <pc:chgData name="나 현희" userId="a7b73e83492eed8a" providerId="LiveId" clId="{F212702E-236B-4959-B623-49B675EF7A4F}" dt="2023-05-07T23:15:58.160" v="192" actId="20577"/>
+        <pc:sldMkLst>
+          <pc:docMk/>
+          <pc:sldMk cId="1947904416" sldId="326"/>
+        </pc:sldMkLst>
+      </pc:sldChg>
+      <pc:sldChg chg="addSp modSp mod modNotesTx">
+        <pc:chgData name="나 현희" userId="a7b73e83492eed8a" providerId="LiveId" clId="{F212702E-236B-4959-B623-49B675EF7A4F}" dt="2023-05-07T23:16:23.573" v="194" actId="20577"/>
+        <pc:sldMkLst>
+          <pc:docMk/>
+          <pc:sldMk cId="440598943" sldId="328"/>
+        </pc:sldMkLst>
+        <pc:spChg chg="add mod">
+          <ac:chgData name="나 현희" userId="a7b73e83492eed8a" providerId="LiveId" clId="{F212702E-236B-4959-B623-49B675EF7A4F}" dt="2023-05-07T13:20:18.349" v="83" actId="122"/>
+          <ac:spMkLst>
+            <pc:docMk/>
+            <pc:sldMk cId="440598943" sldId="328"/>
+            <ac:spMk id="3" creationId="{443843C6-98CB-D5DA-F899-65781E48ACF3}"/>
+          </ac:spMkLst>
+        </pc:spChg>
+        <pc:grpChg chg="mod">
+          <ac:chgData name="나 현희" userId="a7b73e83492eed8a" providerId="LiveId" clId="{F212702E-236B-4959-B623-49B675EF7A4F}" dt="2023-05-07T13:20:12.642" v="81" actId="1076"/>
+          <ac:grpSpMkLst>
+            <pc:docMk/>
+            <pc:sldMk cId="440598943" sldId="328"/>
+            <ac:grpSpMk id="15" creationId="{00000000-0000-0000-0000-000000000000}"/>
+          </ac:grpSpMkLst>
+        </pc:grpChg>
+        <pc:picChg chg="mod">
+          <ac:chgData name="나 현희" userId="a7b73e83492eed8a" providerId="LiveId" clId="{F212702E-236B-4959-B623-49B675EF7A4F}" dt="2023-05-07T13:09:46.215" v="6" actId="14100"/>
+          <ac:picMkLst>
+            <pc:docMk/>
+            <pc:sldMk cId="440598943" sldId="328"/>
+            <ac:picMk id="16" creationId="{9FEFA0DA-D423-649B-BFF4-D2872A67068F}"/>
+          </ac:picMkLst>
+        </pc:picChg>
+      </pc:sldChg>
+    </pc:docChg>
+  </pc:docChgLst>
+  <pc:docChgLst>
+    <pc:chgData name="나 현희" userId="a7b73e83492eed8a" providerId="LiveId" clId="{9EABD138-AAC5-47B5-AB84-2CF123370297}"/>
+    <pc:docChg chg="undo custSel addSld delSld modSld sldOrd">
+      <pc:chgData name="나 현희" userId="a7b73e83492eed8a" providerId="LiveId" clId="{9EABD138-AAC5-47B5-AB84-2CF123370297}" dt="2023-05-21T14:13:47.719" v="1947"/>
+      <pc:docMkLst>
+        <pc:docMk/>
+      </pc:docMkLst>
+      <pc:sldChg chg="addSp delSp modSp">
+        <pc:chgData name="나 현희" userId="a7b73e83492eed8a" providerId="LiveId" clId="{9EABD138-AAC5-47B5-AB84-2CF123370297}" dt="2023-05-21T13:28:22.383" v="3"/>
+        <pc:sldMkLst>
+          <pc:docMk/>
+          <pc:sldMk cId="4278966524" sldId="329"/>
+        </pc:sldMkLst>
+        <pc:graphicFrameChg chg="add del mod">
+          <ac:chgData name="나 현희" userId="a7b73e83492eed8a" providerId="LiveId" clId="{9EABD138-AAC5-47B5-AB84-2CF123370297}" dt="2023-05-21T13:28:22.383" v="3"/>
+          <ac:graphicFrameMkLst>
+            <pc:docMk/>
+            <pc:sldMk cId="4278966524" sldId="329"/>
+            <ac:graphicFrameMk id="4" creationId="{4965007D-C72F-D62C-EBCD-26A66560E7EE}"/>
+          </ac:graphicFrameMkLst>
+        </pc:graphicFrameChg>
+      </pc:sldChg>
+      <pc:sldChg chg="ord">
+        <pc:chgData name="나 현희" userId="a7b73e83492eed8a" providerId="LiveId" clId="{9EABD138-AAC5-47B5-AB84-2CF123370297}" dt="2023-05-21T14:13:47.719" v="1947"/>
+        <pc:sldMkLst>
+          <pc:docMk/>
+          <pc:sldMk cId="1066916371" sldId="330"/>
+        </pc:sldMkLst>
+      </pc:sldChg>
+      <pc:sldChg chg="add ord modNotesTx">
+        <pc:chgData name="나 현희" userId="a7b73e83492eed8a" providerId="LiveId" clId="{9EABD138-AAC5-47B5-AB84-2CF123370297}" dt="2023-05-21T14:13:43.524" v="1943"/>
+        <pc:sldMkLst>
+          <pc:docMk/>
+          <pc:sldMk cId="70289319" sldId="331"/>
+        </pc:sldMkLst>
+      </pc:sldChg>
+      <pc:sldChg chg="new del">
+        <pc:chgData name="나 현희" userId="a7b73e83492eed8a" providerId="LiveId" clId="{9EABD138-AAC5-47B5-AB84-2CF123370297}" dt="2023-05-21T13:27:34.476" v="1" actId="47"/>
+        <pc:sldMkLst>
+          <pc:docMk/>
+          <pc:sldMk cId="487024307" sldId="331"/>
+        </pc:sldMkLst>
+      </pc:sldChg>
+      <pc:sldChg chg="addSp delSp modSp add del mod modNotesTx">
+        <pc:chgData name="나 현희" userId="a7b73e83492eed8a" providerId="LiveId" clId="{9EABD138-AAC5-47B5-AB84-2CF123370297}" dt="2023-05-21T14:02:16.217" v="747" actId="47"/>
+        <pc:sldMkLst>
+          <pc:docMk/>
+          <pc:sldMk cId="1737971820" sldId="331"/>
+        </pc:sldMkLst>
+        <pc:spChg chg="mod">
+          <ac:chgData name="나 현희" userId="a7b73e83492eed8a" providerId="LiveId" clId="{9EABD138-AAC5-47B5-AB84-2CF123370297}" dt="2023-05-21T13:36:31.067" v="68" actId="20577"/>
+          <ac:spMkLst>
+            <pc:docMk/>
+            <pc:sldMk cId="1737971820" sldId="331"/>
+            <ac:spMk id="11" creationId="{00000000-0000-0000-0000-000000000000}"/>
+          </ac:spMkLst>
+        </pc:spChg>
+        <pc:spChg chg="add del mod">
+          <ac:chgData name="나 현희" userId="a7b73e83492eed8a" providerId="LiveId" clId="{9EABD138-AAC5-47B5-AB84-2CF123370297}" dt="2023-05-21T13:36:37.866" v="75" actId="21"/>
+          <ac:spMkLst>
+            <pc:docMk/>
+            <pc:sldMk cId="1737971820" sldId="331"/>
+            <ac:spMk id="17" creationId="{E9F2D474-0666-92DC-C843-C6DD9A3C2681}"/>
+          </ac:spMkLst>
+        </pc:spChg>
+        <pc:spChg chg="add del">
+          <ac:chgData name="나 현희" userId="a7b73e83492eed8a" providerId="LiveId" clId="{9EABD138-AAC5-47B5-AB84-2CF123370297}" dt="2023-05-21T14:02:08.834" v="744" actId="22"/>
+          <ac:spMkLst>
+            <pc:docMk/>
+            <pc:sldMk cId="1737971820" sldId="331"/>
+            <ac:spMk id="19" creationId="{564EC494-2B4D-F485-F376-D882E31FDF90}"/>
+          </ac:spMkLst>
+        </pc:spChg>
+        <pc:picChg chg="del">
+          <ac:chgData name="나 현희" userId="a7b73e83492eed8a" providerId="LiveId" clId="{9EABD138-AAC5-47B5-AB84-2CF123370297}" dt="2023-05-21T13:29:41.581" v="32" actId="478"/>
+          <ac:picMkLst>
+            <pc:docMk/>
+            <pc:sldMk cId="1737971820" sldId="331"/>
+            <ac:picMk id="2" creationId="{A4880EBB-719D-9D41-9499-76943E2D993C}"/>
+          </ac:picMkLst>
+        </pc:picChg>
+        <pc:picChg chg="add mod">
+          <ac:chgData name="나 현희" userId="a7b73e83492eed8a" providerId="LiveId" clId="{9EABD138-AAC5-47B5-AB84-2CF123370297}" dt="2023-05-21T13:49:44.744" v="739" actId="14100"/>
+          <ac:picMkLst>
+            <pc:docMk/>
+            <pc:sldMk cId="1737971820" sldId="331"/>
+            <ac:picMk id="5" creationId="{A0D79531-05D4-DA3D-DB70-0548BE5BDFC5}"/>
+          </ac:picMkLst>
+        </pc:picChg>
+        <pc:picChg chg="add mod">
+          <ac:chgData name="나 현희" userId="a7b73e83492eed8a" providerId="LiveId" clId="{9EABD138-AAC5-47B5-AB84-2CF123370297}" dt="2023-05-21T13:49:49.919" v="742" actId="14100"/>
+          <ac:picMkLst>
+            <pc:docMk/>
+            <pc:sldMk cId="1737971820" sldId="331"/>
+            <ac:picMk id="16" creationId="{C61A9038-B444-9AD4-320E-2D87FD2CB2F5}"/>
+          </ac:picMkLst>
+        </pc:picChg>
+      </pc:sldChg>
+      <pc:sldChg chg="new del">
+        <pc:chgData name="나 현희" userId="a7b73e83492eed8a" providerId="LiveId" clId="{9EABD138-AAC5-47B5-AB84-2CF123370297}" dt="2023-05-21T14:02:17.546" v="748" actId="47"/>
+        <pc:sldMkLst>
+          <pc:docMk/>
+          <pc:sldMk cId="567942892" sldId="332"/>
+        </pc:sldMkLst>
+      </pc:sldChg>
+      <pc:sldChg chg="addSp delSp modSp add mod ord modNotesTx">
+        <pc:chgData name="나 현희" userId="a7b73e83492eed8a" providerId="LiveId" clId="{9EABD138-AAC5-47B5-AB84-2CF123370297}" dt="2023-05-21T14:13:40.440" v="1941"/>
+        <pc:sldMkLst>
+          <pc:docMk/>
+          <pc:sldMk cId="2539699528" sldId="333"/>
+        </pc:sldMkLst>
+        <pc:spChg chg="add mod">
+          <ac:chgData name="나 현희" userId="a7b73e83492eed8a" providerId="LiveId" clId="{9EABD138-AAC5-47B5-AB84-2CF123370297}" dt="2023-05-21T14:05:45.010" v="1059" actId="14100"/>
+          <ac:spMkLst>
+            <pc:docMk/>
+            <pc:sldMk cId="2539699528" sldId="333"/>
+            <ac:spMk id="2" creationId="{732DDCB5-CC4B-29EA-6F45-E6A57730CB36}"/>
+          </ac:spMkLst>
+        </pc:spChg>
+        <pc:spChg chg="add mod">
+          <ac:chgData name="나 현희" userId="a7b73e83492eed8a" providerId="LiveId" clId="{9EABD138-AAC5-47B5-AB84-2CF123370297}" dt="2023-05-21T14:06:48.763" v="1254" actId="20577"/>
+          <ac:spMkLst>
+            <pc:docMk/>
+            <pc:sldMk cId="2539699528" sldId="333"/>
+            <ac:spMk id="4" creationId="{4B710C82-5B4F-2D90-8B95-CB1A534776D1}"/>
+          </ac:spMkLst>
+        </pc:spChg>
+        <pc:picChg chg="del">
+          <ac:chgData name="나 현희" userId="a7b73e83492eed8a" providerId="LiveId" clId="{9EABD138-AAC5-47B5-AB84-2CF123370297}" dt="2023-05-21T14:02:40.902" v="750" actId="478"/>
+          <ac:picMkLst>
+            <pc:docMk/>
+            <pc:sldMk cId="2539699528" sldId="333"/>
+            <ac:picMk id="5" creationId="{A0D79531-05D4-DA3D-DB70-0548BE5BDFC5}"/>
+          </ac:picMkLst>
+        </pc:picChg>
+        <pc:picChg chg="del">
+          <ac:chgData name="나 현희" userId="a7b73e83492eed8a" providerId="LiveId" clId="{9EABD138-AAC5-47B5-AB84-2CF123370297}" dt="2023-05-21T14:02:42.501" v="751" actId="478"/>
+          <ac:picMkLst>
+            <pc:docMk/>
+            <pc:sldMk cId="2539699528" sldId="333"/>
+            <ac:picMk id="16" creationId="{C61A9038-B444-9AD4-320E-2D87FD2CB2F5}"/>
+          </ac:picMkLst>
+        </pc:picChg>
+      </pc:sldChg>
+      <pc:sldChg chg="new del">
+        <pc:chgData name="나 현희" userId="a7b73e83492eed8a" providerId="LiveId" clId="{9EABD138-AAC5-47B5-AB84-2CF123370297}" dt="2023-05-21T14:10:34.417" v="1649" actId="47"/>
+        <pc:sldMkLst>
+          <pc:docMk/>
+          <pc:sldMk cId="713596731" sldId="334"/>
+        </pc:sldMkLst>
+      </pc:sldChg>
+      <pc:sldChg chg="add del">
+        <pc:chgData name="나 현희" userId="a7b73e83492eed8a" providerId="LiveId" clId="{9EABD138-AAC5-47B5-AB84-2CF123370297}" dt="2023-05-21T14:08:01.149" v="1385"/>
+        <pc:sldMkLst>
+          <pc:docMk/>
+          <pc:sldMk cId="601135237" sldId="335"/>
+        </pc:sldMkLst>
+      </pc:sldChg>
+      <pc:sldChg chg="addSp delSp modSp add mod ord modNotesTx">
+        <pc:chgData name="나 현희" userId="a7b73e83492eed8a" providerId="LiveId" clId="{9EABD138-AAC5-47B5-AB84-2CF123370297}" dt="2023-05-21T14:13:46.365" v="1945"/>
+        <pc:sldMkLst>
+          <pc:docMk/>
+          <pc:sldMk cId="4088651292" sldId="335"/>
+        </pc:sldMkLst>
+        <pc:spChg chg="add mod">
+          <ac:chgData name="나 현희" userId="a7b73e83492eed8a" providerId="LiveId" clId="{9EABD138-AAC5-47B5-AB84-2CF123370297}" dt="2023-05-21T14:10:07.689" v="1559" actId="20577"/>
+          <ac:spMkLst>
+            <pc:docMk/>
+            <pc:sldMk cId="4088651292" sldId="335"/>
+            <ac:spMk id="6" creationId="{DDD41292-C496-0DDA-5C9F-615CEEDDFF98}"/>
+          </ac:spMkLst>
+        </pc:spChg>
+        <pc:picChg chg="add mod">
+          <ac:chgData name="나 현희" userId="a7b73e83492eed8a" providerId="LiveId" clId="{9EABD138-AAC5-47B5-AB84-2CF123370297}" dt="2023-05-21T14:08:39.183" v="1393" actId="1076"/>
+          <ac:picMkLst>
+            <pc:docMk/>
+            <pc:sldMk cId="4088651292" sldId="335"/>
+            <ac:picMk id="4" creationId="{669AC63A-4BBC-AEDE-BB9D-FF65E847E16D}"/>
+          </ac:picMkLst>
+        </pc:picChg>
+        <pc:picChg chg="del">
+          <ac:chgData name="나 현희" userId="a7b73e83492eed8a" providerId="LiveId" clId="{9EABD138-AAC5-47B5-AB84-2CF123370297}" dt="2023-05-21T14:08:05.906" v="1387" actId="478"/>
+          <ac:picMkLst>
+            <pc:docMk/>
+            <pc:sldMk cId="4088651292" sldId="335"/>
+            <ac:picMk id="5" creationId="{A0D79531-05D4-DA3D-DB70-0548BE5BDFC5}"/>
+          </ac:picMkLst>
+        </pc:picChg>
+        <pc:picChg chg="del">
+          <ac:chgData name="나 현희" userId="a7b73e83492eed8a" providerId="LiveId" clId="{9EABD138-AAC5-47B5-AB84-2CF123370297}" dt="2023-05-21T14:08:07.492" v="1388" actId="478"/>
+          <ac:picMkLst>
+            <pc:docMk/>
+            <pc:sldMk cId="4088651292" sldId="335"/>
+            <ac:picMk id="16" creationId="{C61A9038-B444-9AD4-320E-2D87FD2CB2F5}"/>
+          </ac:picMkLst>
+        </pc:picChg>
+      </pc:sldChg>
+    </pc:docChg>
+  </pc:docChgLst>
 </pc:chgInfo>
 </file>
 
@@ -1853,6 +2054,22 @@
               <a:tabLst/>
               <a:defRPr/>
             </a:pPr>
+            <a:r>
+              <a:rPr lang="en-US" altLang="ko-KR" dirty="0"/>
+              <a:t>Gpt2 </a:t>
+            </a:r>
+            <a:r>
+              <a:rPr lang="ko-KR" altLang="en-US" dirty="0"/>
+              <a:t>모델은 한국어 지원이 </a:t>
+            </a:r>
+            <a:r>
+              <a:rPr lang="ko-KR" altLang="en-US" dirty="0" err="1"/>
+              <a:t>안됌</a:t>
+            </a:r>
+            <a:r>
+              <a:rPr lang="ko-KR" altLang="en-US" dirty="0"/>
+              <a:t> </a:t>
+            </a:r>
             <a:endParaRPr lang="en-US" altLang="ko-KR" dirty="0"/>
           </a:p>
         </p:txBody>
@@ -1884,7 +2101,7 @@
     </p:spTree>
     <p:extLst>
       <p:ext uri="{BB962C8B-B14F-4D97-AF65-F5344CB8AC3E}">
-        <p14:creationId xmlns:p14="http://schemas.microsoft.com/office/powerpoint/2010/main" val="2388119030"/>
+        <p14:creationId xmlns:p14="http://schemas.microsoft.com/office/powerpoint/2010/main" val="1030607387"/>
       </p:ext>
     </p:extLst>
   </p:cSld>
@@ -1955,6 +2172,201 @@
               <a:tabLst/>
               <a:defRPr/>
             </a:pPr>
+            <a:r>
+              <a:rPr lang="en-US" altLang="ko-KR" dirty="0"/>
+              <a:t>Kogpt2</a:t>
+            </a:r>
+            <a:r>
+              <a:rPr lang="ko-KR" altLang="en-US" dirty="0"/>
+              <a:t>를 학습 시키려는 데이터셋에 맞게 파인 튜닝 </a:t>
+            </a:r>
+            <a:endParaRPr lang="en-US" altLang="ko-KR" dirty="0"/>
+          </a:p>
+          <a:p>
+            <a:pPr marL="0" marR="0" lvl="0" indent="0" algn="l" defTabSz="914400" rtl="0" eaLnBrk="1" fontAlgn="auto" latinLnBrk="1" hangingPunct="1">
+              <a:lnSpc>
+                <a:spcPct val="100000"/>
+              </a:lnSpc>
+              <a:spcBef>
+                <a:spcPts val="0"/>
+              </a:spcBef>
+              <a:spcAft>
+                <a:spcPts val="0"/>
+              </a:spcAft>
+              <a:buClrTx/>
+              <a:buSzTx/>
+              <a:buFontTx/>
+              <a:buNone/>
+              <a:tabLst/>
+              <a:defRPr/>
+            </a:pPr>
+            <a:r>
+              <a:rPr lang="en-US" altLang="ko-KR" dirty="0"/>
+              <a:t>Kogpt2</a:t>
+            </a:r>
+            <a:r>
+              <a:rPr lang="ko-KR" altLang="en-US" dirty="0"/>
+              <a:t>를 사용하려는 데이터셋 크기에 맞게 데이터 </a:t>
+            </a:r>
+            <a:r>
+              <a:rPr lang="ko-KR" altLang="en-US" dirty="0" err="1"/>
+              <a:t>로더</a:t>
+            </a:r>
+            <a:r>
+              <a:rPr lang="ko-KR" altLang="en-US" dirty="0"/>
+              <a:t> 생성을 </a:t>
+            </a:r>
+            <a:r>
+              <a:rPr lang="en-US" altLang="ko-KR" dirty="0" err="1"/>
+              <a:t>batch_size</a:t>
+            </a:r>
+            <a:r>
+              <a:rPr lang="en-US" altLang="ko-KR" dirty="0"/>
+              <a:t>=4, </a:t>
+            </a:r>
+            <a:r>
+              <a:rPr lang="en-US" altLang="ko-KR" dirty="0" err="1"/>
+              <a:t>max_length</a:t>
+            </a:r>
+            <a:r>
+              <a:rPr lang="en-US" altLang="ko-KR" dirty="0"/>
+              <a:t>=512</a:t>
+            </a:r>
+            <a:r>
+              <a:rPr lang="ko-KR" altLang="en-US" dirty="0"/>
+              <a:t>로 설정을 해주었고</a:t>
+            </a:r>
+            <a:r>
+              <a:rPr lang="en-US" altLang="ko-KR" dirty="0"/>
+              <a:t>, optimizer</a:t>
+            </a:r>
+            <a:r>
+              <a:rPr lang="ko-KR" altLang="en-US" dirty="0"/>
+              <a:t>로 </a:t>
+            </a:r>
+            <a:r>
+              <a:rPr lang="en-US" altLang="ko-KR" dirty="0" err="1"/>
+              <a:t>adamw</a:t>
+            </a:r>
+            <a:r>
+              <a:rPr lang="en-US" altLang="ko-KR" dirty="0"/>
+              <a:t>(</a:t>
+            </a:r>
+            <a:r>
+              <a:rPr lang="en-US" altLang="ko-KR" dirty="0" err="1"/>
+              <a:t>adam</a:t>
+            </a:r>
+            <a:r>
+              <a:rPr lang="ko-KR" altLang="en-US" dirty="0"/>
+              <a:t>의 변형으로 가중치 감쇠를 적용하여 모델의 일반화 성능을 </a:t>
+            </a:r>
+            <a:r>
+              <a:rPr lang="ko-KR" altLang="en-US" dirty="0" err="1"/>
+              <a:t>향상시김</a:t>
+            </a:r>
+            <a:r>
+              <a:rPr lang="en-US" altLang="ko-KR" dirty="0"/>
+              <a:t>)</a:t>
+            </a:r>
+            <a:r>
+              <a:rPr lang="ko-KR" altLang="en-US" dirty="0"/>
+              <a:t>를 사용하고 </a:t>
+            </a:r>
+            <a:r>
+              <a:rPr lang="en-US" altLang="ko-KR" dirty="0"/>
+              <a:t>learning rate</a:t>
+            </a:r>
+            <a:r>
+              <a:rPr lang="ko-KR" altLang="en-US" dirty="0"/>
+              <a:t>를 </a:t>
+            </a:r>
+            <a:r>
+              <a:rPr lang="en-US" altLang="ko-KR" dirty="0"/>
+              <a:t>1e-4,</a:t>
+            </a:r>
+            <a:r>
+              <a:rPr lang="ko-KR" altLang="en-US" dirty="0"/>
+              <a:t> </a:t>
+            </a:r>
+            <a:r>
+              <a:rPr lang="en-US" altLang="ko-KR" dirty="0" err="1"/>
+              <a:t>crodssentropyloss</a:t>
+            </a:r>
+            <a:r>
+              <a:rPr lang="en-US" altLang="ko-KR" dirty="0"/>
+              <a:t>(</a:t>
+            </a:r>
+            <a:r>
+              <a:rPr lang="ko-KR" altLang="en-US" dirty="0"/>
+              <a:t>소프트</a:t>
+            </a:r>
+            <a:r>
+              <a:rPr lang="en-US" altLang="ko-KR" dirty="0"/>
+              <a:t> </a:t>
+            </a:r>
+            <a:r>
+              <a:rPr lang="ko-KR" altLang="en-US" dirty="0"/>
+              <a:t>맥스 함수를 내장하고 있어 모델의 </a:t>
+            </a:r>
+            <a:r>
+              <a:rPr lang="ko-KR" altLang="en-US" dirty="0" err="1"/>
+              <a:t>출력값과</a:t>
+            </a:r>
+            <a:r>
+              <a:rPr lang="ko-KR" altLang="en-US" dirty="0"/>
+              <a:t> 레이블을 입력으로 받아 손실을 계산</a:t>
+            </a:r>
+            <a:r>
+              <a:rPr lang="en-US" altLang="ko-KR" dirty="0"/>
+              <a:t>)</a:t>
+            </a:r>
+            <a:r>
+              <a:rPr lang="ko-KR" altLang="en-US" dirty="0"/>
+              <a:t>를 사용</a:t>
+            </a:r>
+            <a:endParaRPr lang="en-US" altLang="ko-KR" dirty="0"/>
+          </a:p>
+          <a:p>
+            <a:pPr marL="0" marR="0" lvl="0" indent="0" algn="l" defTabSz="914400" rtl="0" eaLnBrk="1" fontAlgn="auto" latinLnBrk="1" hangingPunct="1">
+              <a:lnSpc>
+                <a:spcPct val="100000"/>
+              </a:lnSpc>
+              <a:spcBef>
+                <a:spcPts val="0"/>
+              </a:spcBef>
+              <a:spcAft>
+                <a:spcPts val="0"/>
+              </a:spcAft>
+              <a:buClrTx/>
+              <a:buSzTx/>
+              <a:buFontTx/>
+              <a:buNone/>
+              <a:tabLst/>
+              <a:defRPr/>
+            </a:pPr>
+            <a:r>
+              <a:rPr lang="en-US" altLang="ko-KR" dirty="0"/>
+              <a:t> </a:t>
+            </a:r>
+          </a:p>
+          <a:p>
+            <a:pPr marL="0" marR="0" lvl="0" indent="0" algn="l" defTabSz="914400" rtl="0" eaLnBrk="1" fontAlgn="auto" latinLnBrk="1" hangingPunct="1">
+              <a:lnSpc>
+                <a:spcPct val="100000"/>
+              </a:lnSpc>
+              <a:spcBef>
+                <a:spcPts val="0"/>
+              </a:spcBef>
+              <a:spcAft>
+                <a:spcPts val="0"/>
+              </a:spcAft>
+              <a:buClrTx/>
+              <a:buSzTx/>
+              <a:buFontTx/>
+              <a:buNone/>
+              <a:tabLst/>
+              <a:defRPr/>
+            </a:pPr>
             <a:endParaRPr lang="en-US" altLang="ko-KR" dirty="0"/>
           </a:p>
         </p:txBody>
@@ -1978,6 +2390,408 @@
               <a:rPr lang="ko-KR" altLang="en-US" smtClean="0"/>
               <a:pPr/>
               <a:t>6</a:t>
+            </a:fld>
+            <a:endParaRPr lang="ko-KR" altLang="en-US"/>
+          </a:p>
+        </p:txBody>
+      </p:sp>
+    </p:spTree>
+    <p:extLst>
+      <p:ext uri="{BB962C8B-B14F-4D97-AF65-F5344CB8AC3E}">
+        <p14:creationId xmlns:p14="http://schemas.microsoft.com/office/powerpoint/2010/main" val="691335616"/>
+      </p:ext>
+    </p:extLst>
+  </p:cSld>
+  <p:clrMapOvr>
+    <a:masterClrMapping/>
+  </p:clrMapOvr>
+</p:notes>
+</file>
+
+<file path=ppt/notesSlides/notesSlide7.xml><?xml version="1.0" encoding="utf-8"?>
+<p:notes xmlns:a="http://schemas.openxmlformats.org/drawingml/2006/main" xmlns:r="http://schemas.openxmlformats.org/officeDocument/2006/relationships" xmlns:p="http://schemas.openxmlformats.org/presentationml/2006/main">
+  <p:cSld>
+    <p:spTree>
+      <p:nvGrpSpPr>
+        <p:cNvPr id="1" name=""/>
+        <p:cNvGrpSpPr/>
+        <p:nvPr/>
+      </p:nvGrpSpPr>
+      <p:grpSpPr>
+        <a:xfrm>
+          <a:off x="0" y="0"/>
+          <a:ext cx="0" cy="0"/>
+          <a:chOff x="0" y="0"/>
+          <a:chExt cx="0" cy="0"/>
+        </a:xfrm>
+      </p:grpSpPr>
+      <p:sp>
+        <p:nvSpPr>
+          <p:cNvPr id="2" name="슬라이드 이미지 개체 틀 1"/>
+          <p:cNvSpPr>
+            <a:spLocks noGrp="1" noRot="1" noChangeAspect="1"/>
+          </p:cNvSpPr>
+          <p:nvPr>
+            <p:ph type="sldImg"/>
+          </p:nvPr>
+        </p:nvSpPr>
+        <p:spPr/>
+      </p:sp>
+      <p:sp>
+        <p:nvSpPr>
+          <p:cNvPr id="3" name="슬라이드 노트 개체 틀 2"/>
+          <p:cNvSpPr>
+            <a:spLocks noGrp="1"/>
+          </p:cNvSpPr>
+          <p:nvPr>
+            <p:ph type="body" idx="1"/>
+          </p:nvPr>
+        </p:nvSpPr>
+        <p:spPr/>
+        <p:txBody>
+          <a:bodyPr/>
+          <a:lstStyle/>
+          <a:p>
+            <a:pPr marL="0" marR="0" lvl="0" indent="0" algn="l" defTabSz="914400" rtl="0" eaLnBrk="1" fontAlgn="auto" latinLnBrk="1" hangingPunct="1">
+              <a:lnSpc>
+                <a:spcPct val="100000"/>
+              </a:lnSpc>
+              <a:spcBef>
+                <a:spcPts val="0"/>
+              </a:spcBef>
+              <a:spcAft>
+                <a:spcPts val="0"/>
+              </a:spcAft>
+              <a:buClrTx/>
+              <a:buSzTx/>
+              <a:buFontTx/>
+              <a:buNone/>
+              <a:tabLst/>
+              <a:defRPr/>
+            </a:pPr>
+            <a:r>
+              <a:rPr lang="ko-KR" altLang="en-US" dirty="0"/>
+              <a:t>샘플 데이터를 넣어서 </a:t>
+            </a:r>
+            <a:r>
+              <a:rPr lang="en-US" altLang="ko-KR" dirty="0"/>
+              <a:t>loss</a:t>
+            </a:r>
+            <a:r>
+              <a:rPr lang="ko-KR" altLang="en-US" dirty="0"/>
+              <a:t>를 확인했는데 비정상적으로 낮게 출력</a:t>
+            </a:r>
+            <a:r>
+              <a:rPr lang="en-US" altLang="ko-KR" dirty="0"/>
+              <a:t>,  </a:t>
+            </a:r>
+            <a:r>
+              <a:rPr lang="ko-KR" altLang="en-US" dirty="0"/>
+              <a:t>요약을 출력해봐도 성능이 좋지 않게 </a:t>
+            </a:r>
+            <a:r>
+              <a:rPr lang="ko-KR" altLang="en-US" dirty="0" err="1"/>
+              <a:t>나오는것을</a:t>
+            </a:r>
+            <a:r>
+              <a:rPr lang="ko-KR" altLang="en-US" dirty="0"/>
+              <a:t> 확인 </a:t>
+            </a:r>
+            <a:endParaRPr lang="en-US" altLang="ko-KR" dirty="0"/>
+          </a:p>
+          <a:p>
+            <a:pPr marL="0" marR="0" lvl="0" indent="0" algn="l" defTabSz="914400" rtl="0" eaLnBrk="1" fontAlgn="auto" latinLnBrk="1" hangingPunct="1">
+              <a:lnSpc>
+                <a:spcPct val="100000"/>
+              </a:lnSpc>
+              <a:spcBef>
+                <a:spcPts val="0"/>
+              </a:spcBef>
+              <a:spcAft>
+                <a:spcPts val="0"/>
+              </a:spcAft>
+              <a:buClrTx/>
+              <a:buSzTx/>
+              <a:buFontTx/>
+              <a:buNone/>
+              <a:tabLst/>
+              <a:defRPr/>
+            </a:pPr>
+            <a:r>
+              <a:rPr lang="ko-KR" altLang="en-US" dirty="0"/>
+              <a:t>이후 </a:t>
+            </a:r>
+            <a:r>
+              <a:rPr lang="ko-KR" altLang="en-US" dirty="0" err="1"/>
+              <a:t>하이퍼파라미터를</a:t>
+            </a:r>
+            <a:r>
+              <a:rPr lang="ko-KR" altLang="en-US" dirty="0"/>
+              <a:t> 여러가지로 조정해서 학습을 진행해보았지만 아직 적절한 </a:t>
+            </a:r>
+            <a:r>
+              <a:rPr lang="ko-KR" altLang="en-US" dirty="0" err="1"/>
+              <a:t>파라미터값을</a:t>
+            </a:r>
+            <a:r>
+              <a:rPr lang="ko-KR" altLang="en-US" dirty="0"/>
+              <a:t> 찾지 못해 더 학습을 해봐야겠다</a:t>
+            </a:r>
+            <a:r>
+              <a:rPr lang="en-US" altLang="ko-KR" dirty="0"/>
+              <a:t>. </a:t>
+            </a:r>
+            <a:r>
+              <a:rPr lang="ko-KR" altLang="en-US" dirty="0"/>
+              <a:t> </a:t>
+            </a:r>
+            <a:endParaRPr lang="en-US" altLang="ko-KR" dirty="0"/>
+          </a:p>
+          <a:p>
+            <a:pPr marL="0" marR="0" lvl="0" indent="0" algn="l" defTabSz="914400" rtl="0" eaLnBrk="1" fontAlgn="auto" latinLnBrk="1" hangingPunct="1">
+              <a:lnSpc>
+                <a:spcPct val="100000"/>
+              </a:lnSpc>
+              <a:spcBef>
+                <a:spcPts val="0"/>
+              </a:spcBef>
+              <a:spcAft>
+                <a:spcPts val="0"/>
+              </a:spcAft>
+              <a:buClrTx/>
+              <a:buSzTx/>
+              <a:buFontTx/>
+              <a:buNone/>
+              <a:tabLst/>
+              <a:defRPr/>
+            </a:pPr>
+            <a:endParaRPr lang="en-US" altLang="ko-KR" dirty="0"/>
+          </a:p>
+        </p:txBody>
+      </p:sp>
+      <p:sp>
+        <p:nvSpPr>
+          <p:cNvPr id="4" name="슬라이드 번호 개체 틀 3"/>
+          <p:cNvSpPr>
+            <a:spLocks noGrp="1"/>
+          </p:cNvSpPr>
+          <p:nvPr>
+            <p:ph type="sldNum" sz="quarter" idx="5"/>
+          </p:nvPr>
+        </p:nvSpPr>
+        <p:spPr/>
+        <p:txBody>
+          <a:bodyPr/>
+          <a:lstStyle/>
+          <a:p>
+            <a:fld id="{C733FFDB-1D54-46DF-917A-5FED415D2BB6}" type="slidenum">
+              <a:rPr lang="ko-KR" altLang="en-US" smtClean="0"/>
+              <a:pPr/>
+              <a:t>7</a:t>
+            </a:fld>
+            <a:endParaRPr lang="ko-KR" altLang="en-US"/>
+          </a:p>
+        </p:txBody>
+      </p:sp>
+    </p:spTree>
+    <p:extLst>
+      <p:ext uri="{BB962C8B-B14F-4D97-AF65-F5344CB8AC3E}">
+        <p14:creationId xmlns:p14="http://schemas.microsoft.com/office/powerpoint/2010/main" val="1356100975"/>
+      </p:ext>
+    </p:extLst>
+  </p:cSld>
+  <p:clrMapOvr>
+    <a:masterClrMapping/>
+  </p:clrMapOvr>
+</p:notes>
+</file>
+
+<file path=ppt/notesSlides/notesSlide8.xml><?xml version="1.0" encoding="utf-8"?>
+<p:notes xmlns:a="http://schemas.openxmlformats.org/drawingml/2006/main" xmlns:r="http://schemas.openxmlformats.org/officeDocument/2006/relationships" xmlns:p="http://schemas.openxmlformats.org/presentationml/2006/main">
+  <p:cSld>
+    <p:spTree>
+      <p:nvGrpSpPr>
+        <p:cNvPr id="1" name=""/>
+        <p:cNvGrpSpPr/>
+        <p:nvPr/>
+      </p:nvGrpSpPr>
+      <p:grpSpPr>
+        <a:xfrm>
+          <a:off x="0" y="0"/>
+          <a:ext cx="0" cy="0"/>
+          <a:chOff x="0" y="0"/>
+          <a:chExt cx="0" cy="0"/>
+        </a:xfrm>
+      </p:grpSpPr>
+      <p:sp>
+        <p:nvSpPr>
+          <p:cNvPr id="2" name="슬라이드 이미지 개체 틀 1"/>
+          <p:cNvSpPr>
+            <a:spLocks noGrp="1" noRot="1" noChangeAspect="1"/>
+          </p:cNvSpPr>
+          <p:nvPr>
+            <p:ph type="sldImg"/>
+          </p:nvPr>
+        </p:nvSpPr>
+        <p:spPr/>
+      </p:sp>
+      <p:sp>
+        <p:nvSpPr>
+          <p:cNvPr id="3" name="슬라이드 노트 개체 틀 2"/>
+          <p:cNvSpPr>
+            <a:spLocks noGrp="1"/>
+          </p:cNvSpPr>
+          <p:nvPr>
+            <p:ph type="body" idx="1"/>
+          </p:nvPr>
+        </p:nvSpPr>
+        <p:spPr/>
+        <p:txBody>
+          <a:bodyPr/>
+          <a:lstStyle/>
+          <a:p>
+            <a:pPr marL="0" marR="0" lvl="0" indent="0" algn="l" defTabSz="914400" rtl="0" eaLnBrk="1" fontAlgn="auto" latinLnBrk="1" hangingPunct="1">
+              <a:lnSpc>
+                <a:spcPct val="100000"/>
+              </a:lnSpc>
+              <a:spcBef>
+                <a:spcPts val="0"/>
+              </a:spcBef>
+              <a:spcAft>
+                <a:spcPts val="0"/>
+              </a:spcAft>
+              <a:buClrTx/>
+              <a:buSzTx/>
+              <a:buFontTx/>
+              <a:buNone/>
+              <a:tabLst/>
+              <a:defRPr/>
+            </a:pPr>
+            <a:endParaRPr lang="en-US" altLang="ko-KR" dirty="0"/>
+          </a:p>
+        </p:txBody>
+      </p:sp>
+      <p:sp>
+        <p:nvSpPr>
+          <p:cNvPr id="4" name="슬라이드 번호 개체 틀 3"/>
+          <p:cNvSpPr>
+            <a:spLocks noGrp="1"/>
+          </p:cNvSpPr>
+          <p:nvPr>
+            <p:ph type="sldNum" sz="quarter" idx="5"/>
+          </p:nvPr>
+        </p:nvSpPr>
+        <p:spPr/>
+        <p:txBody>
+          <a:bodyPr/>
+          <a:lstStyle/>
+          <a:p>
+            <a:fld id="{C733FFDB-1D54-46DF-917A-5FED415D2BB6}" type="slidenum">
+              <a:rPr lang="ko-KR" altLang="en-US" smtClean="0"/>
+              <a:pPr/>
+              <a:t>8</a:t>
+            </a:fld>
+            <a:endParaRPr lang="ko-KR" altLang="en-US"/>
+          </a:p>
+        </p:txBody>
+      </p:sp>
+    </p:spTree>
+    <p:extLst>
+      <p:ext uri="{BB962C8B-B14F-4D97-AF65-F5344CB8AC3E}">
+        <p14:creationId xmlns:p14="http://schemas.microsoft.com/office/powerpoint/2010/main" val="2388119030"/>
+      </p:ext>
+    </p:extLst>
+  </p:cSld>
+  <p:clrMapOvr>
+    <a:masterClrMapping/>
+  </p:clrMapOvr>
+</p:notes>
+</file>
+
+<file path=ppt/notesSlides/notesSlide9.xml><?xml version="1.0" encoding="utf-8"?>
+<p:notes xmlns:a="http://schemas.openxmlformats.org/drawingml/2006/main" xmlns:r="http://schemas.openxmlformats.org/officeDocument/2006/relationships" xmlns:p="http://schemas.openxmlformats.org/presentationml/2006/main">
+  <p:cSld>
+    <p:spTree>
+      <p:nvGrpSpPr>
+        <p:cNvPr id="1" name=""/>
+        <p:cNvGrpSpPr/>
+        <p:nvPr/>
+      </p:nvGrpSpPr>
+      <p:grpSpPr>
+        <a:xfrm>
+          <a:off x="0" y="0"/>
+          <a:ext cx="0" cy="0"/>
+          <a:chOff x="0" y="0"/>
+          <a:chExt cx="0" cy="0"/>
+        </a:xfrm>
+      </p:grpSpPr>
+      <p:sp>
+        <p:nvSpPr>
+          <p:cNvPr id="2" name="슬라이드 이미지 개체 틀 1"/>
+          <p:cNvSpPr>
+            <a:spLocks noGrp="1" noRot="1" noChangeAspect="1"/>
+          </p:cNvSpPr>
+          <p:nvPr>
+            <p:ph type="sldImg"/>
+          </p:nvPr>
+        </p:nvSpPr>
+        <p:spPr/>
+      </p:sp>
+      <p:sp>
+        <p:nvSpPr>
+          <p:cNvPr id="3" name="슬라이드 노트 개체 틀 2"/>
+          <p:cNvSpPr>
+            <a:spLocks noGrp="1"/>
+          </p:cNvSpPr>
+          <p:nvPr>
+            <p:ph type="body" idx="1"/>
+          </p:nvPr>
+        </p:nvSpPr>
+        <p:spPr/>
+        <p:txBody>
+          <a:bodyPr/>
+          <a:lstStyle/>
+          <a:p>
+            <a:pPr marL="0" marR="0" lvl="0" indent="0" algn="l" defTabSz="914400" rtl="0" eaLnBrk="1" fontAlgn="auto" latinLnBrk="1" hangingPunct="1">
+              <a:lnSpc>
+                <a:spcPct val="100000"/>
+              </a:lnSpc>
+              <a:spcBef>
+                <a:spcPts val="0"/>
+              </a:spcBef>
+              <a:spcAft>
+                <a:spcPts val="0"/>
+              </a:spcAft>
+              <a:buClrTx/>
+              <a:buSzTx/>
+              <a:buFontTx/>
+              <a:buNone/>
+              <a:tabLst/>
+              <a:defRPr/>
+            </a:pPr>
+            <a:endParaRPr lang="en-US" altLang="ko-KR" dirty="0"/>
+          </a:p>
+        </p:txBody>
+      </p:sp>
+      <p:sp>
+        <p:nvSpPr>
+          <p:cNvPr id="4" name="슬라이드 번호 개체 틀 3"/>
+          <p:cNvSpPr>
+            <a:spLocks noGrp="1"/>
+          </p:cNvSpPr>
+          <p:nvPr>
+            <p:ph type="sldNum" sz="quarter" idx="5"/>
+          </p:nvPr>
+        </p:nvSpPr>
+        <p:spPr/>
+        <p:txBody>
+          <a:bodyPr/>
+          <a:lstStyle/>
+          <a:p>
+            <a:fld id="{C733FFDB-1D54-46DF-917A-5FED415D2BB6}" type="slidenum">
+              <a:rPr lang="ko-KR" altLang="en-US" smtClean="0"/>
+              <a:pPr/>
+              <a:t>9</a:t>
             </a:fld>
             <a:endParaRPr lang="ko-KR" altLang="en-US"/>
           </a:p>
@@ -7300,6 +8114,1742 @@
         <p:spPr>
           <a:xfrm>
             <a:off x="765148" y="1358092"/>
+            <a:ext cx="1636987" cy="400110"/>
+          </a:xfrm>
+          <a:prstGeom prst="rect">
+            <a:avLst/>
+          </a:prstGeom>
+          <a:noFill/>
+        </p:spPr>
+        <p:txBody>
+          <a:bodyPr wrap="none" rtlCol="0">
+            <a:spAutoFit/>
+          </a:bodyPr>
+          <a:lstStyle/>
+          <a:p>
+            <a:r>
+              <a:rPr lang="en-US" altLang="ko-KR" sz="2000" b="1" dirty="0">
+                <a:solidFill>
+                  <a:srgbClr val="5C431E"/>
+                </a:solidFill>
+                <a:latin typeface="나눔고딕" pitchFamily="50" charset="-127"/>
+                <a:ea typeface="나눔고딕" pitchFamily="50" charset="-127"/>
+              </a:rPr>
+              <a:t>2.1 kogpt2</a:t>
+            </a:r>
+            <a:r>
+              <a:rPr lang="ko-KR" altLang="en-US" sz="2000" b="1" dirty="0">
+                <a:solidFill>
+                  <a:srgbClr val="5C431E"/>
+                </a:solidFill>
+                <a:latin typeface="나눔고딕" pitchFamily="50" charset="-127"/>
+                <a:ea typeface="나눔고딕" pitchFamily="50" charset="-127"/>
+              </a:rPr>
+              <a:t>  </a:t>
+            </a:r>
+          </a:p>
+        </p:txBody>
+      </p:sp>
+      <p:sp>
+        <p:nvSpPr>
+          <p:cNvPr id="3" name="TextBox 2">
+            <a:extLst>
+              <a:ext uri="{FF2B5EF4-FFF2-40B4-BE49-F238E27FC236}">
+                <a16:creationId xmlns:a16="http://schemas.microsoft.com/office/drawing/2014/main" id="{107F41AD-8912-754E-10A2-E17DB21F797A}"/>
+              </a:ext>
+            </a:extLst>
+          </p:cNvPr>
+          <p:cNvSpPr txBox="1"/>
+          <p:nvPr/>
+        </p:nvSpPr>
+        <p:spPr>
+          <a:xfrm>
+            <a:off x="761859" y="5716891"/>
+            <a:ext cx="6905859" cy="230832"/>
+          </a:xfrm>
+          <a:prstGeom prst="rect">
+            <a:avLst/>
+          </a:prstGeom>
+          <a:noFill/>
+        </p:spPr>
+        <p:txBody>
+          <a:bodyPr wrap="square" rtlCol="0">
+            <a:spAutoFit/>
+          </a:bodyPr>
+          <a:lstStyle/>
+          <a:p>
+            <a:endParaRPr lang="ko-KR" altLang="en-US" sz="900" dirty="0"/>
+          </a:p>
+        </p:txBody>
+      </p:sp>
+      <p:sp>
+        <p:nvSpPr>
+          <p:cNvPr id="2" name="TextBox 1">
+            <a:extLst>
+              <a:ext uri="{FF2B5EF4-FFF2-40B4-BE49-F238E27FC236}">
+                <a16:creationId xmlns:a16="http://schemas.microsoft.com/office/drawing/2014/main" id="{732DDCB5-CC4B-29EA-6F45-E6A57730CB36}"/>
+              </a:ext>
+            </a:extLst>
+          </p:cNvPr>
+          <p:cNvSpPr txBox="1"/>
+          <p:nvPr/>
+        </p:nvSpPr>
+        <p:spPr>
+          <a:xfrm>
+            <a:off x="1094408" y="2274124"/>
+            <a:ext cx="6573310" cy="369332"/>
+          </a:xfrm>
+          <a:prstGeom prst="rect">
+            <a:avLst/>
+          </a:prstGeom>
+          <a:noFill/>
+        </p:spPr>
+        <p:txBody>
+          <a:bodyPr wrap="square" rtlCol="0">
+            <a:spAutoFit/>
+          </a:bodyPr>
+          <a:lstStyle/>
+          <a:p>
+            <a:r>
+              <a:rPr lang="en-US" altLang="ko-KR" dirty="0"/>
+              <a:t>1) 40GB </a:t>
+            </a:r>
+            <a:r>
+              <a:rPr lang="ko-KR" altLang="en-US" dirty="0"/>
+              <a:t>이상의 텍스트로 학습된 한국어 </a:t>
+            </a:r>
+            <a:r>
+              <a:rPr lang="ko-KR" altLang="en-US" dirty="0" err="1"/>
+              <a:t>디코더</a:t>
+            </a:r>
+            <a:r>
+              <a:rPr lang="ko-KR" altLang="en-US" dirty="0"/>
+              <a:t> 언어 모델 </a:t>
+            </a:r>
+          </a:p>
+        </p:txBody>
+      </p:sp>
+      <p:sp>
+        <p:nvSpPr>
+          <p:cNvPr id="4" name="TextBox 3">
+            <a:extLst>
+              <a:ext uri="{FF2B5EF4-FFF2-40B4-BE49-F238E27FC236}">
+                <a16:creationId xmlns:a16="http://schemas.microsoft.com/office/drawing/2014/main" id="{4B710C82-5B4F-2D90-8B95-CB1A534776D1}"/>
+              </a:ext>
+            </a:extLst>
+          </p:cNvPr>
+          <p:cNvSpPr txBox="1"/>
+          <p:nvPr/>
+        </p:nvSpPr>
+        <p:spPr>
+          <a:xfrm>
+            <a:off x="1094408" y="3060229"/>
+            <a:ext cx="7495716" cy="923330"/>
+          </a:xfrm>
+          <a:prstGeom prst="rect">
+            <a:avLst/>
+          </a:prstGeom>
+          <a:noFill/>
+        </p:spPr>
+        <p:txBody>
+          <a:bodyPr wrap="square" rtlCol="0">
+            <a:spAutoFit/>
+          </a:bodyPr>
+          <a:lstStyle/>
+          <a:p>
+            <a:r>
+              <a:rPr lang="en-US" altLang="ko-KR" dirty="0"/>
+              <a:t>2) </a:t>
+            </a:r>
+            <a:r>
+              <a:rPr lang="ko-KR" altLang="en-US" dirty="0"/>
+              <a:t>한국어 위키 백과 이외</a:t>
+            </a:r>
+            <a:r>
+              <a:rPr lang="en-US" altLang="ko-KR" dirty="0"/>
+              <a:t>, </a:t>
+            </a:r>
+            <a:r>
+              <a:rPr lang="ko-KR" altLang="en-US" dirty="0"/>
+              <a:t>뉴스</a:t>
+            </a:r>
+            <a:r>
+              <a:rPr lang="en-US" altLang="ko-KR" dirty="0"/>
+              <a:t>, </a:t>
+            </a:r>
+            <a:r>
+              <a:rPr lang="ko-KR" altLang="en-US" dirty="0"/>
+              <a:t>모두의 말뭉치 </a:t>
+            </a:r>
+            <a:r>
+              <a:rPr lang="en-US" altLang="ko-KR" dirty="0"/>
+              <a:t>V1.0, </a:t>
+            </a:r>
+            <a:r>
+              <a:rPr lang="ko-KR" altLang="en-US" dirty="0"/>
+              <a:t>청와대 국민 청원</a:t>
+            </a:r>
+            <a:endParaRPr lang="en-US" altLang="ko-KR" dirty="0"/>
+          </a:p>
+          <a:p>
+            <a:endParaRPr lang="en-US" altLang="ko-KR" dirty="0"/>
+          </a:p>
+          <a:p>
+            <a:r>
+              <a:rPr lang="en-US" altLang="ko-KR" dirty="0"/>
+              <a:t>  </a:t>
+            </a:r>
+            <a:r>
+              <a:rPr lang="ko-KR" altLang="en-US" dirty="0"/>
+              <a:t> 등의 다양한 데이터가 모델 학습에 사용 </a:t>
+            </a:r>
+            <a:r>
+              <a:rPr lang="en-US" altLang="ko-KR" dirty="0"/>
+              <a:t> </a:t>
+            </a:r>
+            <a:endParaRPr lang="ko-KR" altLang="en-US" dirty="0"/>
+          </a:p>
+        </p:txBody>
+      </p:sp>
+    </p:spTree>
+    <p:extLst>
+      <p:ext uri="{BB962C8B-B14F-4D97-AF65-F5344CB8AC3E}">
+        <p14:creationId xmlns:p14="http://schemas.microsoft.com/office/powerpoint/2010/main" val="2539699528"/>
+      </p:ext>
+    </p:extLst>
+  </p:cSld>
+  <p:clrMapOvr>
+    <a:masterClrMapping/>
+  </p:clrMapOvr>
+</p:sld>
+</file>
+
+<file path=ppt/slides/slide6.xml><?xml version="1.0" encoding="utf-8"?>
+<p:sld xmlns:a="http://schemas.openxmlformats.org/drawingml/2006/main" xmlns:r="http://schemas.openxmlformats.org/officeDocument/2006/relationships" xmlns:p="http://schemas.openxmlformats.org/presentationml/2006/main">
+  <p:cSld>
+    <p:spTree>
+      <p:nvGrpSpPr>
+        <p:cNvPr id="1" name=""/>
+        <p:cNvGrpSpPr/>
+        <p:nvPr/>
+      </p:nvGrpSpPr>
+      <p:grpSpPr>
+        <a:xfrm>
+          <a:off x="0" y="0"/>
+          <a:ext cx="0" cy="0"/>
+          <a:chOff x="0" y="0"/>
+          <a:chExt cx="0" cy="0"/>
+        </a:xfrm>
+      </p:grpSpPr>
+      <p:grpSp>
+        <p:nvGrpSpPr>
+          <p:cNvPr id="15" name="그룹 14"/>
+          <p:cNvGrpSpPr/>
+          <p:nvPr/>
+        </p:nvGrpSpPr>
+        <p:grpSpPr>
+          <a:xfrm>
+            <a:off x="20385" y="261017"/>
+            <a:ext cx="9153144" cy="6318504"/>
+            <a:chOff x="28575" y="464884"/>
+            <a:chExt cx="9153144" cy="6318504"/>
+          </a:xfrm>
+        </p:grpSpPr>
+        <p:pic>
+          <p:nvPicPr>
+            <p:cNvPr id="1030" name="Picture 6" descr="C:\Users\Administrator\Desktop\인하대학교\05_템플릿\01_작업\확정\01\PNG\01_보드.png"/>
+            <p:cNvPicPr>
+              <a:picLocks noChangeAspect="1" noChangeArrowheads="1"/>
+            </p:cNvPicPr>
+            <p:nvPr/>
+          </p:nvPicPr>
+          <p:blipFill>
+            <a:blip r:embed="rId3"/>
+            <a:srcRect/>
+            <a:stretch>
+              <a:fillRect/>
+            </a:stretch>
+          </p:blipFill>
+          <p:spPr bwMode="auto">
+            <a:xfrm>
+              <a:off x="28575" y="464884"/>
+              <a:ext cx="9153144" cy="6318504"/>
+            </a:xfrm>
+            <a:prstGeom prst="rect">
+              <a:avLst/>
+            </a:prstGeom>
+            <a:noFill/>
+          </p:spPr>
+        </p:pic>
+        <p:grpSp>
+          <p:nvGrpSpPr>
+            <p:cNvPr id="14" name="그룹 13"/>
+            <p:cNvGrpSpPr/>
+            <p:nvPr/>
+          </p:nvGrpSpPr>
+          <p:grpSpPr>
+            <a:xfrm>
+              <a:off x="5851533" y="6177777"/>
+              <a:ext cx="3000388" cy="304800"/>
+              <a:chOff x="5851533" y="6177777"/>
+              <a:chExt cx="3000388" cy="304800"/>
+            </a:xfrm>
+          </p:grpSpPr>
+          <p:pic>
+            <p:nvPicPr>
+              <p:cNvPr id="12" name="Picture 3" descr="C:\Users\Administrator\Desktop\인하대학교\05_템플릿\01_작업\확정\PNG\13_copyright.png"/>
+              <p:cNvPicPr>
+                <a:picLocks noChangeAspect="1" noChangeArrowheads="1"/>
+              </p:cNvPicPr>
+              <p:nvPr/>
+            </p:nvPicPr>
+            <p:blipFill>
+              <a:blip r:embed="rId4"/>
+              <a:srcRect/>
+              <a:stretch>
+                <a:fillRect/>
+              </a:stretch>
+            </p:blipFill>
+            <p:spPr bwMode="auto">
+              <a:xfrm>
+                <a:off x="5851533" y="6396852"/>
+                <a:ext cx="1838325" cy="47625"/>
+              </a:xfrm>
+              <a:prstGeom prst="rect">
+                <a:avLst/>
+              </a:prstGeom>
+              <a:noFill/>
+            </p:spPr>
+          </p:pic>
+          <p:pic>
+            <p:nvPicPr>
+              <p:cNvPr id="13" name="Picture 5" descr="C:\Users\Administrator\Desktop\인하대학교\05_템플릿\01_작업\확정\PNG\12_로고.png"/>
+              <p:cNvPicPr>
+                <a:picLocks noChangeAspect="1" noChangeArrowheads="1"/>
+              </p:cNvPicPr>
+              <p:nvPr/>
+            </p:nvPicPr>
+            <p:blipFill>
+              <a:blip r:embed="rId5"/>
+              <a:srcRect/>
+              <a:stretch>
+                <a:fillRect/>
+              </a:stretch>
+            </p:blipFill>
+            <p:spPr bwMode="auto">
+              <a:xfrm>
+                <a:off x="7756546" y="6177777"/>
+                <a:ext cx="1095375" cy="304800"/>
+              </a:xfrm>
+              <a:prstGeom prst="rect">
+                <a:avLst/>
+              </a:prstGeom>
+              <a:noFill/>
+            </p:spPr>
+          </p:pic>
+        </p:grpSp>
+      </p:grpSp>
+      <p:pic>
+        <p:nvPicPr>
+          <p:cNvPr id="3074" name="Picture 2" descr="C:\Users\Administrator\Desktop\인하대학교\05_템플릿\01_작업\확정\01\PNG\04.png"/>
+          <p:cNvPicPr>
+            <a:picLocks noChangeAspect="1" noChangeArrowheads="1"/>
+          </p:cNvPicPr>
+          <p:nvPr/>
+        </p:nvPicPr>
+        <p:blipFill>
+          <a:blip r:embed="rId6"/>
+          <a:srcRect/>
+          <a:stretch>
+            <a:fillRect/>
+          </a:stretch>
+        </p:blipFill>
+        <p:spPr bwMode="auto">
+          <a:xfrm>
+            <a:off x="317470" y="634187"/>
+            <a:ext cx="8650224" cy="612648"/>
+          </a:xfrm>
+          <a:prstGeom prst="rect">
+            <a:avLst/>
+          </a:prstGeom>
+          <a:noFill/>
+        </p:spPr>
+      </p:pic>
+      <p:pic>
+        <p:nvPicPr>
+          <p:cNvPr id="2050" name="Picture 2" descr="C:\Users\Administrator\Desktop\인하대학교\05_템플릿\01_작업\확정\01\PNG\02.png"/>
+          <p:cNvPicPr>
+            <a:picLocks noChangeAspect="1" noChangeArrowheads="1"/>
+          </p:cNvPicPr>
+          <p:nvPr/>
+        </p:nvPicPr>
+        <p:blipFill>
+          <a:blip r:embed="rId7"/>
+          <a:srcRect t="-140000" b="-140000"/>
+          <a:stretch>
+            <a:fillRect/>
+          </a:stretch>
+        </p:blipFill>
+        <p:spPr bwMode="auto">
+          <a:xfrm>
+            <a:off x="479396" y="1800405"/>
+            <a:ext cx="8110728" cy="69494"/>
+          </a:xfrm>
+          <a:prstGeom prst="rect">
+            <a:avLst/>
+          </a:prstGeom>
+          <a:noFill/>
+        </p:spPr>
+      </p:pic>
+      <p:grpSp>
+        <p:nvGrpSpPr>
+          <p:cNvPr id="10" name="그룹 9"/>
+          <p:cNvGrpSpPr/>
+          <p:nvPr/>
+        </p:nvGrpSpPr>
+        <p:grpSpPr>
+          <a:xfrm>
+            <a:off x="193644" y="777637"/>
+            <a:ext cx="3035808" cy="356616"/>
+            <a:chOff x="193644" y="777637"/>
+            <a:chExt cx="3035808" cy="356616"/>
+          </a:xfrm>
+        </p:grpSpPr>
+        <p:pic>
+          <p:nvPicPr>
+            <p:cNvPr id="7" name="Picture 11" descr="C:\Users\Administrator\Desktop\인하대학교\05_템플릿\01_작업\확정\01\PNG\03.png"/>
+            <p:cNvPicPr>
+              <a:picLocks noChangeAspect="1" noChangeArrowheads="1"/>
+            </p:cNvPicPr>
+            <p:nvPr/>
+          </p:nvPicPr>
+          <p:blipFill>
+            <a:blip r:embed="rId8"/>
+            <a:srcRect/>
+            <a:stretch>
+              <a:fillRect/>
+            </a:stretch>
+          </p:blipFill>
+          <p:spPr bwMode="auto">
+            <a:xfrm>
+              <a:off x="193644" y="777637"/>
+              <a:ext cx="3035808" cy="356616"/>
+            </a:xfrm>
+            <a:prstGeom prst="rect">
+              <a:avLst/>
+            </a:prstGeom>
+            <a:noFill/>
+          </p:spPr>
+        </p:pic>
+        <p:sp>
+          <p:nvSpPr>
+            <p:cNvPr id="8" name="TextBox 7"/>
+            <p:cNvSpPr txBox="1"/>
+            <p:nvPr/>
+          </p:nvSpPr>
+          <p:spPr>
+            <a:xfrm>
+              <a:off x="550834" y="787162"/>
+              <a:ext cx="1473480" cy="338554"/>
+            </a:xfrm>
+            <a:prstGeom prst="rect">
+              <a:avLst/>
+            </a:prstGeom>
+            <a:noFill/>
+          </p:spPr>
+          <p:txBody>
+            <a:bodyPr wrap="none" rtlCol="0">
+              <a:spAutoFit/>
+            </a:bodyPr>
+            <a:lstStyle/>
+            <a:p>
+              <a:r>
+                <a:rPr lang="en-US" altLang="ko-KR" sz="1600" b="1" i="1" dirty="0">
+                  <a:solidFill>
+                    <a:schemeClr val="bg1"/>
+                  </a:solidFill>
+                  <a:latin typeface="나눔명조 ExtraBold" pitchFamily="18" charset="-127"/>
+                  <a:ea typeface="나눔명조 ExtraBold" pitchFamily="18" charset="-127"/>
+                </a:rPr>
+                <a:t>2</a:t>
+              </a:r>
+              <a:r>
+                <a:rPr lang="ko-KR" altLang="en-US" sz="1600" b="1" i="1" dirty="0">
+                  <a:solidFill>
+                    <a:schemeClr val="bg1"/>
+                  </a:solidFill>
+                  <a:latin typeface="나눔명조 ExtraBold" pitchFamily="18" charset="-127"/>
+                  <a:ea typeface="나눔명조 ExtraBold" pitchFamily="18" charset="-127"/>
+                </a:rPr>
+                <a:t>조 진행 현황</a:t>
+              </a:r>
+            </a:p>
+          </p:txBody>
+        </p:sp>
+      </p:grpSp>
+      <p:sp>
+        <p:nvSpPr>
+          <p:cNvPr id="9" name="TextBox 8"/>
+          <p:cNvSpPr txBox="1"/>
+          <p:nvPr/>
+        </p:nvSpPr>
+        <p:spPr>
+          <a:xfrm>
+            <a:off x="3461133" y="767538"/>
+            <a:ext cx="1017715" cy="430887"/>
+          </a:xfrm>
+          <a:prstGeom prst="rect">
+            <a:avLst/>
+          </a:prstGeom>
+          <a:noFill/>
+        </p:spPr>
+        <p:txBody>
+          <a:bodyPr wrap="none" rtlCol="0">
+            <a:spAutoFit/>
+          </a:bodyPr>
+          <a:lstStyle/>
+          <a:p>
+            <a:r>
+              <a:rPr lang="en-US" altLang="ko-KR" sz="2200" b="1" i="1" dirty="0">
+                <a:solidFill>
+                  <a:srgbClr val="1E5B86"/>
+                </a:solidFill>
+                <a:latin typeface="나눔명조 ExtraBold" pitchFamily="18" charset="-127"/>
+                <a:ea typeface="나눔명조 ExtraBold" pitchFamily="18" charset="-127"/>
+              </a:rPr>
+              <a:t>2. STT</a:t>
+            </a:r>
+            <a:endParaRPr lang="ko-KR" altLang="en-US" sz="2200" b="1" i="1" dirty="0">
+              <a:solidFill>
+                <a:srgbClr val="1E5B86"/>
+              </a:solidFill>
+              <a:latin typeface="나눔명조 ExtraBold" pitchFamily="18" charset="-127"/>
+              <a:ea typeface="나눔명조 ExtraBold" pitchFamily="18" charset="-127"/>
+            </a:endParaRPr>
+          </a:p>
+        </p:txBody>
+      </p:sp>
+      <p:sp>
+        <p:nvSpPr>
+          <p:cNvPr id="11" name="TextBox 10"/>
+          <p:cNvSpPr txBox="1"/>
+          <p:nvPr/>
+        </p:nvSpPr>
+        <p:spPr>
+          <a:xfrm>
+            <a:off x="765148" y="1358092"/>
+            <a:ext cx="1636987" cy="400110"/>
+          </a:xfrm>
+          <a:prstGeom prst="rect">
+            <a:avLst/>
+          </a:prstGeom>
+          <a:noFill/>
+        </p:spPr>
+        <p:txBody>
+          <a:bodyPr wrap="none" rtlCol="0">
+            <a:spAutoFit/>
+          </a:bodyPr>
+          <a:lstStyle/>
+          <a:p>
+            <a:r>
+              <a:rPr lang="en-US" altLang="ko-KR" sz="2000" b="1" dirty="0">
+                <a:solidFill>
+                  <a:srgbClr val="5C431E"/>
+                </a:solidFill>
+                <a:latin typeface="나눔고딕" pitchFamily="50" charset="-127"/>
+                <a:ea typeface="나눔고딕" pitchFamily="50" charset="-127"/>
+              </a:rPr>
+              <a:t>2.1 kogpt2</a:t>
+            </a:r>
+            <a:r>
+              <a:rPr lang="ko-KR" altLang="en-US" sz="2000" b="1" dirty="0">
+                <a:solidFill>
+                  <a:srgbClr val="5C431E"/>
+                </a:solidFill>
+                <a:latin typeface="나눔고딕" pitchFamily="50" charset="-127"/>
+                <a:ea typeface="나눔고딕" pitchFamily="50" charset="-127"/>
+              </a:rPr>
+              <a:t>  </a:t>
+            </a:r>
+          </a:p>
+        </p:txBody>
+      </p:sp>
+      <p:sp>
+        <p:nvSpPr>
+          <p:cNvPr id="3" name="TextBox 2">
+            <a:extLst>
+              <a:ext uri="{FF2B5EF4-FFF2-40B4-BE49-F238E27FC236}">
+                <a16:creationId xmlns:a16="http://schemas.microsoft.com/office/drawing/2014/main" id="{107F41AD-8912-754E-10A2-E17DB21F797A}"/>
+              </a:ext>
+            </a:extLst>
+          </p:cNvPr>
+          <p:cNvSpPr txBox="1"/>
+          <p:nvPr/>
+        </p:nvSpPr>
+        <p:spPr>
+          <a:xfrm>
+            <a:off x="761859" y="5716891"/>
+            <a:ext cx="6905859" cy="230832"/>
+          </a:xfrm>
+          <a:prstGeom prst="rect">
+            <a:avLst/>
+          </a:prstGeom>
+          <a:noFill/>
+        </p:spPr>
+        <p:txBody>
+          <a:bodyPr wrap="square" rtlCol="0">
+            <a:spAutoFit/>
+          </a:bodyPr>
+          <a:lstStyle/>
+          <a:p>
+            <a:endParaRPr lang="ko-KR" altLang="en-US" sz="900" dirty="0"/>
+          </a:p>
+        </p:txBody>
+      </p:sp>
+      <p:pic>
+        <p:nvPicPr>
+          <p:cNvPr id="5" name="그림 4">
+            <a:extLst>
+              <a:ext uri="{FF2B5EF4-FFF2-40B4-BE49-F238E27FC236}">
+                <a16:creationId xmlns:a16="http://schemas.microsoft.com/office/drawing/2014/main" id="{A0D79531-05D4-DA3D-DB70-0548BE5BDFC5}"/>
+              </a:ext>
+            </a:extLst>
+          </p:cNvPr>
+          <p:cNvPicPr>
+            <a:picLocks noChangeAspect="1"/>
+          </p:cNvPicPr>
+          <p:nvPr/>
+        </p:nvPicPr>
+        <p:blipFill>
+          <a:blip r:embed="rId9"/>
+          <a:stretch>
+            <a:fillRect/>
+          </a:stretch>
+        </p:blipFill>
+        <p:spPr>
+          <a:xfrm>
+            <a:off x="961705" y="2080186"/>
+            <a:ext cx="2728227" cy="868072"/>
+          </a:xfrm>
+          <a:prstGeom prst="rect">
+            <a:avLst/>
+          </a:prstGeom>
+        </p:spPr>
+      </p:pic>
+      <p:pic>
+        <p:nvPicPr>
+          <p:cNvPr id="16" name="그림 15">
+            <a:extLst>
+              <a:ext uri="{FF2B5EF4-FFF2-40B4-BE49-F238E27FC236}">
+                <a16:creationId xmlns:a16="http://schemas.microsoft.com/office/drawing/2014/main" id="{C61A9038-B444-9AD4-320E-2D87FD2CB2F5}"/>
+              </a:ext>
+            </a:extLst>
+          </p:cNvPr>
+          <p:cNvPicPr>
+            <a:picLocks noChangeAspect="1"/>
+          </p:cNvPicPr>
+          <p:nvPr/>
+        </p:nvPicPr>
+        <p:blipFill>
+          <a:blip r:embed="rId10"/>
+          <a:stretch>
+            <a:fillRect/>
+          </a:stretch>
+        </p:blipFill>
+        <p:spPr>
+          <a:xfrm>
+            <a:off x="952147" y="3446356"/>
+            <a:ext cx="6766106" cy="718376"/>
+          </a:xfrm>
+          <a:prstGeom prst="rect">
+            <a:avLst/>
+          </a:prstGeom>
+        </p:spPr>
+      </p:pic>
+    </p:spTree>
+    <p:extLst>
+      <p:ext uri="{BB962C8B-B14F-4D97-AF65-F5344CB8AC3E}">
+        <p14:creationId xmlns:p14="http://schemas.microsoft.com/office/powerpoint/2010/main" val="70289319"/>
+      </p:ext>
+    </p:extLst>
+  </p:cSld>
+  <p:clrMapOvr>
+    <a:masterClrMapping/>
+  </p:clrMapOvr>
+</p:sld>
+</file>
+
+<file path=ppt/slides/slide7.xml><?xml version="1.0" encoding="utf-8"?>
+<p:sld xmlns:a="http://schemas.openxmlformats.org/drawingml/2006/main" xmlns:r="http://schemas.openxmlformats.org/officeDocument/2006/relationships" xmlns:p="http://schemas.openxmlformats.org/presentationml/2006/main">
+  <p:cSld>
+    <p:spTree>
+      <p:nvGrpSpPr>
+        <p:cNvPr id="1" name=""/>
+        <p:cNvGrpSpPr/>
+        <p:nvPr/>
+      </p:nvGrpSpPr>
+      <p:grpSpPr>
+        <a:xfrm>
+          <a:off x="0" y="0"/>
+          <a:ext cx="0" cy="0"/>
+          <a:chOff x="0" y="0"/>
+          <a:chExt cx="0" cy="0"/>
+        </a:xfrm>
+      </p:grpSpPr>
+      <p:grpSp>
+        <p:nvGrpSpPr>
+          <p:cNvPr id="15" name="그룹 14"/>
+          <p:cNvGrpSpPr/>
+          <p:nvPr/>
+        </p:nvGrpSpPr>
+        <p:grpSpPr>
+          <a:xfrm>
+            <a:off x="20385" y="261017"/>
+            <a:ext cx="9153144" cy="6318504"/>
+            <a:chOff x="28575" y="464884"/>
+            <a:chExt cx="9153144" cy="6318504"/>
+          </a:xfrm>
+        </p:grpSpPr>
+        <p:pic>
+          <p:nvPicPr>
+            <p:cNvPr id="1030" name="Picture 6" descr="C:\Users\Administrator\Desktop\인하대학교\05_템플릿\01_작업\확정\01\PNG\01_보드.png"/>
+            <p:cNvPicPr>
+              <a:picLocks noChangeAspect="1" noChangeArrowheads="1"/>
+            </p:cNvPicPr>
+            <p:nvPr/>
+          </p:nvPicPr>
+          <p:blipFill>
+            <a:blip r:embed="rId3"/>
+            <a:srcRect/>
+            <a:stretch>
+              <a:fillRect/>
+            </a:stretch>
+          </p:blipFill>
+          <p:spPr bwMode="auto">
+            <a:xfrm>
+              <a:off x="28575" y="464884"/>
+              <a:ext cx="9153144" cy="6318504"/>
+            </a:xfrm>
+            <a:prstGeom prst="rect">
+              <a:avLst/>
+            </a:prstGeom>
+            <a:noFill/>
+          </p:spPr>
+        </p:pic>
+        <p:grpSp>
+          <p:nvGrpSpPr>
+            <p:cNvPr id="14" name="그룹 13"/>
+            <p:cNvGrpSpPr/>
+            <p:nvPr/>
+          </p:nvGrpSpPr>
+          <p:grpSpPr>
+            <a:xfrm>
+              <a:off x="5851533" y="6177777"/>
+              <a:ext cx="3000388" cy="304800"/>
+              <a:chOff x="5851533" y="6177777"/>
+              <a:chExt cx="3000388" cy="304800"/>
+            </a:xfrm>
+          </p:grpSpPr>
+          <p:pic>
+            <p:nvPicPr>
+              <p:cNvPr id="12" name="Picture 3" descr="C:\Users\Administrator\Desktop\인하대학교\05_템플릿\01_작업\확정\PNG\13_copyright.png"/>
+              <p:cNvPicPr>
+                <a:picLocks noChangeAspect="1" noChangeArrowheads="1"/>
+              </p:cNvPicPr>
+              <p:nvPr/>
+            </p:nvPicPr>
+            <p:blipFill>
+              <a:blip r:embed="rId4"/>
+              <a:srcRect/>
+              <a:stretch>
+                <a:fillRect/>
+              </a:stretch>
+            </p:blipFill>
+            <p:spPr bwMode="auto">
+              <a:xfrm>
+                <a:off x="5851533" y="6396852"/>
+                <a:ext cx="1838325" cy="47625"/>
+              </a:xfrm>
+              <a:prstGeom prst="rect">
+                <a:avLst/>
+              </a:prstGeom>
+              <a:noFill/>
+            </p:spPr>
+          </p:pic>
+          <p:pic>
+            <p:nvPicPr>
+              <p:cNvPr id="13" name="Picture 5" descr="C:\Users\Administrator\Desktop\인하대학교\05_템플릿\01_작업\확정\PNG\12_로고.png"/>
+              <p:cNvPicPr>
+                <a:picLocks noChangeAspect="1" noChangeArrowheads="1"/>
+              </p:cNvPicPr>
+              <p:nvPr/>
+            </p:nvPicPr>
+            <p:blipFill>
+              <a:blip r:embed="rId5"/>
+              <a:srcRect/>
+              <a:stretch>
+                <a:fillRect/>
+              </a:stretch>
+            </p:blipFill>
+            <p:spPr bwMode="auto">
+              <a:xfrm>
+                <a:off x="7756546" y="6177777"/>
+                <a:ext cx="1095375" cy="304800"/>
+              </a:xfrm>
+              <a:prstGeom prst="rect">
+                <a:avLst/>
+              </a:prstGeom>
+              <a:noFill/>
+            </p:spPr>
+          </p:pic>
+        </p:grpSp>
+      </p:grpSp>
+      <p:pic>
+        <p:nvPicPr>
+          <p:cNvPr id="3074" name="Picture 2" descr="C:\Users\Administrator\Desktop\인하대학교\05_템플릿\01_작업\확정\01\PNG\04.png"/>
+          <p:cNvPicPr>
+            <a:picLocks noChangeAspect="1" noChangeArrowheads="1"/>
+          </p:cNvPicPr>
+          <p:nvPr/>
+        </p:nvPicPr>
+        <p:blipFill>
+          <a:blip r:embed="rId6"/>
+          <a:srcRect/>
+          <a:stretch>
+            <a:fillRect/>
+          </a:stretch>
+        </p:blipFill>
+        <p:spPr bwMode="auto">
+          <a:xfrm>
+            <a:off x="317470" y="634187"/>
+            <a:ext cx="8650224" cy="612648"/>
+          </a:xfrm>
+          <a:prstGeom prst="rect">
+            <a:avLst/>
+          </a:prstGeom>
+          <a:noFill/>
+        </p:spPr>
+      </p:pic>
+      <p:pic>
+        <p:nvPicPr>
+          <p:cNvPr id="2050" name="Picture 2" descr="C:\Users\Administrator\Desktop\인하대학교\05_템플릿\01_작업\확정\01\PNG\02.png"/>
+          <p:cNvPicPr>
+            <a:picLocks noChangeAspect="1" noChangeArrowheads="1"/>
+          </p:cNvPicPr>
+          <p:nvPr/>
+        </p:nvPicPr>
+        <p:blipFill>
+          <a:blip r:embed="rId7"/>
+          <a:srcRect t="-140000" b="-140000"/>
+          <a:stretch>
+            <a:fillRect/>
+          </a:stretch>
+        </p:blipFill>
+        <p:spPr bwMode="auto">
+          <a:xfrm>
+            <a:off x="479396" y="1800405"/>
+            <a:ext cx="8110728" cy="69494"/>
+          </a:xfrm>
+          <a:prstGeom prst="rect">
+            <a:avLst/>
+          </a:prstGeom>
+          <a:noFill/>
+        </p:spPr>
+      </p:pic>
+      <p:grpSp>
+        <p:nvGrpSpPr>
+          <p:cNvPr id="10" name="그룹 9"/>
+          <p:cNvGrpSpPr/>
+          <p:nvPr/>
+        </p:nvGrpSpPr>
+        <p:grpSpPr>
+          <a:xfrm>
+            <a:off x="193644" y="777637"/>
+            <a:ext cx="3035808" cy="356616"/>
+            <a:chOff x="193644" y="777637"/>
+            <a:chExt cx="3035808" cy="356616"/>
+          </a:xfrm>
+        </p:grpSpPr>
+        <p:pic>
+          <p:nvPicPr>
+            <p:cNvPr id="7" name="Picture 11" descr="C:\Users\Administrator\Desktop\인하대학교\05_템플릿\01_작업\확정\01\PNG\03.png"/>
+            <p:cNvPicPr>
+              <a:picLocks noChangeAspect="1" noChangeArrowheads="1"/>
+            </p:cNvPicPr>
+            <p:nvPr/>
+          </p:nvPicPr>
+          <p:blipFill>
+            <a:blip r:embed="rId8"/>
+            <a:srcRect/>
+            <a:stretch>
+              <a:fillRect/>
+            </a:stretch>
+          </p:blipFill>
+          <p:spPr bwMode="auto">
+            <a:xfrm>
+              <a:off x="193644" y="777637"/>
+              <a:ext cx="3035808" cy="356616"/>
+            </a:xfrm>
+            <a:prstGeom prst="rect">
+              <a:avLst/>
+            </a:prstGeom>
+            <a:noFill/>
+          </p:spPr>
+        </p:pic>
+        <p:sp>
+          <p:nvSpPr>
+            <p:cNvPr id="8" name="TextBox 7"/>
+            <p:cNvSpPr txBox="1"/>
+            <p:nvPr/>
+          </p:nvSpPr>
+          <p:spPr>
+            <a:xfrm>
+              <a:off x="550834" y="787162"/>
+              <a:ext cx="1473480" cy="338554"/>
+            </a:xfrm>
+            <a:prstGeom prst="rect">
+              <a:avLst/>
+            </a:prstGeom>
+            <a:noFill/>
+          </p:spPr>
+          <p:txBody>
+            <a:bodyPr wrap="none" rtlCol="0">
+              <a:spAutoFit/>
+            </a:bodyPr>
+            <a:lstStyle/>
+            <a:p>
+              <a:r>
+                <a:rPr lang="en-US" altLang="ko-KR" sz="1600" b="1" i="1" dirty="0">
+                  <a:solidFill>
+                    <a:schemeClr val="bg1"/>
+                  </a:solidFill>
+                  <a:latin typeface="나눔명조 ExtraBold" pitchFamily="18" charset="-127"/>
+                  <a:ea typeface="나눔명조 ExtraBold" pitchFamily="18" charset="-127"/>
+                </a:rPr>
+                <a:t>2</a:t>
+              </a:r>
+              <a:r>
+                <a:rPr lang="ko-KR" altLang="en-US" sz="1600" b="1" i="1" dirty="0">
+                  <a:solidFill>
+                    <a:schemeClr val="bg1"/>
+                  </a:solidFill>
+                  <a:latin typeface="나눔명조 ExtraBold" pitchFamily="18" charset="-127"/>
+                  <a:ea typeface="나눔명조 ExtraBold" pitchFamily="18" charset="-127"/>
+                </a:rPr>
+                <a:t>조 진행 현황</a:t>
+              </a:r>
+            </a:p>
+          </p:txBody>
+        </p:sp>
+      </p:grpSp>
+      <p:sp>
+        <p:nvSpPr>
+          <p:cNvPr id="9" name="TextBox 8"/>
+          <p:cNvSpPr txBox="1"/>
+          <p:nvPr/>
+        </p:nvSpPr>
+        <p:spPr>
+          <a:xfrm>
+            <a:off x="3461133" y="767538"/>
+            <a:ext cx="1017715" cy="430887"/>
+          </a:xfrm>
+          <a:prstGeom prst="rect">
+            <a:avLst/>
+          </a:prstGeom>
+          <a:noFill/>
+        </p:spPr>
+        <p:txBody>
+          <a:bodyPr wrap="none" rtlCol="0">
+            <a:spAutoFit/>
+          </a:bodyPr>
+          <a:lstStyle/>
+          <a:p>
+            <a:r>
+              <a:rPr lang="en-US" altLang="ko-KR" sz="2200" b="1" i="1" dirty="0">
+                <a:solidFill>
+                  <a:srgbClr val="1E5B86"/>
+                </a:solidFill>
+                <a:latin typeface="나눔명조 ExtraBold" pitchFamily="18" charset="-127"/>
+                <a:ea typeface="나눔명조 ExtraBold" pitchFamily="18" charset="-127"/>
+              </a:rPr>
+              <a:t>2. STT</a:t>
+            </a:r>
+            <a:endParaRPr lang="ko-KR" altLang="en-US" sz="2200" b="1" i="1" dirty="0">
+              <a:solidFill>
+                <a:srgbClr val="1E5B86"/>
+              </a:solidFill>
+              <a:latin typeface="나눔명조 ExtraBold" pitchFamily="18" charset="-127"/>
+              <a:ea typeface="나눔명조 ExtraBold" pitchFamily="18" charset="-127"/>
+            </a:endParaRPr>
+          </a:p>
+        </p:txBody>
+      </p:sp>
+      <p:sp>
+        <p:nvSpPr>
+          <p:cNvPr id="11" name="TextBox 10"/>
+          <p:cNvSpPr txBox="1"/>
+          <p:nvPr/>
+        </p:nvSpPr>
+        <p:spPr>
+          <a:xfrm>
+            <a:off x="765148" y="1358092"/>
+            <a:ext cx="1636987" cy="400110"/>
+          </a:xfrm>
+          <a:prstGeom prst="rect">
+            <a:avLst/>
+          </a:prstGeom>
+          <a:noFill/>
+        </p:spPr>
+        <p:txBody>
+          <a:bodyPr wrap="none" rtlCol="0">
+            <a:spAutoFit/>
+          </a:bodyPr>
+          <a:lstStyle/>
+          <a:p>
+            <a:r>
+              <a:rPr lang="en-US" altLang="ko-KR" sz="2000" b="1" dirty="0">
+                <a:solidFill>
+                  <a:srgbClr val="5C431E"/>
+                </a:solidFill>
+                <a:latin typeface="나눔고딕" pitchFamily="50" charset="-127"/>
+                <a:ea typeface="나눔고딕" pitchFamily="50" charset="-127"/>
+              </a:rPr>
+              <a:t>2.1 kogpt2</a:t>
+            </a:r>
+            <a:r>
+              <a:rPr lang="ko-KR" altLang="en-US" sz="2000" b="1" dirty="0">
+                <a:solidFill>
+                  <a:srgbClr val="5C431E"/>
+                </a:solidFill>
+                <a:latin typeface="나눔고딕" pitchFamily="50" charset="-127"/>
+                <a:ea typeface="나눔고딕" pitchFamily="50" charset="-127"/>
+              </a:rPr>
+              <a:t>  </a:t>
+            </a:r>
+          </a:p>
+        </p:txBody>
+      </p:sp>
+      <p:sp>
+        <p:nvSpPr>
+          <p:cNvPr id="3" name="TextBox 2">
+            <a:extLst>
+              <a:ext uri="{FF2B5EF4-FFF2-40B4-BE49-F238E27FC236}">
+                <a16:creationId xmlns:a16="http://schemas.microsoft.com/office/drawing/2014/main" id="{107F41AD-8912-754E-10A2-E17DB21F797A}"/>
+              </a:ext>
+            </a:extLst>
+          </p:cNvPr>
+          <p:cNvSpPr txBox="1"/>
+          <p:nvPr/>
+        </p:nvSpPr>
+        <p:spPr>
+          <a:xfrm>
+            <a:off x="761859" y="5716891"/>
+            <a:ext cx="6905859" cy="230832"/>
+          </a:xfrm>
+          <a:prstGeom prst="rect">
+            <a:avLst/>
+          </a:prstGeom>
+          <a:noFill/>
+        </p:spPr>
+        <p:txBody>
+          <a:bodyPr wrap="square" rtlCol="0">
+            <a:spAutoFit/>
+          </a:bodyPr>
+          <a:lstStyle/>
+          <a:p>
+            <a:endParaRPr lang="ko-KR" altLang="en-US" sz="900" dirty="0"/>
+          </a:p>
+        </p:txBody>
+      </p:sp>
+      <p:pic>
+        <p:nvPicPr>
+          <p:cNvPr id="4" name="그림 3">
+            <a:extLst>
+              <a:ext uri="{FF2B5EF4-FFF2-40B4-BE49-F238E27FC236}">
+                <a16:creationId xmlns:a16="http://schemas.microsoft.com/office/drawing/2014/main" id="{669AC63A-4BBC-AEDE-BB9D-FF65E847E16D}"/>
+              </a:ext>
+            </a:extLst>
+          </p:cNvPr>
+          <p:cNvPicPr>
+            <a:picLocks noChangeAspect="1"/>
+          </p:cNvPicPr>
+          <p:nvPr/>
+        </p:nvPicPr>
+        <p:blipFill>
+          <a:blip r:embed="rId9"/>
+          <a:stretch>
+            <a:fillRect/>
+          </a:stretch>
+        </p:blipFill>
+        <p:spPr>
+          <a:xfrm>
+            <a:off x="950392" y="2258666"/>
+            <a:ext cx="4193929" cy="3055274"/>
+          </a:xfrm>
+          <a:prstGeom prst="rect">
+            <a:avLst/>
+          </a:prstGeom>
+        </p:spPr>
+      </p:pic>
+      <p:sp>
+        <p:nvSpPr>
+          <p:cNvPr id="6" name="TextBox 5">
+            <a:extLst>
+              <a:ext uri="{FF2B5EF4-FFF2-40B4-BE49-F238E27FC236}">
+                <a16:creationId xmlns:a16="http://schemas.microsoft.com/office/drawing/2014/main" id="{DDD41292-C496-0DDA-5C9F-615CEEDDFF98}"/>
+              </a:ext>
+            </a:extLst>
+          </p:cNvPr>
+          <p:cNvSpPr txBox="1"/>
+          <p:nvPr/>
+        </p:nvSpPr>
+        <p:spPr>
+          <a:xfrm>
+            <a:off x="5486896" y="2052117"/>
+            <a:ext cx="2952328" cy="3831818"/>
+          </a:xfrm>
+          <a:prstGeom prst="rect">
+            <a:avLst/>
+          </a:prstGeom>
+          <a:noFill/>
+        </p:spPr>
+        <p:txBody>
+          <a:bodyPr wrap="square" rtlCol="0">
+            <a:spAutoFit/>
+          </a:bodyPr>
+          <a:lstStyle/>
+          <a:p>
+            <a:r>
+              <a:rPr lang="en-US" altLang="ko-KR" sz="900" dirty="0"/>
+              <a:t>['\n</a:t>
+            </a:r>
+            <a:r>
+              <a:rPr lang="ko-KR" altLang="en-US" sz="900" dirty="0"/>
+              <a:t>제주 서귀포 앞바다에서 제트스키로 돌고래 무리를 위협한 동호회 일당이 경찰에 잡혔다</a:t>
+            </a:r>
+            <a:r>
+              <a:rPr lang="en-US" altLang="ko-KR" sz="900" dirty="0"/>
+              <a:t>\n\n21</a:t>
+            </a:r>
+            <a:r>
+              <a:rPr lang="ko-KR" altLang="en-US" sz="900" dirty="0"/>
+              <a:t>일 제주 서귀포해양경찰서에 따르면 전날 오후 </a:t>
+            </a:r>
+            <a:r>
+              <a:rPr lang="en-US" altLang="ko-KR" sz="900" dirty="0"/>
+              <a:t>5</a:t>
+            </a:r>
+            <a:r>
+              <a:rPr lang="ko-KR" altLang="en-US" sz="900" dirty="0"/>
+              <a:t>시쯤 서귀포시 신도포구 인근 해상에서 제트스키 </a:t>
+            </a:r>
+            <a:r>
+              <a:rPr lang="en-US" altLang="ko-KR" sz="900" dirty="0"/>
+              <a:t>6</a:t>
+            </a:r>
+            <a:r>
+              <a:rPr lang="ko-KR" altLang="en-US" sz="900" dirty="0"/>
+              <a:t>대가 돌고래 무리의 이동을 방해한다는 신고가 접수됐다</a:t>
+            </a:r>
+            <a:r>
+              <a:rPr lang="en-US" altLang="ko-KR" sz="900" dirty="0"/>
+              <a:t>.\n\n</a:t>
+            </a:r>
+            <a:r>
+              <a:rPr lang="ko-KR" altLang="en-US" sz="900" dirty="0"/>
+              <a:t>이들은 </a:t>
+            </a:r>
+            <a:r>
+              <a:rPr lang="ko-KR" altLang="en-US" sz="900" dirty="0" err="1"/>
+              <a:t>남방큰돌고래에</a:t>
+            </a:r>
+            <a:r>
+              <a:rPr lang="ko-KR" altLang="en-US" sz="900" dirty="0"/>
+              <a:t> </a:t>
+            </a:r>
+            <a:r>
+              <a:rPr lang="en-US" altLang="ko-KR" sz="900" dirty="0"/>
+              <a:t>10m </a:t>
+            </a:r>
+            <a:r>
+              <a:rPr lang="ko-KR" altLang="en-US" sz="900" dirty="0"/>
+              <a:t>이내로 접근</a:t>
+            </a:r>
+            <a:r>
+              <a:rPr lang="en-US" altLang="ko-KR" sz="900" dirty="0"/>
+              <a:t>, </a:t>
+            </a:r>
+            <a:r>
+              <a:rPr lang="ko-KR" altLang="en-US" sz="900" dirty="0"/>
+              <a:t>규정 속도 이상으로 운항했는데 출동한 해경은 서귀포시 </a:t>
+            </a:r>
+            <a:r>
+              <a:rPr lang="ko-KR" altLang="en-US" sz="900" dirty="0" err="1"/>
+              <a:t>대정읍</a:t>
+            </a:r>
+            <a:r>
+              <a:rPr lang="ko-KR" altLang="en-US" sz="900" dirty="0"/>
+              <a:t> </a:t>
+            </a:r>
+            <a:r>
+              <a:rPr lang="ko-KR" altLang="en-US" sz="900" dirty="0" err="1"/>
+              <a:t>모슬포항으로</a:t>
+            </a:r>
+            <a:r>
+              <a:rPr lang="ko-KR" altLang="en-US" sz="900" dirty="0"/>
+              <a:t> 이동 중인 제트스키 </a:t>
+            </a:r>
+            <a:r>
+              <a:rPr lang="en-US" altLang="ko-KR" sz="900" dirty="0"/>
+              <a:t>6</a:t>
+            </a:r>
+            <a:r>
+              <a:rPr lang="ko-KR" altLang="en-US" sz="900" dirty="0"/>
+              <a:t>대를 발견하고 </a:t>
+            </a:r>
+            <a:r>
+              <a:rPr lang="en-US" altLang="ko-KR" sz="900" dirty="0"/>
+              <a:t>6</a:t>
+            </a:r>
+            <a:r>
+              <a:rPr lang="ko-KR" altLang="en-US" sz="900" dirty="0"/>
+              <a:t>명을 붙잡았다</a:t>
+            </a:r>
+            <a:r>
+              <a:rPr lang="en-US" altLang="ko-KR" sz="900" dirty="0"/>
+              <a:t>.\n\n</a:t>
+            </a:r>
+            <a:r>
+              <a:rPr lang="ko-KR" altLang="en-US" sz="900" dirty="0"/>
+              <a:t>지난 </a:t>
+            </a:r>
+            <a:r>
+              <a:rPr lang="en-US" altLang="ko-KR" sz="900" dirty="0"/>
+              <a:t>4</a:t>
+            </a:r>
+            <a:r>
+              <a:rPr lang="ko-KR" altLang="en-US" sz="900" dirty="0"/>
+              <a:t>월</a:t>
+            </a:r>
+            <a:r>
+              <a:rPr lang="en-US" altLang="ko-KR" sz="900" dirty="0"/>
+              <a:t>19</a:t>
+            </a:r>
+            <a:r>
+              <a:rPr lang="ko-KR" altLang="en-US" sz="900" dirty="0"/>
+              <a:t>일부터 개정 시행된 해양생태계의 보전 및 관리에 관한 법률에서는 돌고래 무리 주변에서는 거리에 따라 선박의 속력을 줄여야 한다</a:t>
+            </a:r>
+            <a:r>
+              <a:rPr lang="en-US" altLang="ko-KR" sz="900" dirty="0"/>
+              <a:t>. </a:t>
+            </a:r>
+            <a:r>
+              <a:rPr lang="ko-KR" altLang="en-US" sz="900" dirty="0"/>
+              <a:t>돌고래와 거리가 </a:t>
+            </a:r>
+            <a:r>
+              <a:rPr lang="en-US" altLang="ko-KR" sz="900" dirty="0"/>
+              <a:t>750~1500m</a:t>
+            </a:r>
+            <a:r>
+              <a:rPr lang="ko-KR" altLang="en-US" sz="900" dirty="0"/>
+              <a:t>일 경우 </a:t>
+            </a:r>
+            <a:r>
+              <a:rPr lang="en-US" altLang="ko-KR" sz="900" dirty="0"/>
+              <a:t>10</a:t>
+            </a:r>
+            <a:r>
+              <a:rPr lang="ko-KR" altLang="en-US" sz="900" dirty="0"/>
+              <a:t>노트 이하</a:t>
+            </a:r>
+            <a:r>
+              <a:rPr lang="en-US" altLang="ko-KR" sz="900" dirty="0"/>
+              <a:t>, 300~750m</a:t>
+            </a:r>
+            <a:r>
+              <a:rPr lang="ko-KR" altLang="en-US" sz="900" dirty="0"/>
+              <a:t>에선 </a:t>
+            </a:r>
+            <a:r>
+              <a:rPr lang="en-US" altLang="ko-KR" sz="900" dirty="0"/>
+              <a:t>5</a:t>
+            </a:r>
+            <a:r>
+              <a:rPr lang="ko-KR" altLang="en-US" sz="900" dirty="0"/>
+              <a:t>노트 이하</a:t>
+            </a:r>
+            <a:r>
+              <a:rPr lang="en-US" altLang="ko-KR" sz="900" dirty="0"/>
+              <a:t>, 50~300m</a:t>
+            </a:r>
+            <a:r>
+              <a:rPr lang="ko-KR" altLang="en-US" sz="900" dirty="0"/>
+              <a:t>이면 선박의 </a:t>
+            </a:r>
+            <a:r>
+              <a:rPr lang="ko-KR" altLang="en-US" sz="900" dirty="0" err="1"/>
+              <a:t>스크루를</a:t>
+            </a:r>
+            <a:r>
+              <a:rPr lang="ko-KR" altLang="en-US" sz="900" dirty="0"/>
+              <a:t> 멈춰야 한다</a:t>
+            </a:r>
+            <a:r>
+              <a:rPr lang="en-US" altLang="ko-KR" sz="900" dirty="0"/>
+              <a:t>.\n\n</a:t>
+            </a:r>
+            <a:r>
+              <a:rPr lang="ko-KR" altLang="en-US" sz="900" dirty="0"/>
+              <a:t>이를 어기면 </a:t>
+            </a:r>
+            <a:r>
+              <a:rPr lang="en-US" altLang="ko-KR" sz="900" dirty="0"/>
+              <a:t>200</a:t>
+            </a:r>
+            <a:r>
+              <a:rPr lang="ko-KR" altLang="en-US" sz="900" dirty="0"/>
+              <a:t>만원 이하 과태료가 부과된다</a:t>
+            </a:r>
+            <a:r>
+              <a:rPr lang="en-US" altLang="ko-KR" sz="900" dirty="0"/>
+              <a:t>.\n</a:t>
+            </a:r>
+            <a:r>
+              <a:rPr lang="ko-KR" altLang="en-US" sz="900" dirty="0"/>
+              <a:t>된다</a:t>
+            </a:r>
+            <a:r>
+              <a:rPr lang="en-US" altLang="ko-KR" sz="900" dirty="0"/>
+              <a:t>.\n</a:t>
+            </a:r>
+            <a:r>
+              <a:rPr lang="ko-KR" altLang="en-US" sz="900" dirty="0"/>
+              <a:t>된다</a:t>
+            </a:r>
+            <a:r>
+              <a:rPr lang="en-US" altLang="ko-KR" sz="900" dirty="0"/>
+              <a:t>.\n</a:t>
+            </a:r>
+            <a:r>
+              <a:rPr lang="ko-KR" altLang="en-US" sz="900" dirty="0"/>
+              <a:t>된다</a:t>
+            </a:r>
+            <a:r>
+              <a:rPr lang="en-US" altLang="ko-KR" sz="900" dirty="0"/>
+              <a:t>.\n</a:t>
+            </a:r>
+            <a:r>
+              <a:rPr lang="ko-KR" altLang="en-US" sz="900" dirty="0"/>
+              <a:t>된다</a:t>
+            </a:r>
+            <a:r>
+              <a:rPr lang="en-US" altLang="ko-KR" sz="900" dirty="0"/>
+              <a:t>.\n</a:t>
+            </a:r>
+            <a:r>
+              <a:rPr lang="ko-KR" altLang="en-US" sz="900" dirty="0"/>
+              <a:t>된다</a:t>
+            </a:r>
+            <a:r>
+              <a:rPr lang="en-US" altLang="ko-KR" sz="900" dirty="0"/>
+              <a:t>.\n</a:t>
+            </a:r>
+            <a:r>
+              <a:rPr lang="ko-KR" altLang="en-US" sz="900" dirty="0"/>
+              <a:t>된다</a:t>
+            </a:r>
+            <a:r>
+              <a:rPr lang="en-US" altLang="ko-KR" sz="900" dirty="0"/>
+              <a:t>.\n</a:t>
+            </a:r>
+            <a:r>
+              <a:rPr lang="ko-KR" altLang="en-US" sz="900" dirty="0"/>
+              <a:t>된다</a:t>
+            </a:r>
+            <a:r>
+              <a:rPr lang="en-US" altLang="ko-KR" sz="900" dirty="0"/>
+              <a:t>.\n</a:t>
+            </a:r>
+            <a:r>
+              <a:rPr lang="ko-KR" altLang="en-US" sz="900" dirty="0"/>
+              <a:t>된다</a:t>
+            </a:r>
+            <a:r>
+              <a:rPr lang="en-US" altLang="ko-KR" sz="900" dirty="0"/>
+              <a:t>.\n</a:t>
+            </a:r>
+            <a:r>
+              <a:rPr lang="ko-KR" altLang="en-US" sz="900" dirty="0"/>
+              <a:t>된다</a:t>
+            </a:r>
+            <a:r>
+              <a:rPr lang="en-US" altLang="ko-KR" sz="900" dirty="0"/>
+              <a:t>.\n</a:t>
+            </a:r>
+            <a:r>
+              <a:rPr lang="ko-KR" altLang="en-US" sz="900" dirty="0"/>
+              <a:t>된다</a:t>
+            </a:r>
+            <a:r>
+              <a:rPr lang="en-US" altLang="ko-KR" sz="900" dirty="0"/>
+              <a:t>.\n</a:t>
+            </a:r>
+            <a:r>
+              <a:rPr lang="ko-KR" altLang="en-US" sz="900" dirty="0"/>
+              <a:t>됐다</a:t>
+            </a:r>
+            <a:r>
+              <a:rPr lang="en-US" altLang="ko-KR" sz="900" dirty="0"/>
+              <a:t>.\n</a:t>
+            </a:r>
+            <a:r>
+              <a:rPr lang="ko-KR" altLang="en-US" sz="900" dirty="0"/>
+              <a:t>됐다</a:t>
+            </a:r>
+            <a:r>
+              <a:rPr lang="en-US" altLang="ko-KR" sz="900" dirty="0"/>
+              <a:t>.\n</a:t>
+            </a:r>
+            <a:r>
+              <a:rPr lang="ko-KR" altLang="en-US" sz="900" dirty="0"/>
+              <a:t>됐됐됐됐됐됐됐됐됐됐됐됐됐됐됐됐됐됐됐됐됐됐됐됐됐됐됐됐됐됐됐됐됐됐됐됐됐됐됐됐됐됐됐됐됐됐됐됐됐됐됐됐됐됐됐됐됐됐됐됐됐됐됐됐됐됐됐됐됐됐됐됐됐됐됐됐됐됐됐됐됐됐됐됐됐됐됐됐됐됐됐됐됐됐됐됐됐됐됐됐됐됐됐됐됐됐됐됐됐됐됐됐됐됐됐됐됐됐됐됐됐됐됐됐됐됐됐됐됐됐됐됐됐됐됐됐됐됐됐됐됐됐됐됐됐됐됐됐됐됐됐됐됐됐됐됐됐됐됐됐됐됐됐됐됐됐됐됐됐됐됐됐됐됐됐됐됐됐됐됐됐됐됐됐됐됐됐됐됐됐됐됐됐됐됐됐됐됐됐됐됐됐됐됐됐됐됐됐됐됐됐됐됐됐됐됐됐됐됐됐됐됐됐됐됐됐됐됐됐됐됐됐됐됐됐됐됐됐됐됐됐</a:t>
+            </a:r>
+            <a:r>
+              <a:rPr lang="en-US" altLang="ko-KR" sz="900" dirty="0"/>
+              <a:t>']</a:t>
+            </a:r>
+            <a:endParaRPr lang="ko-KR" altLang="en-US" sz="900" dirty="0"/>
+          </a:p>
+        </p:txBody>
+      </p:sp>
+    </p:spTree>
+    <p:extLst>
+      <p:ext uri="{BB962C8B-B14F-4D97-AF65-F5344CB8AC3E}">
+        <p14:creationId xmlns:p14="http://schemas.microsoft.com/office/powerpoint/2010/main" val="4088651292"/>
+      </p:ext>
+    </p:extLst>
+  </p:cSld>
+  <p:clrMapOvr>
+    <a:masterClrMapping/>
+  </p:clrMapOvr>
+</p:sld>
+</file>
+
+<file path=ppt/slides/slide8.xml><?xml version="1.0" encoding="utf-8"?>
+<p:sld xmlns:a="http://schemas.openxmlformats.org/drawingml/2006/main" xmlns:r="http://schemas.openxmlformats.org/officeDocument/2006/relationships" xmlns:p="http://schemas.openxmlformats.org/presentationml/2006/main">
+  <p:cSld>
+    <p:spTree>
+      <p:nvGrpSpPr>
+        <p:cNvPr id="1" name=""/>
+        <p:cNvGrpSpPr/>
+        <p:nvPr/>
+      </p:nvGrpSpPr>
+      <p:grpSpPr>
+        <a:xfrm>
+          <a:off x="0" y="0"/>
+          <a:ext cx="0" cy="0"/>
+          <a:chOff x="0" y="0"/>
+          <a:chExt cx="0" cy="0"/>
+        </a:xfrm>
+      </p:grpSpPr>
+      <p:grpSp>
+        <p:nvGrpSpPr>
+          <p:cNvPr id="15" name="그룹 14"/>
+          <p:cNvGrpSpPr/>
+          <p:nvPr/>
+        </p:nvGrpSpPr>
+        <p:grpSpPr>
+          <a:xfrm>
+            <a:off x="20385" y="261017"/>
+            <a:ext cx="9153144" cy="6318504"/>
+            <a:chOff x="28575" y="464884"/>
+            <a:chExt cx="9153144" cy="6318504"/>
+          </a:xfrm>
+        </p:grpSpPr>
+        <p:pic>
+          <p:nvPicPr>
+            <p:cNvPr id="1030" name="Picture 6" descr="C:\Users\Administrator\Desktop\인하대학교\05_템플릿\01_작업\확정\01\PNG\01_보드.png"/>
+            <p:cNvPicPr>
+              <a:picLocks noChangeAspect="1" noChangeArrowheads="1"/>
+            </p:cNvPicPr>
+            <p:nvPr/>
+          </p:nvPicPr>
+          <p:blipFill>
+            <a:blip r:embed="rId3"/>
+            <a:srcRect/>
+            <a:stretch>
+              <a:fillRect/>
+            </a:stretch>
+          </p:blipFill>
+          <p:spPr bwMode="auto">
+            <a:xfrm>
+              <a:off x="28575" y="464884"/>
+              <a:ext cx="9153144" cy="6318504"/>
+            </a:xfrm>
+            <a:prstGeom prst="rect">
+              <a:avLst/>
+            </a:prstGeom>
+            <a:noFill/>
+          </p:spPr>
+        </p:pic>
+        <p:grpSp>
+          <p:nvGrpSpPr>
+            <p:cNvPr id="14" name="그룹 13"/>
+            <p:cNvGrpSpPr/>
+            <p:nvPr/>
+          </p:nvGrpSpPr>
+          <p:grpSpPr>
+            <a:xfrm>
+              <a:off x="5851533" y="6177777"/>
+              <a:ext cx="3000388" cy="304800"/>
+              <a:chOff x="5851533" y="6177777"/>
+              <a:chExt cx="3000388" cy="304800"/>
+            </a:xfrm>
+          </p:grpSpPr>
+          <p:pic>
+            <p:nvPicPr>
+              <p:cNvPr id="12" name="Picture 3" descr="C:\Users\Administrator\Desktop\인하대학교\05_템플릿\01_작업\확정\PNG\13_copyright.png"/>
+              <p:cNvPicPr>
+                <a:picLocks noChangeAspect="1" noChangeArrowheads="1"/>
+              </p:cNvPicPr>
+              <p:nvPr/>
+            </p:nvPicPr>
+            <p:blipFill>
+              <a:blip r:embed="rId4"/>
+              <a:srcRect/>
+              <a:stretch>
+                <a:fillRect/>
+              </a:stretch>
+            </p:blipFill>
+            <p:spPr bwMode="auto">
+              <a:xfrm>
+                <a:off x="5851533" y="6396852"/>
+                <a:ext cx="1838325" cy="47625"/>
+              </a:xfrm>
+              <a:prstGeom prst="rect">
+                <a:avLst/>
+              </a:prstGeom>
+              <a:noFill/>
+            </p:spPr>
+          </p:pic>
+          <p:pic>
+            <p:nvPicPr>
+              <p:cNvPr id="13" name="Picture 5" descr="C:\Users\Administrator\Desktop\인하대학교\05_템플릿\01_작업\확정\PNG\12_로고.png"/>
+              <p:cNvPicPr>
+                <a:picLocks noChangeAspect="1" noChangeArrowheads="1"/>
+              </p:cNvPicPr>
+              <p:nvPr/>
+            </p:nvPicPr>
+            <p:blipFill>
+              <a:blip r:embed="rId5"/>
+              <a:srcRect/>
+              <a:stretch>
+                <a:fillRect/>
+              </a:stretch>
+            </p:blipFill>
+            <p:spPr bwMode="auto">
+              <a:xfrm>
+                <a:off x="7756546" y="6177777"/>
+                <a:ext cx="1095375" cy="304800"/>
+              </a:xfrm>
+              <a:prstGeom prst="rect">
+                <a:avLst/>
+              </a:prstGeom>
+              <a:noFill/>
+            </p:spPr>
+          </p:pic>
+        </p:grpSp>
+      </p:grpSp>
+      <p:pic>
+        <p:nvPicPr>
+          <p:cNvPr id="3074" name="Picture 2" descr="C:\Users\Administrator\Desktop\인하대학교\05_템플릿\01_작업\확정\01\PNG\04.png"/>
+          <p:cNvPicPr>
+            <a:picLocks noChangeAspect="1" noChangeArrowheads="1"/>
+          </p:cNvPicPr>
+          <p:nvPr/>
+        </p:nvPicPr>
+        <p:blipFill>
+          <a:blip r:embed="rId6"/>
+          <a:srcRect/>
+          <a:stretch>
+            <a:fillRect/>
+          </a:stretch>
+        </p:blipFill>
+        <p:spPr bwMode="auto">
+          <a:xfrm>
+            <a:off x="317470" y="634187"/>
+            <a:ext cx="8650224" cy="612648"/>
+          </a:xfrm>
+          <a:prstGeom prst="rect">
+            <a:avLst/>
+          </a:prstGeom>
+          <a:noFill/>
+        </p:spPr>
+      </p:pic>
+      <p:pic>
+        <p:nvPicPr>
+          <p:cNvPr id="2050" name="Picture 2" descr="C:\Users\Administrator\Desktop\인하대학교\05_템플릿\01_작업\확정\01\PNG\02.png"/>
+          <p:cNvPicPr>
+            <a:picLocks noChangeAspect="1" noChangeArrowheads="1"/>
+          </p:cNvPicPr>
+          <p:nvPr/>
+        </p:nvPicPr>
+        <p:blipFill>
+          <a:blip r:embed="rId7"/>
+          <a:srcRect t="-140000" b="-140000"/>
+          <a:stretch>
+            <a:fillRect/>
+          </a:stretch>
+        </p:blipFill>
+        <p:spPr bwMode="auto">
+          <a:xfrm>
+            <a:off x="479396" y="1800405"/>
+            <a:ext cx="8110728" cy="69494"/>
+          </a:xfrm>
+          <a:prstGeom prst="rect">
+            <a:avLst/>
+          </a:prstGeom>
+          <a:noFill/>
+        </p:spPr>
+      </p:pic>
+      <p:grpSp>
+        <p:nvGrpSpPr>
+          <p:cNvPr id="10" name="그룹 9"/>
+          <p:cNvGrpSpPr/>
+          <p:nvPr/>
+        </p:nvGrpSpPr>
+        <p:grpSpPr>
+          <a:xfrm>
+            <a:off x="193644" y="777637"/>
+            <a:ext cx="3035808" cy="356616"/>
+            <a:chOff x="193644" y="777637"/>
+            <a:chExt cx="3035808" cy="356616"/>
+          </a:xfrm>
+        </p:grpSpPr>
+        <p:pic>
+          <p:nvPicPr>
+            <p:cNvPr id="7" name="Picture 11" descr="C:\Users\Administrator\Desktop\인하대학교\05_템플릿\01_작업\확정\01\PNG\03.png"/>
+            <p:cNvPicPr>
+              <a:picLocks noChangeAspect="1" noChangeArrowheads="1"/>
+            </p:cNvPicPr>
+            <p:nvPr/>
+          </p:nvPicPr>
+          <p:blipFill>
+            <a:blip r:embed="rId8"/>
+            <a:srcRect/>
+            <a:stretch>
+              <a:fillRect/>
+            </a:stretch>
+          </p:blipFill>
+          <p:spPr bwMode="auto">
+            <a:xfrm>
+              <a:off x="193644" y="777637"/>
+              <a:ext cx="3035808" cy="356616"/>
+            </a:xfrm>
+            <a:prstGeom prst="rect">
+              <a:avLst/>
+            </a:prstGeom>
+            <a:noFill/>
+          </p:spPr>
+        </p:pic>
+        <p:sp>
+          <p:nvSpPr>
+            <p:cNvPr id="8" name="TextBox 7"/>
+            <p:cNvSpPr txBox="1"/>
+            <p:nvPr/>
+          </p:nvSpPr>
+          <p:spPr>
+            <a:xfrm>
+              <a:off x="550834" y="787162"/>
+              <a:ext cx="1473480" cy="338554"/>
+            </a:xfrm>
+            <a:prstGeom prst="rect">
+              <a:avLst/>
+            </a:prstGeom>
+            <a:noFill/>
+          </p:spPr>
+          <p:txBody>
+            <a:bodyPr wrap="none" rtlCol="0">
+              <a:spAutoFit/>
+            </a:bodyPr>
+            <a:lstStyle/>
+            <a:p>
+              <a:r>
+                <a:rPr lang="en-US" altLang="ko-KR" sz="1600" b="1" i="1" dirty="0">
+                  <a:solidFill>
+                    <a:schemeClr val="bg1"/>
+                  </a:solidFill>
+                  <a:latin typeface="나눔명조 ExtraBold" pitchFamily="18" charset="-127"/>
+                  <a:ea typeface="나눔명조 ExtraBold" pitchFamily="18" charset="-127"/>
+                </a:rPr>
+                <a:t>2</a:t>
+              </a:r>
+              <a:r>
+                <a:rPr lang="ko-KR" altLang="en-US" sz="1600" b="1" i="1" dirty="0">
+                  <a:solidFill>
+                    <a:schemeClr val="bg1"/>
+                  </a:solidFill>
+                  <a:latin typeface="나눔명조 ExtraBold" pitchFamily="18" charset="-127"/>
+                  <a:ea typeface="나눔명조 ExtraBold" pitchFamily="18" charset="-127"/>
+                </a:rPr>
+                <a:t>조 진행 현황</a:t>
+              </a:r>
+            </a:p>
+          </p:txBody>
+        </p:sp>
+      </p:grpSp>
+      <p:sp>
+        <p:nvSpPr>
+          <p:cNvPr id="9" name="TextBox 8"/>
+          <p:cNvSpPr txBox="1"/>
+          <p:nvPr/>
+        </p:nvSpPr>
+        <p:spPr>
+          <a:xfrm>
+            <a:off x="3461133" y="767538"/>
+            <a:ext cx="1017715" cy="430887"/>
+          </a:xfrm>
+          <a:prstGeom prst="rect">
+            <a:avLst/>
+          </a:prstGeom>
+          <a:noFill/>
+        </p:spPr>
+        <p:txBody>
+          <a:bodyPr wrap="none" rtlCol="0">
+            <a:spAutoFit/>
+          </a:bodyPr>
+          <a:lstStyle/>
+          <a:p>
+            <a:r>
+              <a:rPr lang="en-US" altLang="ko-KR" sz="2200" b="1" i="1" dirty="0">
+                <a:solidFill>
+                  <a:srgbClr val="1E5B86"/>
+                </a:solidFill>
+                <a:latin typeface="나눔명조 ExtraBold" pitchFamily="18" charset="-127"/>
+                <a:ea typeface="나눔명조 ExtraBold" pitchFamily="18" charset="-127"/>
+              </a:rPr>
+              <a:t>2. STT</a:t>
+            </a:r>
+            <a:endParaRPr lang="ko-KR" altLang="en-US" sz="2200" b="1" i="1" dirty="0">
+              <a:solidFill>
+                <a:srgbClr val="1E5B86"/>
+              </a:solidFill>
+              <a:latin typeface="나눔명조 ExtraBold" pitchFamily="18" charset="-127"/>
+              <a:ea typeface="나눔명조 ExtraBold" pitchFamily="18" charset="-127"/>
+            </a:endParaRPr>
+          </a:p>
+        </p:txBody>
+      </p:sp>
+      <p:sp>
+        <p:nvSpPr>
+          <p:cNvPr id="11" name="TextBox 10"/>
+          <p:cNvSpPr txBox="1"/>
+          <p:nvPr/>
+        </p:nvSpPr>
+        <p:spPr>
+          <a:xfrm>
+            <a:off x="765148" y="1358092"/>
             <a:ext cx="1649811" cy="400110"/>
           </a:xfrm>
           <a:prstGeom prst="rect">
@@ -7471,7 +10021,7 @@
 </p:sld>
 </file>
 
-<file path=ppt/slides/slide6.xml><?xml version="1.0" encoding="utf-8"?>
+<file path=ppt/slides/slide9.xml><?xml version="1.0" encoding="utf-8"?>
 <p:sld xmlns:a="http://schemas.openxmlformats.org/drawingml/2006/main" xmlns:r="http://schemas.openxmlformats.org/officeDocument/2006/relationships" xmlns:p="http://schemas.openxmlformats.org/presentationml/2006/main">
   <p:cSld>
     <p:spTree>

--- a/ppt/0522_2조_나현희_신원철.pptx
+++ b/ppt/0522_2조_나현희_신원철.pptx
@@ -5,15 +5,20 @@
     <p:sldMasterId id="2147483648" r:id="rId1"/>
   </p:sldMasterIdLst>
   <p:notesMasterIdLst>
-    <p:notesMasterId r:id="rId8"/>
+    <p:notesMasterId r:id="rId13"/>
   </p:notesMasterIdLst>
   <p:sldIdLst>
     <p:sldId id="257" r:id="rId2"/>
     <p:sldId id="259" r:id="rId3"/>
     <p:sldId id="329" r:id="rId4"/>
     <p:sldId id="330" r:id="rId5"/>
-    <p:sldId id="318" r:id="rId6"/>
-    <p:sldId id="312" r:id="rId7"/>
+    <p:sldId id="333" r:id="rId6"/>
+    <p:sldId id="331" r:id="rId7"/>
+    <p:sldId id="334" r:id="rId8"/>
+    <p:sldId id="318" r:id="rId9"/>
+    <p:sldId id="312" r:id="rId10"/>
+    <p:sldId id="332" r:id="rId11"/>
+    <p:sldId id="335" r:id="rId12"/>
   </p:sldIdLst>
   <p:sldSz cx="9245600" cy="6840538"/>
   <p:notesSz cx="6858000" cy="9144000"/>
@@ -1116,7 +1121,7 @@
             <a:fld id="{01015650-063C-455C-8B59-3D8A2C6803D6}" type="datetimeFigureOut">
               <a:rPr lang="ko-KR" altLang="en-US" smtClean="0"/>
               <a:pPr/>
-              <a:t>2023-05-21</a:t>
+              <a:t>2023-05-22</a:t>
             </a:fld>
             <a:endParaRPr lang="ko-KR" altLang="en-US"/>
           </a:p>
@@ -1466,6 +1471,210 @@
 </p:notes>
 </file>
 
+<file path=ppt/notesSlides/notesSlide10.xml><?xml version="1.0" encoding="utf-8"?>
+<p:notes xmlns:a="http://schemas.openxmlformats.org/drawingml/2006/main" xmlns:r="http://schemas.openxmlformats.org/officeDocument/2006/relationships" xmlns:p="http://schemas.openxmlformats.org/presentationml/2006/main">
+  <p:cSld>
+    <p:spTree>
+      <p:nvGrpSpPr>
+        <p:cNvPr id="1" name=""/>
+        <p:cNvGrpSpPr/>
+        <p:nvPr/>
+      </p:nvGrpSpPr>
+      <p:grpSpPr>
+        <a:xfrm>
+          <a:off x="0" y="0"/>
+          <a:ext cx="0" cy="0"/>
+          <a:chOff x="0" y="0"/>
+          <a:chExt cx="0" cy="0"/>
+        </a:xfrm>
+      </p:grpSpPr>
+      <p:sp>
+        <p:nvSpPr>
+          <p:cNvPr id="2" name="슬라이드 이미지 개체 틀 1"/>
+          <p:cNvSpPr>
+            <a:spLocks noGrp="1" noRot="1" noChangeAspect="1"/>
+          </p:cNvSpPr>
+          <p:nvPr>
+            <p:ph type="sldImg"/>
+          </p:nvPr>
+        </p:nvSpPr>
+        <p:spPr/>
+      </p:sp>
+      <p:sp>
+        <p:nvSpPr>
+          <p:cNvPr id="3" name="슬라이드 노트 개체 틀 2"/>
+          <p:cNvSpPr>
+            <a:spLocks noGrp="1"/>
+          </p:cNvSpPr>
+          <p:nvPr>
+            <p:ph type="body" idx="1"/>
+          </p:nvPr>
+        </p:nvSpPr>
+        <p:spPr/>
+        <p:txBody>
+          <a:bodyPr/>
+          <a:lstStyle/>
+          <a:p>
+            <a:pPr marL="0" marR="0" lvl="0" indent="0" algn="l" defTabSz="914400" rtl="0" eaLnBrk="1" fontAlgn="auto" latinLnBrk="1" hangingPunct="1">
+              <a:lnSpc>
+                <a:spcPct val="100000"/>
+              </a:lnSpc>
+              <a:spcBef>
+                <a:spcPts val="0"/>
+              </a:spcBef>
+              <a:spcAft>
+                <a:spcPts val="0"/>
+              </a:spcAft>
+              <a:buClrTx/>
+              <a:buSzTx/>
+              <a:buFontTx/>
+              <a:buNone/>
+              <a:tabLst/>
+              <a:defRPr/>
+            </a:pPr>
+            <a:endParaRPr lang="en-US" altLang="ko-KR" dirty="0"/>
+          </a:p>
+        </p:txBody>
+      </p:sp>
+      <p:sp>
+        <p:nvSpPr>
+          <p:cNvPr id="4" name="슬라이드 번호 개체 틀 3"/>
+          <p:cNvSpPr>
+            <a:spLocks noGrp="1"/>
+          </p:cNvSpPr>
+          <p:nvPr>
+            <p:ph type="sldNum" sz="quarter" idx="5"/>
+          </p:nvPr>
+        </p:nvSpPr>
+        <p:spPr/>
+        <p:txBody>
+          <a:bodyPr/>
+          <a:lstStyle/>
+          <a:p>
+            <a:fld id="{C733FFDB-1D54-46DF-917A-5FED415D2BB6}" type="slidenum">
+              <a:rPr lang="ko-KR" altLang="en-US" smtClean="0"/>
+              <a:pPr/>
+              <a:t>10</a:t>
+            </a:fld>
+            <a:endParaRPr lang="ko-KR" altLang="en-US"/>
+          </a:p>
+        </p:txBody>
+      </p:sp>
+    </p:spTree>
+    <p:extLst>
+      <p:ext uri="{BB962C8B-B14F-4D97-AF65-F5344CB8AC3E}">
+        <p14:creationId xmlns:p14="http://schemas.microsoft.com/office/powerpoint/2010/main" val="1830421527"/>
+      </p:ext>
+    </p:extLst>
+  </p:cSld>
+  <p:clrMapOvr>
+    <a:masterClrMapping/>
+  </p:clrMapOvr>
+</p:notes>
+</file>
+
+<file path=ppt/notesSlides/notesSlide11.xml><?xml version="1.0" encoding="utf-8"?>
+<p:notes xmlns:a="http://schemas.openxmlformats.org/drawingml/2006/main" xmlns:r="http://schemas.openxmlformats.org/officeDocument/2006/relationships" xmlns:p="http://schemas.openxmlformats.org/presentationml/2006/main">
+  <p:cSld>
+    <p:spTree>
+      <p:nvGrpSpPr>
+        <p:cNvPr id="1" name=""/>
+        <p:cNvGrpSpPr/>
+        <p:nvPr/>
+      </p:nvGrpSpPr>
+      <p:grpSpPr>
+        <a:xfrm>
+          <a:off x="0" y="0"/>
+          <a:ext cx="0" cy="0"/>
+          <a:chOff x="0" y="0"/>
+          <a:chExt cx="0" cy="0"/>
+        </a:xfrm>
+      </p:grpSpPr>
+      <p:sp>
+        <p:nvSpPr>
+          <p:cNvPr id="2" name="슬라이드 이미지 개체 틀 1"/>
+          <p:cNvSpPr>
+            <a:spLocks noGrp="1" noRot="1" noChangeAspect="1"/>
+          </p:cNvSpPr>
+          <p:nvPr>
+            <p:ph type="sldImg"/>
+          </p:nvPr>
+        </p:nvSpPr>
+        <p:spPr/>
+      </p:sp>
+      <p:sp>
+        <p:nvSpPr>
+          <p:cNvPr id="3" name="슬라이드 노트 개체 틀 2"/>
+          <p:cNvSpPr>
+            <a:spLocks noGrp="1"/>
+          </p:cNvSpPr>
+          <p:nvPr>
+            <p:ph type="body" idx="1"/>
+          </p:nvPr>
+        </p:nvSpPr>
+        <p:spPr/>
+        <p:txBody>
+          <a:bodyPr/>
+          <a:lstStyle/>
+          <a:p>
+            <a:pPr marL="0" marR="0" lvl="0" indent="0" algn="l" defTabSz="914400" rtl="0" eaLnBrk="1" fontAlgn="auto" latinLnBrk="1" hangingPunct="1">
+              <a:lnSpc>
+                <a:spcPct val="100000"/>
+              </a:lnSpc>
+              <a:spcBef>
+                <a:spcPts val="0"/>
+              </a:spcBef>
+              <a:spcAft>
+                <a:spcPts val="0"/>
+              </a:spcAft>
+              <a:buClrTx/>
+              <a:buSzTx/>
+              <a:buFontTx/>
+              <a:buNone/>
+              <a:tabLst/>
+              <a:defRPr/>
+            </a:pPr>
+            <a:endParaRPr lang="en-US" altLang="ko-KR" dirty="0"/>
+          </a:p>
+        </p:txBody>
+      </p:sp>
+      <p:sp>
+        <p:nvSpPr>
+          <p:cNvPr id="4" name="슬라이드 번호 개체 틀 3"/>
+          <p:cNvSpPr>
+            <a:spLocks noGrp="1"/>
+          </p:cNvSpPr>
+          <p:nvPr>
+            <p:ph type="sldNum" sz="quarter" idx="5"/>
+          </p:nvPr>
+        </p:nvSpPr>
+        <p:spPr/>
+        <p:txBody>
+          <a:bodyPr/>
+          <a:lstStyle/>
+          <a:p>
+            <a:fld id="{C733FFDB-1D54-46DF-917A-5FED415D2BB6}" type="slidenum">
+              <a:rPr lang="ko-KR" altLang="en-US" smtClean="0"/>
+              <a:pPr/>
+              <a:t>11</a:t>
+            </a:fld>
+            <a:endParaRPr lang="ko-KR" altLang="en-US"/>
+          </a:p>
+        </p:txBody>
+      </p:sp>
+    </p:spTree>
+    <p:extLst>
+      <p:ext uri="{BB962C8B-B14F-4D97-AF65-F5344CB8AC3E}">
+        <p14:creationId xmlns:p14="http://schemas.microsoft.com/office/powerpoint/2010/main" val="2422765203"/>
+      </p:ext>
+    </p:extLst>
+  </p:cSld>
+  <p:clrMapOvr>
+    <a:masterClrMapping/>
+  </p:clrMapOvr>
+</p:notes>
+</file>
+
 <file path=ppt/notesSlides/notesSlide2.xml><?xml version="1.0" encoding="utf-8"?>
 <p:notes xmlns:a="http://schemas.openxmlformats.org/drawingml/2006/main" xmlns:r="http://schemas.openxmlformats.org/officeDocument/2006/relationships" xmlns:p="http://schemas.openxmlformats.org/presentationml/2006/main">
   <p:cSld>
@@ -1529,25 +1738,12 @@
             </a:pPr>
             <a:r>
               <a:rPr lang="ko-KR" altLang="en-US" dirty="0"/>
-              <a:t>저희 이번주 발표는 </a:t>
-            </a:r>
-            <a:r>
-              <a:rPr lang="en-US" altLang="ko-KR" dirty="0" err="1"/>
-              <a:t>stt</a:t>
-            </a:r>
-            <a:r>
-              <a:rPr lang="ko-KR" altLang="en-US" dirty="0"/>
-              <a:t>수행</a:t>
+              <a:t>이번 주 발표에는 전체 요약 및 화자 별 수행 및 평가를 진행하였습니다</a:t>
             </a:r>
             <a:r>
               <a:rPr lang="en-US" altLang="ko-KR" dirty="0"/>
-              <a:t>, </a:t>
-            </a:r>
-            <a:r>
-              <a:rPr lang="ko-KR" altLang="en-US" dirty="0"/>
-              <a:t>중심 화자 추출을 진행 </a:t>
-            </a:r>
-            <a:endParaRPr lang="en-US" altLang="ko-KR" dirty="0"/>
+              <a:t>. </a:t>
+            </a:r>
           </a:p>
         </p:txBody>
       </p:sp>
@@ -1649,7 +1845,14 @@
               <a:tabLst/>
               <a:defRPr/>
             </a:pPr>
-            <a:endParaRPr lang="en-US" altLang="ko-KR" dirty="0"/>
+            <a:r>
+              <a:rPr lang="ko-KR" altLang="en-US" dirty="0"/>
+              <a:t>해당 흐름도 대로 요약을 생성하고 성능을 평가하였습니다</a:t>
+            </a:r>
+            <a:r>
+              <a:rPr lang="en-US" altLang="ko-KR" dirty="0"/>
+              <a:t>. </a:t>
+            </a:r>
           </a:p>
         </p:txBody>
       </p:sp>
@@ -1751,6 +1954,82 @@
               <a:tabLst/>
               <a:defRPr/>
             </a:pPr>
+            <a:r>
+              <a:rPr lang="ko-KR" altLang="en-US" dirty="0"/>
+              <a:t>사용할 데이터는 방송 콘텐츠의 대본과 해당 내용에 대한 요약문으로</a:t>
+            </a:r>
+            <a:r>
+              <a:rPr lang="en-US" altLang="ko-KR" dirty="0"/>
+              <a:t>, </a:t>
+            </a:r>
+            <a:r>
+              <a:rPr lang="ko-KR" altLang="en-US" dirty="0"/>
+              <a:t>가족</a:t>
+            </a:r>
+            <a:r>
+              <a:rPr lang="en-US" altLang="ko-KR" dirty="0"/>
+              <a:t>, </a:t>
+            </a:r>
+            <a:r>
+              <a:rPr lang="ko-KR" altLang="en-US" dirty="0"/>
+              <a:t>드라마</a:t>
+            </a:r>
+            <a:r>
+              <a:rPr lang="en-US" altLang="ko-KR" dirty="0"/>
+              <a:t>, </a:t>
+            </a:r>
+            <a:r>
+              <a:rPr lang="ko-KR" altLang="en-US" dirty="0"/>
+              <a:t>역사극</a:t>
+            </a:r>
+            <a:r>
+              <a:rPr lang="en-US" altLang="ko-KR" dirty="0"/>
+              <a:t>, </a:t>
+            </a:r>
+            <a:r>
+              <a:rPr lang="ko-KR" altLang="en-US" dirty="0"/>
+              <a:t>시사</a:t>
+            </a:r>
+            <a:r>
+              <a:rPr lang="en-US" altLang="ko-KR" dirty="0"/>
+              <a:t>, </a:t>
+            </a:r>
+            <a:r>
+              <a:rPr lang="ko-KR" altLang="en-US" dirty="0"/>
+              <a:t>교양</a:t>
+            </a:r>
+            <a:r>
+              <a:rPr lang="en-US" altLang="ko-KR" dirty="0"/>
+              <a:t>, </a:t>
+            </a:r>
+            <a:r>
+              <a:rPr lang="ko-KR" altLang="en-US" dirty="0"/>
+              <a:t>예능 </a:t>
+            </a:r>
+            <a:r>
+              <a:rPr lang="en-US" altLang="ko-KR" dirty="0"/>
+              <a:t>6</a:t>
+            </a:r>
+            <a:r>
+              <a:rPr lang="ko-KR" altLang="en-US" dirty="0"/>
+              <a:t>가지로 분류되어 있습니다</a:t>
+            </a:r>
+            <a:r>
+              <a:rPr lang="en-US" altLang="ko-KR" dirty="0"/>
+              <a:t>. </a:t>
+            </a:r>
+            <a:r>
+              <a:rPr lang="ko-KR" altLang="en-US" dirty="0"/>
+              <a:t>저희는 해당 분류 별로 요약에 대한 평가를 진행하고 비교할 예정입니다</a:t>
+            </a:r>
+            <a:r>
+              <a:rPr lang="en-US" altLang="ko-KR" dirty="0"/>
+              <a:t>. </a:t>
+            </a:r>
+            <a:r>
+              <a:rPr lang="ko-KR" altLang="en-US" dirty="0"/>
+              <a:t> </a:t>
+            </a:r>
             <a:endParaRPr lang="en-US" altLang="ko-KR" dirty="0"/>
           </a:p>
         </p:txBody>
@@ -1853,7 +2132,30 @@
               <a:tabLst/>
               <a:defRPr/>
             </a:pPr>
-            <a:endParaRPr lang="en-US" altLang="ko-KR" dirty="0"/>
+            <a:r>
+              <a:rPr lang="ko-KR" altLang="en-US" dirty="0"/>
+              <a:t>한국어를 사용하여 대본을 요약을 생성하기 위해 </a:t>
+            </a:r>
+            <a:r>
+              <a:rPr lang="en-US" altLang="ko-KR" dirty="0"/>
+              <a:t>ko</a:t>
+            </a:r>
+            <a:r>
+              <a:rPr lang="ko-KR" altLang="en-US" dirty="0"/>
+              <a:t> </a:t>
+            </a:r>
+            <a:r>
+              <a:rPr lang="en-US" altLang="ko-KR" dirty="0"/>
+              <a:t>gpt-2</a:t>
+            </a:r>
+            <a:r>
+              <a:rPr lang="ko-KR" altLang="en-US" dirty="0"/>
+              <a:t>모델을 사용하였습니다</a:t>
+            </a:r>
+            <a:r>
+              <a:rPr lang="en-US" altLang="ko-KR" dirty="0"/>
+              <a:t>. </a:t>
+            </a:r>
           </a:p>
         </p:txBody>
       </p:sp>
@@ -1884,7 +2186,7 @@
     </p:spTree>
     <p:extLst>
       <p:ext uri="{BB962C8B-B14F-4D97-AF65-F5344CB8AC3E}">
-        <p14:creationId xmlns:p14="http://schemas.microsoft.com/office/powerpoint/2010/main" val="2388119030"/>
+        <p14:creationId xmlns:p14="http://schemas.microsoft.com/office/powerpoint/2010/main" val="1030607387"/>
       </p:ext>
     </p:extLst>
   </p:cSld>
@@ -1955,7 +2257,54 @@
               <a:tabLst/>
               <a:defRPr/>
             </a:pPr>
-            <a:endParaRPr lang="en-US" altLang="ko-KR" dirty="0"/>
+            <a:r>
+              <a:rPr lang="ko-KR" altLang="en-US" dirty="0"/>
+              <a:t>파라미터는 다음과 같이 설정한 경우 </a:t>
+            </a:r>
+            <a:r>
+              <a:rPr lang="en-US" altLang="ko-KR" dirty="0"/>
+              <a:t>rouge</a:t>
+            </a:r>
+            <a:r>
+              <a:rPr lang="ko-KR" altLang="en-US" dirty="0"/>
+              <a:t>점수가 가장 높게 나왔으며 </a:t>
+            </a:r>
+            <a:r>
+              <a:rPr lang="ko-KR" altLang="en-US" dirty="0" err="1"/>
+              <a:t>에폭이</a:t>
+            </a:r>
+            <a:r>
+              <a:rPr lang="ko-KR" altLang="en-US" dirty="0"/>
+              <a:t> 지날수록 </a:t>
+            </a:r>
+            <a:r>
+              <a:rPr lang="en-US" altLang="ko-KR" dirty="0"/>
+              <a:t>training data</a:t>
+            </a:r>
+            <a:r>
+              <a:rPr lang="ko-KR" altLang="en-US" dirty="0"/>
+              <a:t>와 </a:t>
+            </a:r>
+            <a:r>
+              <a:rPr lang="en-US" altLang="ko-KR" dirty="0"/>
+              <a:t>validation data</a:t>
+            </a:r>
+            <a:r>
+              <a:rPr lang="ko-KR" altLang="en-US" dirty="0"/>
+              <a:t>에 대해서 </a:t>
+            </a:r>
+            <a:r>
+              <a:rPr lang="en-US" altLang="ko-KR" dirty="0"/>
+              <a:t>loss</a:t>
+            </a:r>
+            <a:r>
+              <a:rPr lang="ko-KR" altLang="en-US" dirty="0"/>
+              <a:t>가 줄어들며 잘 학습하는 양상을 보였습니다</a:t>
+            </a:r>
+            <a:r>
+              <a:rPr lang="en-US" altLang="ko-KR" dirty="0"/>
+              <a:t>. </a:t>
+            </a:r>
           </a:p>
         </p:txBody>
       </p:sp>
@@ -1978,6 +2327,342 @@
               <a:rPr lang="ko-KR" altLang="en-US" smtClean="0"/>
               <a:pPr/>
               <a:t>6</a:t>
+            </a:fld>
+            <a:endParaRPr lang="ko-KR" altLang="en-US"/>
+          </a:p>
+        </p:txBody>
+      </p:sp>
+    </p:spTree>
+    <p:extLst>
+      <p:ext uri="{BB962C8B-B14F-4D97-AF65-F5344CB8AC3E}">
+        <p14:creationId xmlns:p14="http://schemas.microsoft.com/office/powerpoint/2010/main" val="3601056684"/>
+      </p:ext>
+    </p:extLst>
+  </p:cSld>
+  <p:clrMapOvr>
+    <a:masterClrMapping/>
+  </p:clrMapOvr>
+</p:notes>
+</file>
+
+<file path=ppt/notesSlides/notesSlide7.xml><?xml version="1.0" encoding="utf-8"?>
+<p:notes xmlns:a="http://schemas.openxmlformats.org/drawingml/2006/main" xmlns:r="http://schemas.openxmlformats.org/officeDocument/2006/relationships" xmlns:p="http://schemas.openxmlformats.org/presentationml/2006/main">
+  <p:cSld>
+    <p:spTree>
+      <p:nvGrpSpPr>
+        <p:cNvPr id="1" name=""/>
+        <p:cNvGrpSpPr/>
+        <p:nvPr/>
+      </p:nvGrpSpPr>
+      <p:grpSpPr>
+        <a:xfrm>
+          <a:off x="0" y="0"/>
+          <a:ext cx="0" cy="0"/>
+          <a:chOff x="0" y="0"/>
+          <a:chExt cx="0" cy="0"/>
+        </a:xfrm>
+      </p:grpSpPr>
+      <p:sp>
+        <p:nvSpPr>
+          <p:cNvPr id="2" name="슬라이드 이미지 개체 틀 1"/>
+          <p:cNvSpPr>
+            <a:spLocks noGrp="1" noRot="1" noChangeAspect="1"/>
+          </p:cNvSpPr>
+          <p:nvPr>
+            <p:ph type="sldImg"/>
+          </p:nvPr>
+        </p:nvSpPr>
+        <p:spPr/>
+      </p:sp>
+      <p:sp>
+        <p:nvSpPr>
+          <p:cNvPr id="3" name="슬라이드 노트 개체 틀 2"/>
+          <p:cNvSpPr>
+            <a:spLocks noGrp="1"/>
+          </p:cNvSpPr>
+          <p:nvPr>
+            <p:ph type="body" idx="1"/>
+          </p:nvPr>
+        </p:nvSpPr>
+        <p:spPr/>
+        <p:txBody>
+          <a:bodyPr/>
+          <a:lstStyle/>
+          <a:p>
+            <a:pPr marL="0" marR="0" lvl="0" indent="0" algn="l" defTabSz="914400" rtl="0" eaLnBrk="1" fontAlgn="auto" latinLnBrk="1" hangingPunct="1">
+              <a:lnSpc>
+                <a:spcPct val="100000"/>
+              </a:lnSpc>
+              <a:spcBef>
+                <a:spcPts val="0"/>
+              </a:spcBef>
+              <a:spcAft>
+                <a:spcPts val="0"/>
+              </a:spcAft>
+              <a:buClrTx/>
+              <a:buSzTx/>
+              <a:buFontTx/>
+              <a:buNone/>
+              <a:tabLst/>
+              <a:defRPr/>
+            </a:pPr>
+            <a:r>
+              <a:rPr lang="ko-KR" altLang="en-US" dirty="0"/>
+              <a:t>하지만 생성된 요약의 확인 결과 </a:t>
+            </a:r>
+            <a:r>
+              <a:rPr lang="en-US" altLang="ko-KR" dirty="0"/>
+              <a:t>loss</a:t>
+            </a:r>
+            <a:r>
+              <a:rPr lang="ko-KR" altLang="en-US" dirty="0"/>
+              <a:t>값이 너무 낮다는 의견이 있었고</a:t>
+            </a:r>
+            <a:r>
+              <a:rPr lang="en-US" altLang="ko-KR" dirty="0"/>
+              <a:t>, </a:t>
+            </a:r>
+            <a:r>
+              <a:rPr lang="ko-KR" altLang="en-US" dirty="0"/>
+              <a:t>요약의 결과 또한 정상적이지 않기에 추가적으로 수정이 필요할 것입니다</a:t>
+            </a:r>
+            <a:r>
+              <a:rPr lang="en-US" altLang="ko-KR" dirty="0"/>
+              <a:t>. </a:t>
+            </a:r>
+          </a:p>
+        </p:txBody>
+      </p:sp>
+      <p:sp>
+        <p:nvSpPr>
+          <p:cNvPr id="4" name="슬라이드 번호 개체 틀 3"/>
+          <p:cNvSpPr>
+            <a:spLocks noGrp="1"/>
+          </p:cNvSpPr>
+          <p:nvPr>
+            <p:ph type="sldNum" sz="quarter" idx="5"/>
+          </p:nvPr>
+        </p:nvSpPr>
+        <p:spPr/>
+        <p:txBody>
+          <a:bodyPr/>
+          <a:lstStyle/>
+          <a:p>
+            <a:fld id="{C733FFDB-1D54-46DF-917A-5FED415D2BB6}" type="slidenum">
+              <a:rPr lang="ko-KR" altLang="en-US" smtClean="0"/>
+              <a:pPr/>
+              <a:t>7</a:t>
+            </a:fld>
+            <a:endParaRPr lang="ko-KR" altLang="en-US"/>
+          </a:p>
+        </p:txBody>
+      </p:sp>
+    </p:spTree>
+    <p:extLst>
+      <p:ext uri="{BB962C8B-B14F-4D97-AF65-F5344CB8AC3E}">
+        <p14:creationId xmlns:p14="http://schemas.microsoft.com/office/powerpoint/2010/main" val="927837278"/>
+      </p:ext>
+    </p:extLst>
+  </p:cSld>
+  <p:clrMapOvr>
+    <a:masterClrMapping/>
+  </p:clrMapOvr>
+</p:notes>
+</file>
+
+<file path=ppt/notesSlides/notesSlide8.xml><?xml version="1.0" encoding="utf-8"?>
+<p:notes xmlns:a="http://schemas.openxmlformats.org/drawingml/2006/main" xmlns:r="http://schemas.openxmlformats.org/officeDocument/2006/relationships" xmlns:p="http://schemas.openxmlformats.org/presentationml/2006/main">
+  <p:cSld>
+    <p:spTree>
+      <p:nvGrpSpPr>
+        <p:cNvPr id="1" name=""/>
+        <p:cNvGrpSpPr/>
+        <p:nvPr/>
+      </p:nvGrpSpPr>
+      <p:grpSpPr>
+        <a:xfrm>
+          <a:off x="0" y="0"/>
+          <a:ext cx="0" cy="0"/>
+          <a:chOff x="0" y="0"/>
+          <a:chExt cx="0" cy="0"/>
+        </a:xfrm>
+      </p:grpSpPr>
+      <p:sp>
+        <p:nvSpPr>
+          <p:cNvPr id="2" name="슬라이드 이미지 개체 틀 1"/>
+          <p:cNvSpPr>
+            <a:spLocks noGrp="1" noRot="1" noChangeAspect="1"/>
+          </p:cNvSpPr>
+          <p:nvPr>
+            <p:ph type="sldImg"/>
+          </p:nvPr>
+        </p:nvSpPr>
+        <p:spPr/>
+      </p:sp>
+      <p:sp>
+        <p:nvSpPr>
+          <p:cNvPr id="3" name="슬라이드 노트 개체 틀 2"/>
+          <p:cNvSpPr>
+            <a:spLocks noGrp="1"/>
+          </p:cNvSpPr>
+          <p:nvPr>
+            <p:ph type="body" idx="1"/>
+          </p:nvPr>
+        </p:nvSpPr>
+        <p:spPr/>
+        <p:txBody>
+          <a:bodyPr/>
+          <a:lstStyle/>
+          <a:p>
+            <a:pPr marL="0" marR="0" lvl="0" indent="0" algn="l" defTabSz="914400" rtl="0" eaLnBrk="1" fontAlgn="auto" latinLnBrk="1" hangingPunct="1">
+              <a:lnSpc>
+                <a:spcPct val="100000"/>
+              </a:lnSpc>
+              <a:spcBef>
+                <a:spcPts val="0"/>
+              </a:spcBef>
+              <a:spcAft>
+                <a:spcPts val="0"/>
+              </a:spcAft>
+              <a:buClrTx/>
+              <a:buSzTx/>
+              <a:buFontTx/>
+              <a:buNone/>
+              <a:tabLst/>
+              <a:defRPr/>
+            </a:pPr>
+            <a:r>
+              <a:rPr lang="ko-KR" altLang="en-US" dirty="0"/>
+              <a:t>화자 별 요약의 경우 입력 파라미터를 다음과 같이 설정한 경우 점수가 높은 요약의 결과가 생성되었습니다</a:t>
+            </a:r>
+            <a:r>
+              <a:rPr lang="en-US" altLang="ko-KR" dirty="0"/>
+              <a:t>. </a:t>
+            </a:r>
+          </a:p>
+        </p:txBody>
+      </p:sp>
+      <p:sp>
+        <p:nvSpPr>
+          <p:cNvPr id="4" name="슬라이드 번호 개체 틀 3"/>
+          <p:cNvSpPr>
+            <a:spLocks noGrp="1"/>
+          </p:cNvSpPr>
+          <p:nvPr>
+            <p:ph type="sldNum" sz="quarter" idx="5"/>
+          </p:nvPr>
+        </p:nvSpPr>
+        <p:spPr/>
+        <p:txBody>
+          <a:bodyPr/>
+          <a:lstStyle/>
+          <a:p>
+            <a:fld id="{C733FFDB-1D54-46DF-917A-5FED415D2BB6}" type="slidenum">
+              <a:rPr lang="ko-KR" altLang="en-US" smtClean="0"/>
+              <a:pPr/>
+              <a:t>8</a:t>
+            </a:fld>
+            <a:endParaRPr lang="ko-KR" altLang="en-US"/>
+          </a:p>
+        </p:txBody>
+      </p:sp>
+    </p:spTree>
+    <p:extLst>
+      <p:ext uri="{BB962C8B-B14F-4D97-AF65-F5344CB8AC3E}">
+        <p14:creationId xmlns:p14="http://schemas.microsoft.com/office/powerpoint/2010/main" val="2388119030"/>
+      </p:ext>
+    </p:extLst>
+  </p:cSld>
+  <p:clrMapOvr>
+    <a:masterClrMapping/>
+  </p:clrMapOvr>
+</p:notes>
+</file>
+
+<file path=ppt/notesSlides/notesSlide9.xml><?xml version="1.0" encoding="utf-8"?>
+<p:notes xmlns:a="http://schemas.openxmlformats.org/drawingml/2006/main" xmlns:r="http://schemas.openxmlformats.org/officeDocument/2006/relationships" xmlns:p="http://schemas.openxmlformats.org/presentationml/2006/main">
+  <p:cSld>
+    <p:spTree>
+      <p:nvGrpSpPr>
+        <p:cNvPr id="1" name=""/>
+        <p:cNvGrpSpPr/>
+        <p:nvPr/>
+      </p:nvGrpSpPr>
+      <p:grpSpPr>
+        <a:xfrm>
+          <a:off x="0" y="0"/>
+          <a:ext cx="0" cy="0"/>
+          <a:chOff x="0" y="0"/>
+          <a:chExt cx="0" cy="0"/>
+        </a:xfrm>
+      </p:grpSpPr>
+      <p:sp>
+        <p:nvSpPr>
+          <p:cNvPr id="2" name="슬라이드 이미지 개체 틀 1"/>
+          <p:cNvSpPr>
+            <a:spLocks noGrp="1" noRot="1" noChangeAspect="1"/>
+          </p:cNvSpPr>
+          <p:nvPr>
+            <p:ph type="sldImg"/>
+          </p:nvPr>
+        </p:nvSpPr>
+        <p:spPr/>
+      </p:sp>
+      <p:sp>
+        <p:nvSpPr>
+          <p:cNvPr id="3" name="슬라이드 노트 개체 틀 2"/>
+          <p:cNvSpPr>
+            <a:spLocks noGrp="1"/>
+          </p:cNvSpPr>
+          <p:nvPr>
+            <p:ph type="body" idx="1"/>
+          </p:nvPr>
+        </p:nvSpPr>
+        <p:spPr/>
+        <p:txBody>
+          <a:bodyPr/>
+          <a:lstStyle/>
+          <a:p>
+            <a:pPr marL="0" marR="0" lvl="0" indent="0" algn="l" defTabSz="914400" rtl="0" eaLnBrk="1" fontAlgn="auto" latinLnBrk="1" hangingPunct="1">
+              <a:lnSpc>
+                <a:spcPct val="100000"/>
+              </a:lnSpc>
+              <a:spcBef>
+                <a:spcPts val="0"/>
+              </a:spcBef>
+              <a:spcAft>
+                <a:spcPts val="0"/>
+              </a:spcAft>
+              <a:buClrTx/>
+              <a:buSzTx/>
+              <a:buFontTx/>
+              <a:buNone/>
+              <a:tabLst/>
+              <a:defRPr/>
+            </a:pPr>
+            <a:endParaRPr lang="en-US" altLang="ko-KR" dirty="0"/>
+          </a:p>
+        </p:txBody>
+      </p:sp>
+      <p:sp>
+        <p:nvSpPr>
+          <p:cNvPr id="4" name="슬라이드 번호 개체 틀 3"/>
+          <p:cNvSpPr>
+            <a:spLocks noGrp="1"/>
+          </p:cNvSpPr>
+          <p:nvPr>
+            <p:ph type="sldNum" sz="quarter" idx="5"/>
+          </p:nvPr>
+        </p:nvSpPr>
+        <p:spPr/>
+        <p:txBody>
+          <a:bodyPr/>
+          <a:lstStyle/>
+          <a:p>
+            <a:fld id="{C733FFDB-1D54-46DF-917A-5FED415D2BB6}" type="slidenum">
+              <a:rPr lang="ko-KR" altLang="en-US" smtClean="0"/>
+              <a:pPr/>
+              <a:t>9</a:t>
             </a:fld>
             <a:endParaRPr lang="ko-KR" altLang="en-US"/>
           </a:p>
@@ -2176,7 +2861,7 @@
             <a:fld id="{7C350D00-E9DF-4C32-8EF9-982D014E2409}" type="datetimeFigureOut">
               <a:rPr lang="ko-KR" altLang="en-US" smtClean="0"/>
               <a:pPr/>
-              <a:t>2023-05-21</a:t>
+              <a:t>2023-05-22</a:t>
             </a:fld>
             <a:endParaRPr lang="ko-KR" altLang="en-US"/>
           </a:p>
@@ -2341,7 +3026,7 @@
             <a:fld id="{7C350D00-E9DF-4C32-8EF9-982D014E2409}" type="datetimeFigureOut">
               <a:rPr lang="ko-KR" altLang="en-US" smtClean="0"/>
               <a:pPr/>
-              <a:t>2023-05-21</a:t>
+              <a:t>2023-05-22</a:t>
             </a:fld>
             <a:endParaRPr lang="ko-KR" altLang="en-US"/>
           </a:p>
@@ -2516,7 +3201,7 @@
             <a:fld id="{7C350D00-E9DF-4C32-8EF9-982D014E2409}" type="datetimeFigureOut">
               <a:rPr lang="ko-KR" altLang="en-US" smtClean="0"/>
               <a:pPr/>
-              <a:t>2023-05-21</a:t>
+              <a:t>2023-05-22</a:t>
             </a:fld>
             <a:endParaRPr lang="ko-KR" altLang="en-US"/>
           </a:p>
@@ -2681,7 +3366,7 @@
             <a:fld id="{7C350D00-E9DF-4C32-8EF9-982D014E2409}" type="datetimeFigureOut">
               <a:rPr lang="ko-KR" altLang="en-US" smtClean="0"/>
               <a:pPr/>
-              <a:t>2023-05-21</a:t>
+              <a:t>2023-05-22</a:t>
             </a:fld>
             <a:endParaRPr lang="ko-KR" altLang="en-US"/>
           </a:p>
@@ -2923,7 +3608,7 @@
             <a:fld id="{7C350D00-E9DF-4C32-8EF9-982D014E2409}" type="datetimeFigureOut">
               <a:rPr lang="ko-KR" altLang="en-US" smtClean="0"/>
               <a:pPr/>
-              <a:t>2023-05-21</a:t>
+              <a:t>2023-05-22</a:t>
             </a:fld>
             <a:endParaRPr lang="ko-KR" altLang="en-US"/>
           </a:p>
@@ -3205,7 +3890,7 @@
             <a:fld id="{7C350D00-E9DF-4C32-8EF9-982D014E2409}" type="datetimeFigureOut">
               <a:rPr lang="ko-KR" altLang="en-US" smtClean="0"/>
               <a:pPr/>
-              <a:t>2023-05-21</a:t>
+              <a:t>2023-05-22</a:t>
             </a:fld>
             <a:endParaRPr lang="ko-KR" altLang="en-US"/>
           </a:p>
@@ -3626,7 +4311,7 @@
             <a:fld id="{7C350D00-E9DF-4C32-8EF9-982D014E2409}" type="datetimeFigureOut">
               <a:rPr lang="ko-KR" altLang="en-US" smtClean="0"/>
               <a:pPr/>
-              <a:t>2023-05-21</a:t>
+              <a:t>2023-05-22</a:t>
             </a:fld>
             <a:endParaRPr lang="ko-KR" altLang="en-US"/>
           </a:p>
@@ -3740,7 +4425,7 @@
             <a:fld id="{7C350D00-E9DF-4C32-8EF9-982D014E2409}" type="datetimeFigureOut">
               <a:rPr lang="ko-KR" altLang="en-US" smtClean="0"/>
               <a:pPr/>
-              <a:t>2023-05-21</a:t>
+              <a:t>2023-05-22</a:t>
             </a:fld>
             <a:endParaRPr lang="ko-KR" altLang="en-US"/>
           </a:p>
@@ -3832,7 +4517,7 @@
             <a:fld id="{7C350D00-E9DF-4C32-8EF9-982D014E2409}" type="datetimeFigureOut">
               <a:rPr lang="ko-KR" altLang="en-US" smtClean="0"/>
               <a:pPr/>
-              <a:t>2023-05-21</a:t>
+              <a:t>2023-05-22</a:t>
             </a:fld>
             <a:endParaRPr lang="ko-KR" altLang="en-US"/>
           </a:p>
@@ -4104,7 +4789,7 @@
             <a:fld id="{7C350D00-E9DF-4C32-8EF9-982D014E2409}" type="datetimeFigureOut">
               <a:rPr lang="ko-KR" altLang="en-US" smtClean="0"/>
               <a:pPr/>
-              <a:t>2023-05-21</a:t>
+              <a:t>2023-05-22</a:t>
             </a:fld>
             <a:endParaRPr lang="ko-KR" altLang="en-US"/>
           </a:p>
@@ -4353,7 +5038,7 @@
             <a:fld id="{7C350D00-E9DF-4C32-8EF9-982D014E2409}" type="datetimeFigureOut">
               <a:rPr lang="ko-KR" altLang="en-US" smtClean="0"/>
               <a:pPr/>
-              <a:t>2023-05-21</a:t>
+              <a:t>2023-05-22</a:t>
             </a:fld>
             <a:endParaRPr lang="ko-KR" altLang="en-US"/>
           </a:p>
@@ -4561,7 +5246,7 @@
             <a:fld id="{7C350D00-E9DF-4C32-8EF9-982D014E2409}" type="datetimeFigureOut">
               <a:rPr lang="ko-KR" altLang="en-US" smtClean="0"/>
               <a:pPr/>
-              <a:t>2023-05-21</a:t>
+              <a:t>2023-05-22</a:t>
             </a:fld>
             <a:endParaRPr lang="ko-KR" altLang="en-US"/>
           </a:p>
@@ -5410,6 +6095,1019 @@
 </p:sld>
 </file>
 
+<file path=ppt/slides/slide10.xml><?xml version="1.0" encoding="utf-8"?>
+<p:sld xmlns:a="http://schemas.openxmlformats.org/drawingml/2006/main" xmlns:r="http://schemas.openxmlformats.org/officeDocument/2006/relationships" xmlns:p="http://schemas.openxmlformats.org/presentationml/2006/main">
+  <p:cSld>
+    <p:spTree>
+      <p:nvGrpSpPr>
+        <p:cNvPr id="1" name=""/>
+        <p:cNvGrpSpPr/>
+        <p:nvPr/>
+      </p:nvGrpSpPr>
+      <p:grpSpPr>
+        <a:xfrm>
+          <a:off x="0" y="0"/>
+          <a:ext cx="0" cy="0"/>
+          <a:chOff x="0" y="0"/>
+          <a:chExt cx="0" cy="0"/>
+        </a:xfrm>
+      </p:grpSpPr>
+      <p:grpSp>
+        <p:nvGrpSpPr>
+          <p:cNvPr id="15" name="그룹 14"/>
+          <p:cNvGrpSpPr/>
+          <p:nvPr/>
+        </p:nvGrpSpPr>
+        <p:grpSpPr>
+          <a:xfrm>
+            <a:off x="-5967" y="261017"/>
+            <a:ext cx="9153144" cy="6318504"/>
+            <a:chOff x="28575" y="464884"/>
+            <a:chExt cx="9153144" cy="6318504"/>
+          </a:xfrm>
+        </p:grpSpPr>
+        <p:pic>
+          <p:nvPicPr>
+            <p:cNvPr id="1030" name="Picture 6" descr="C:\Users\Administrator\Desktop\인하대학교\05_템플릿\01_작업\확정\01\PNG\01_보드.png"/>
+            <p:cNvPicPr>
+              <a:picLocks noChangeAspect="1" noChangeArrowheads="1"/>
+            </p:cNvPicPr>
+            <p:nvPr/>
+          </p:nvPicPr>
+          <p:blipFill>
+            <a:blip r:embed="rId3"/>
+            <a:srcRect/>
+            <a:stretch>
+              <a:fillRect/>
+            </a:stretch>
+          </p:blipFill>
+          <p:spPr bwMode="auto">
+            <a:xfrm>
+              <a:off x="28575" y="464884"/>
+              <a:ext cx="9153144" cy="6318504"/>
+            </a:xfrm>
+            <a:prstGeom prst="rect">
+              <a:avLst/>
+            </a:prstGeom>
+            <a:noFill/>
+          </p:spPr>
+        </p:pic>
+        <p:grpSp>
+          <p:nvGrpSpPr>
+            <p:cNvPr id="14" name="그룹 13"/>
+            <p:cNvGrpSpPr/>
+            <p:nvPr/>
+          </p:nvGrpSpPr>
+          <p:grpSpPr>
+            <a:xfrm>
+              <a:off x="5851533" y="6177777"/>
+              <a:ext cx="3000388" cy="304800"/>
+              <a:chOff x="5851533" y="6177777"/>
+              <a:chExt cx="3000388" cy="304800"/>
+            </a:xfrm>
+          </p:grpSpPr>
+          <p:pic>
+            <p:nvPicPr>
+              <p:cNvPr id="12" name="Picture 3" descr="C:\Users\Administrator\Desktop\인하대학교\05_템플릿\01_작업\확정\PNG\13_copyright.png"/>
+              <p:cNvPicPr>
+                <a:picLocks noChangeAspect="1" noChangeArrowheads="1"/>
+              </p:cNvPicPr>
+              <p:nvPr/>
+            </p:nvPicPr>
+            <p:blipFill>
+              <a:blip r:embed="rId4"/>
+              <a:srcRect/>
+              <a:stretch>
+                <a:fillRect/>
+              </a:stretch>
+            </p:blipFill>
+            <p:spPr bwMode="auto">
+              <a:xfrm>
+                <a:off x="5851533" y="6396852"/>
+                <a:ext cx="1838325" cy="47625"/>
+              </a:xfrm>
+              <a:prstGeom prst="rect">
+                <a:avLst/>
+              </a:prstGeom>
+              <a:noFill/>
+            </p:spPr>
+          </p:pic>
+          <p:pic>
+            <p:nvPicPr>
+              <p:cNvPr id="13" name="Picture 5" descr="C:\Users\Administrator\Desktop\인하대학교\05_템플릿\01_작업\확정\PNG\12_로고.png"/>
+              <p:cNvPicPr>
+                <a:picLocks noChangeAspect="1" noChangeArrowheads="1"/>
+              </p:cNvPicPr>
+              <p:nvPr/>
+            </p:nvPicPr>
+            <p:blipFill>
+              <a:blip r:embed="rId5"/>
+              <a:srcRect/>
+              <a:stretch>
+                <a:fillRect/>
+              </a:stretch>
+            </p:blipFill>
+            <p:spPr bwMode="auto">
+              <a:xfrm>
+                <a:off x="7756546" y="6177777"/>
+                <a:ext cx="1095375" cy="304800"/>
+              </a:xfrm>
+              <a:prstGeom prst="rect">
+                <a:avLst/>
+              </a:prstGeom>
+              <a:noFill/>
+            </p:spPr>
+          </p:pic>
+        </p:grpSp>
+      </p:grpSp>
+      <p:pic>
+        <p:nvPicPr>
+          <p:cNvPr id="3074" name="Picture 2" descr="C:\Users\Administrator\Desktop\인하대학교\05_템플릿\01_작업\확정\01\PNG\04.png"/>
+          <p:cNvPicPr>
+            <a:picLocks noChangeAspect="1" noChangeArrowheads="1"/>
+          </p:cNvPicPr>
+          <p:nvPr/>
+        </p:nvPicPr>
+        <p:blipFill>
+          <a:blip r:embed="rId6"/>
+          <a:srcRect/>
+          <a:stretch>
+            <a:fillRect/>
+          </a:stretch>
+        </p:blipFill>
+        <p:spPr bwMode="auto">
+          <a:xfrm>
+            <a:off x="317470" y="634187"/>
+            <a:ext cx="8650224" cy="612648"/>
+          </a:xfrm>
+          <a:prstGeom prst="rect">
+            <a:avLst/>
+          </a:prstGeom>
+          <a:noFill/>
+        </p:spPr>
+      </p:pic>
+      <p:pic>
+        <p:nvPicPr>
+          <p:cNvPr id="2050" name="Picture 2" descr="C:\Users\Administrator\Desktop\인하대학교\05_템플릿\01_작업\확정\01\PNG\02.png"/>
+          <p:cNvPicPr>
+            <a:picLocks noChangeAspect="1" noChangeArrowheads="1"/>
+          </p:cNvPicPr>
+          <p:nvPr/>
+        </p:nvPicPr>
+        <p:blipFill>
+          <a:blip r:embed="rId7"/>
+          <a:srcRect t="-140000" b="-140000"/>
+          <a:stretch>
+            <a:fillRect/>
+          </a:stretch>
+        </p:blipFill>
+        <p:spPr bwMode="auto">
+          <a:xfrm>
+            <a:off x="479396" y="1800405"/>
+            <a:ext cx="8110728" cy="69494"/>
+          </a:xfrm>
+          <a:prstGeom prst="rect">
+            <a:avLst/>
+          </a:prstGeom>
+          <a:noFill/>
+        </p:spPr>
+      </p:pic>
+      <p:grpSp>
+        <p:nvGrpSpPr>
+          <p:cNvPr id="10" name="그룹 9"/>
+          <p:cNvGrpSpPr/>
+          <p:nvPr/>
+        </p:nvGrpSpPr>
+        <p:grpSpPr>
+          <a:xfrm>
+            <a:off x="193644" y="777637"/>
+            <a:ext cx="3035808" cy="356616"/>
+            <a:chOff x="193644" y="777637"/>
+            <a:chExt cx="3035808" cy="356616"/>
+          </a:xfrm>
+        </p:grpSpPr>
+        <p:pic>
+          <p:nvPicPr>
+            <p:cNvPr id="7" name="Picture 11" descr="C:\Users\Administrator\Desktop\인하대학교\05_템플릿\01_작업\확정\01\PNG\03.png"/>
+            <p:cNvPicPr>
+              <a:picLocks noChangeAspect="1" noChangeArrowheads="1"/>
+            </p:cNvPicPr>
+            <p:nvPr/>
+          </p:nvPicPr>
+          <p:blipFill>
+            <a:blip r:embed="rId8"/>
+            <a:srcRect/>
+            <a:stretch>
+              <a:fillRect/>
+            </a:stretch>
+          </p:blipFill>
+          <p:spPr bwMode="auto">
+            <a:xfrm>
+              <a:off x="193644" y="777637"/>
+              <a:ext cx="3035808" cy="356616"/>
+            </a:xfrm>
+            <a:prstGeom prst="rect">
+              <a:avLst/>
+            </a:prstGeom>
+            <a:noFill/>
+          </p:spPr>
+        </p:pic>
+        <p:sp>
+          <p:nvSpPr>
+            <p:cNvPr id="8" name="TextBox 7"/>
+            <p:cNvSpPr txBox="1"/>
+            <p:nvPr/>
+          </p:nvSpPr>
+          <p:spPr>
+            <a:xfrm>
+              <a:off x="550834" y="787162"/>
+              <a:ext cx="1473480" cy="338554"/>
+            </a:xfrm>
+            <a:prstGeom prst="rect">
+              <a:avLst/>
+            </a:prstGeom>
+            <a:noFill/>
+          </p:spPr>
+          <p:txBody>
+            <a:bodyPr wrap="none" rtlCol="0">
+              <a:spAutoFit/>
+            </a:bodyPr>
+            <a:lstStyle/>
+            <a:p>
+              <a:r>
+                <a:rPr lang="en-US" altLang="ko-KR" sz="1600" b="1" i="1" dirty="0">
+                  <a:solidFill>
+                    <a:schemeClr val="bg1"/>
+                  </a:solidFill>
+                  <a:latin typeface="나눔명조 ExtraBold" pitchFamily="18" charset="-127"/>
+                  <a:ea typeface="나눔명조 ExtraBold" pitchFamily="18" charset="-127"/>
+                </a:rPr>
+                <a:t>2</a:t>
+              </a:r>
+              <a:r>
+                <a:rPr lang="ko-KR" altLang="en-US" sz="1600" b="1" i="1" dirty="0">
+                  <a:solidFill>
+                    <a:schemeClr val="bg1"/>
+                  </a:solidFill>
+                  <a:latin typeface="나눔명조 ExtraBold" pitchFamily="18" charset="-127"/>
+                  <a:ea typeface="나눔명조 ExtraBold" pitchFamily="18" charset="-127"/>
+                </a:rPr>
+                <a:t>조 진행 현황</a:t>
+              </a:r>
+            </a:p>
+          </p:txBody>
+        </p:sp>
+      </p:grpSp>
+      <p:sp>
+        <p:nvSpPr>
+          <p:cNvPr id="9" name="TextBox 8"/>
+          <p:cNvSpPr txBox="1"/>
+          <p:nvPr/>
+        </p:nvSpPr>
+        <p:spPr>
+          <a:xfrm>
+            <a:off x="3461133" y="767538"/>
+            <a:ext cx="1367682" cy="430887"/>
+          </a:xfrm>
+          <a:prstGeom prst="rect">
+            <a:avLst/>
+          </a:prstGeom>
+          <a:noFill/>
+        </p:spPr>
+        <p:txBody>
+          <a:bodyPr wrap="none" rtlCol="0">
+            <a:spAutoFit/>
+          </a:bodyPr>
+          <a:lstStyle/>
+          <a:p>
+            <a:r>
+              <a:rPr lang="en-US" altLang="ko-KR" sz="2200" b="1" i="1" dirty="0">
+                <a:solidFill>
+                  <a:srgbClr val="1E5B86"/>
+                </a:solidFill>
+                <a:latin typeface="나눔명조 ExtraBold" pitchFamily="18" charset="-127"/>
+                <a:ea typeface="나눔명조 ExtraBold" pitchFamily="18" charset="-127"/>
+              </a:rPr>
+              <a:t>2. </a:t>
+            </a:r>
+            <a:r>
+              <a:rPr lang="ko-KR" altLang="en-US" sz="2200" b="1" i="1" dirty="0">
+                <a:solidFill>
+                  <a:srgbClr val="1E5B86"/>
+                </a:solidFill>
+                <a:latin typeface="나눔명조 ExtraBold" pitchFamily="18" charset="-127"/>
+                <a:ea typeface="나눔명조 ExtraBold" pitchFamily="18" charset="-127"/>
+              </a:rPr>
+              <a:t>진행도</a:t>
+            </a:r>
+          </a:p>
+        </p:txBody>
+      </p:sp>
+      <p:sp>
+        <p:nvSpPr>
+          <p:cNvPr id="11" name="TextBox 10"/>
+          <p:cNvSpPr txBox="1"/>
+          <p:nvPr/>
+        </p:nvSpPr>
+        <p:spPr>
+          <a:xfrm>
+            <a:off x="759752" y="1312033"/>
+            <a:ext cx="2544286" cy="400110"/>
+          </a:xfrm>
+          <a:prstGeom prst="rect">
+            <a:avLst/>
+          </a:prstGeom>
+          <a:noFill/>
+        </p:spPr>
+        <p:txBody>
+          <a:bodyPr wrap="none" rtlCol="0">
+            <a:spAutoFit/>
+          </a:bodyPr>
+          <a:lstStyle/>
+          <a:p>
+            <a:r>
+              <a:rPr lang="en-US" altLang="ko-KR" sz="2000" b="1" dirty="0">
+                <a:solidFill>
+                  <a:srgbClr val="5C431E"/>
+                </a:solidFill>
+                <a:latin typeface="나눔고딕" pitchFamily="50" charset="-127"/>
+                <a:ea typeface="나눔고딕" pitchFamily="50" charset="-127"/>
+              </a:rPr>
+              <a:t>3.2 </a:t>
+            </a:r>
+            <a:r>
+              <a:rPr lang="ko-KR" altLang="en-US" sz="2000" b="1" dirty="0">
+                <a:solidFill>
+                  <a:srgbClr val="5C431E"/>
+                </a:solidFill>
+                <a:latin typeface="나눔고딕" pitchFamily="50" charset="-127"/>
+                <a:ea typeface="나눔고딕" pitchFamily="50" charset="-127"/>
+              </a:rPr>
+              <a:t>화자 별 요약 결과</a:t>
+            </a:r>
+          </a:p>
+        </p:txBody>
+      </p:sp>
+      <p:sp>
+        <p:nvSpPr>
+          <p:cNvPr id="16" name="TextBox 15">
+            <a:extLst>
+              <a:ext uri="{FF2B5EF4-FFF2-40B4-BE49-F238E27FC236}">
+                <a16:creationId xmlns:a16="http://schemas.microsoft.com/office/drawing/2014/main" id="{E10621A4-F4F6-6427-57F0-A9E3B2D21881}"/>
+              </a:ext>
+            </a:extLst>
+          </p:cNvPr>
+          <p:cNvSpPr txBox="1"/>
+          <p:nvPr/>
+        </p:nvSpPr>
+        <p:spPr>
+          <a:xfrm>
+            <a:off x="904330" y="2010085"/>
+            <a:ext cx="286393" cy="369332"/>
+          </a:xfrm>
+          <a:prstGeom prst="rect">
+            <a:avLst/>
+          </a:prstGeom>
+          <a:noFill/>
+        </p:spPr>
+        <p:txBody>
+          <a:bodyPr wrap="square">
+            <a:spAutoFit/>
+          </a:bodyPr>
+          <a:lstStyle/>
+          <a:p>
+            <a:pPr algn="ctr"/>
+            <a:endParaRPr lang="en-US" altLang="ko-KR" sz="1800" b="1" dirty="0">
+              <a:solidFill>
+                <a:srgbClr val="5B4058"/>
+              </a:solidFill>
+              <a:latin typeface="나눔고딕" pitchFamily="50" charset="-127"/>
+              <a:ea typeface="나눔고딕" pitchFamily="50" charset="-127"/>
+            </a:endParaRPr>
+          </a:p>
+        </p:txBody>
+      </p:sp>
+      <p:sp>
+        <p:nvSpPr>
+          <p:cNvPr id="5" name="TextBox 4">
+            <a:extLst>
+              <a:ext uri="{FF2B5EF4-FFF2-40B4-BE49-F238E27FC236}">
+                <a16:creationId xmlns:a16="http://schemas.microsoft.com/office/drawing/2014/main" id="{49A7ADAA-357B-407B-78DD-D9CDE922D856}"/>
+              </a:ext>
+            </a:extLst>
+          </p:cNvPr>
+          <p:cNvSpPr txBox="1"/>
+          <p:nvPr/>
+        </p:nvSpPr>
+        <p:spPr>
+          <a:xfrm>
+            <a:off x="878384" y="2124125"/>
+            <a:ext cx="7488832" cy="1754326"/>
+          </a:xfrm>
+          <a:prstGeom prst="rect">
+            <a:avLst/>
+          </a:prstGeom>
+          <a:noFill/>
+        </p:spPr>
+        <p:txBody>
+          <a:bodyPr wrap="square" rtlCol="0">
+            <a:spAutoFit/>
+          </a:bodyPr>
+          <a:lstStyle/>
+          <a:p>
+            <a:r>
+              <a:rPr lang="en-US" altLang="ko-KR" dirty="0"/>
+              <a:t>1. </a:t>
+            </a:r>
+            <a:r>
+              <a:rPr lang="ko-KR" altLang="en-US" dirty="0"/>
+              <a:t>점수가 낮은 경우</a:t>
+            </a:r>
+            <a:r>
+              <a:rPr lang="en-US" altLang="ko-KR" dirty="0"/>
+              <a:t>(</a:t>
+            </a:r>
+            <a:r>
+              <a:rPr lang="ko-KR" altLang="en-US" dirty="0"/>
+              <a:t>드라마</a:t>
+            </a:r>
+            <a:r>
+              <a:rPr lang="en-US" altLang="ko-KR" dirty="0"/>
+              <a:t>, </a:t>
+            </a:r>
+            <a:r>
+              <a:rPr lang="ko-KR" altLang="en-US" dirty="0"/>
+              <a:t>시사</a:t>
+            </a:r>
+            <a:r>
+              <a:rPr lang="en-US" altLang="ko-KR" dirty="0"/>
+              <a:t>):</a:t>
+            </a:r>
+          </a:p>
+          <a:p>
+            <a:r>
+              <a:rPr lang="en-US" altLang="ko-KR" dirty="0"/>
+              <a:t>	</a:t>
+            </a:r>
+            <a:r>
+              <a:rPr lang="ko-KR" altLang="en-US" dirty="0"/>
+              <a:t>배경 지식이 필요하고</a:t>
+            </a:r>
+            <a:r>
+              <a:rPr lang="en-US" altLang="ko-KR" dirty="0"/>
+              <a:t>, </a:t>
+            </a:r>
+            <a:r>
+              <a:rPr lang="ko-KR" altLang="en-US" dirty="0"/>
+              <a:t>방송 내에서 배경 지식에 대한 설명이 </a:t>
+            </a:r>
+            <a:r>
+              <a:rPr lang="en-US" altLang="ko-KR" dirty="0"/>
+              <a:t>	</a:t>
+            </a:r>
+            <a:r>
+              <a:rPr lang="ko-KR" altLang="en-US" dirty="0"/>
+              <a:t>없는 경우</a:t>
+            </a:r>
+            <a:endParaRPr lang="en-US" altLang="ko-KR" dirty="0"/>
+          </a:p>
+          <a:p>
+            <a:endParaRPr lang="en-US" altLang="ko-KR" dirty="0"/>
+          </a:p>
+          <a:p>
+            <a:r>
+              <a:rPr lang="en-US" altLang="ko-KR" dirty="0"/>
+              <a:t>2. </a:t>
+            </a:r>
+            <a:r>
+              <a:rPr lang="ko-KR" altLang="en-US" dirty="0"/>
+              <a:t>점수가 높은 경우</a:t>
+            </a:r>
+            <a:r>
+              <a:rPr lang="en-US" altLang="ko-KR" dirty="0"/>
+              <a:t>(</a:t>
+            </a:r>
+            <a:r>
+              <a:rPr lang="ko-KR" altLang="en-US" dirty="0"/>
+              <a:t>역사</a:t>
+            </a:r>
+            <a:r>
+              <a:rPr lang="en-US" altLang="ko-KR" dirty="0"/>
+              <a:t>):</a:t>
+            </a:r>
+          </a:p>
+          <a:p>
+            <a:r>
+              <a:rPr lang="en-US" altLang="ko-KR" dirty="0"/>
+              <a:t>	</a:t>
+            </a:r>
+            <a:r>
+              <a:rPr lang="ko-KR" altLang="en-US" dirty="0"/>
+              <a:t>방송 내에서 배경 지식에 대한 설명을 해주는 경우 </a:t>
+            </a:r>
+          </a:p>
+        </p:txBody>
+      </p:sp>
+    </p:spTree>
+    <p:extLst>
+      <p:ext uri="{BB962C8B-B14F-4D97-AF65-F5344CB8AC3E}">
+        <p14:creationId xmlns:p14="http://schemas.microsoft.com/office/powerpoint/2010/main" val="2228886696"/>
+      </p:ext>
+    </p:extLst>
+  </p:cSld>
+  <p:clrMapOvr>
+    <a:masterClrMapping/>
+  </p:clrMapOvr>
+</p:sld>
+</file>
+
+<file path=ppt/slides/slide11.xml><?xml version="1.0" encoding="utf-8"?>
+<p:sld xmlns:a="http://schemas.openxmlformats.org/drawingml/2006/main" xmlns:r="http://schemas.openxmlformats.org/officeDocument/2006/relationships" xmlns:p="http://schemas.openxmlformats.org/presentationml/2006/main">
+  <p:cSld>
+    <p:spTree>
+      <p:nvGrpSpPr>
+        <p:cNvPr id="1" name=""/>
+        <p:cNvGrpSpPr/>
+        <p:nvPr/>
+      </p:nvGrpSpPr>
+      <p:grpSpPr>
+        <a:xfrm>
+          <a:off x="0" y="0"/>
+          <a:ext cx="0" cy="0"/>
+          <a:chOff x="0" y="0"/>
+          <a:chExt cx="0" cy="0"/>
+        </a:xfrm>
+      </p:grpSpPr>
+      <p:grpSp>
+        <p:nvGrpSpPr>
+          <p:cNvPr id="15" name="그룹 14"/>
+          <p:cNvGrpSpPr/>
+          <p:nvPr/>
+        </p:nvGrpSpPr>
+        <p:grpSpPr>
+          <a:xfrm>
+            <a:off x="-5967" y="261017"/>
+            <a:ext cx="9153144" cy="6318504"/>
+            <a:chOff x="28575" y="464884"/>
+            <a:chExt cx="9153144" cy="6318504"/>
+          </a:xfrm>
+        </p:grpSpPr>
+        <p:pic>
+          <p:nvPicPr>
+            <p:cNvPr id="1030" name="Picture 6" descr="C:\Users\Administrator\Desktop\인하대학교\05_템플릿\01_작업\확정\01\PNG\01_보드.png"/>
+            <p:cNvPicPr>
+              <a:picLocks noChangeAspect="1" noChangeArrowheads="1"/>
+            </p:cNvPicPr>
+            <p:nvPr/>
+          </p:nvPicPr>
+          <p:blipFill>
+            <a:blip r:embed="rId3"/>
+            <a:srcRect/>
+            <a:stretch>
+              <a:fillRect/>
+            </a:stretch>
+          </p:blipFill>
+          <p:spPr bwMode="auto">
+            <a:xfrm>
+              <a:off x="28575" y="464884"/>
+              <a:ext cx="9153144" cy="6318504"/>
+            </a:xfrm>
+            <a:prstGeom prst="rect">
+              <a:avLst/>
+            </a:prstGeom>
+            <a:noFill/>
+          </p:spPr>
+        </p:pic>
+        <p:grpSp>
+          <p:nvGrpSpPr>
+            <p:cNvPr id="14" name="그룹 13"/>
+            <p:cNvGrpSpPr/>
+            <p:nvPr/>
+          </p:nvGrpSpPr>
+          <p:grpSpPr>
+            <a:xfrm>
+              <a:off x="5851533" y="6177777"/>
+              <a:ext cx="3000388" cy="304800"/>
+              <a:chOff x="5851533" y="6177777"/>
+              <a:chExt cx="3000388" cy="304800"/>
+            </a:xfrm>
+          </p:grpSpPr>
+          <p:pic>
+            <p:nvPicPr>
+              <p:cNvPr id="12" name="Picture 3" descr="C:\Users\Administrator\Desktop\인하대학교\05_템플릿\01_작업\확정\PNG\13_copyright.png"/>
+              <p:cNvPicPr>
+                <a:picLocks noChangeAspect="1" noChangeArrowheads="1"/>
+              </p:cNvPicPr>
+              <p:nvPr/>
+            </p:nvPicPr>
+            <p:blipFill>
+              <a:blip r:embed="rId4"/>
+              <a:srcRect/>
+              <a:stretch>
+                <a:fillRect/>
+              </a:stretch>
+            </p:blipFill>
+            <p:spPr bwMode="auto">
+              <a:xfrm>
+                <a:off x="5851533" y="6396852"/>
+                <a:ext cx="1838325" cy="47625"/>
+              </a:xfrm>
+              <a:prstGeom prst="rect">
+                <a:avLst/>
+              </a:prstGeom>
+              <a:noFill/>
+            </p:spPr>
+          </p:pic>
+          <p:pic>
+            <p:nvPicPr>
+              <p:cNvPr id="13" name="Picture 5" descr="C:\Users\Administrator\Desktop\인하대학교\05_템플릿\01_작업\확정\PNG\12_로고.png"/>
+              <p:cNvPicPr>
+                <a:picLocks noChangeAspect="1" noChangeArrowheads="1"/>
+              </p:cNvPicPr>
+              <p:nvPr/>
+            </p:nvPicPr>
+            <p:blipFill>
+              <a:blip r:embed="rId5"/>
+              <a:srcRect/>
+              <a:stretch>
+                <a:fillRect/>
+              </a:stretch>
+            </p:blipFill>
+            <p:spPr bwMode="auto">
+              <a:xfrm>
+                <a:off x="7756546" y="6177777"/>
+                <a:ext cx="1095375" cy="304800"/>
+              </a:xfrm>
+              <a:prstGeom prst="rect">
+                <a:avLst/>
+              </a:prstGeom>
+              <a:noFill/>
+            </p:spPr>
+          </p:pic>
+        </p:grpSp>
+      </p:grpSp>
+      <p:pic>
+        <p:nvPicPr>
+          <p:cNvPr id="3074" name="Picture 2" descr="C:\Users\Administrator\Desktop\인하대학교\05_템플릿\01_작업\확정\01\PNG\04.png"/>
+          <p:cNvPicPr>
+            <a:picLocks noChangeAspect="1" noChangeArrowheads="1"/>
+          </p:cNvPicPr>
+          <p:nvPr/>
+        </p:nvPicPr>
+        <p:blipFill>
+          <a:blip r:embed="rId6"/>
+          <a:srcRect/>
+          <a:stretch>
+            <a:fillRect/>
+          </a:stretch>
+        </p:blipFill>
+        <p:spPr bwMode="auto">
+          <a:xfrm>
+            <a:off x="317470" y="634187"/>
+            <a:ext cx="8650224" cy="612648"/>
+          </a:xfrm>
+          <a:prstGeom prst="rect">
+            <a:avLst/>
+          </a:prstGeom>
+          <a:noFill/>
+        </p:spPr>
+      </p:pic>
+      <p:pic>
+        <p:nvPicPr>
+          <p:cNvPr id="2050" name="Picture 2" descr="C:\Users\Administrator\Desktop\인하대학교\05_템플릿\01_작업\확정\01\PNG\02.png"/>
+          <p:cNvPicPr>
+            <a:picLocks noChangeAspect="1" noChangeArrowheads="1"/>
+          </p:cNvPicPr>
+          <p:nvPr/>
+        </p:nvPicPr>
+        <p:blipFill>
+          <a:blip r:embed="rId7"/>
+          <a:srcRect t="-140000" b="-140000"/>
+          <a:stretch>
+            <a:fillRect/>
+          </a:stretch>
+        </p:blipFill>
+        <p:spPr bwMode="auto">
+          <a:xfrm>
+            <a:off x="479396" y="1800405"/>
+            <a:ext cx="8110728" cy="69494"/>
+          </a:xfrm>
+          <a:prstGeom prst="rect">
+            <a:avLst/>
+          </a:prstGeom>
+          <a:noFill/>
+        </p:spPr>
+      </p:pic>
+      <p:grpSp>
+        <p:nvGrpSpPr>
+          <p:cNvPr id="10" name="그룹 9"/>
+          <p:cNvGrpSpPr/>
+          <p:nvPr/>
+        </p:nvGrpSpPr>
+        <p:grpSpPr>
+          <a:xfrm>
+            <a:off x="193644" y="777637"/>
+            <a:ext cx="3035808" cy="356616"/>
+            <a:chOff x="193644" y="777637"/>
+            <a:chExt cx="3035808" cy="356616"/>
+          </a:xfrm>
+        </p:grpSpPr>
+        <p:pic>
+          <p:nvPicPr>
+            <p:cNvPr id="7" name="Picture 11" descr="C:\Users\Administrator\Desktop\인하대학교\05_템플릿\01_작업\확정\01\PNG\03.png"/>
+            <p:cNvPicPr>
+              <a:picLocks noChangeAspect="1" noChangeArrowheads="1"/>
+            </p:cNvPicPr>
+            <p:nvPr/>
+          </p:nvPicPr>
+          <p:blipFill>
+            <a:blip r:embed="rId8"/>
+            <a:srcRect/>
+            <a:stretch>
+              <a:fillRect/>
+            </a:stretch>
+          </p:blipFill>
+          <p:spPr bwMode="auto">
+            <a:xfrm>
+              <a:off x="193644" y="777637"/>
+              <a:ext cx="3035808" cy="356616"/>
+            </a:xfrm>
+            <a:prstGeom prst="rect">
+              <a:avLst/>
+            </a:prstGeom>
+            <a:noFill/>
+          </p:spPr>
+        </p:pic>
+        <p:sp>
+          <p:nvSpPr>
+            <p:cNvPr id="8" name="TextBox 7"/>
+            <p:cNvSpPr txBox="1"/>
+            <p:nvPr/>
+          </p:nvSpPr>
+          <p:spPr>
+            <a:xfrm>
+              <a:off x="550834" y="787162"/>
+              <a:ext cx="1473480" cy="338554"/>
+            </a:xfrm>
+            <a:prstGeom prst="rect">
+              <a:avLst/>
+            </a:prstGeom>
+            <a:noFill/>
+          </p:spPr>
+          <p:txBody>
+            <a:bodyPr wrap="none" rtlCol="0">
+              <a:spAutoFit/>
+            </a:bodyPr>
+            <a:lstStyle/>
+            <a:p>
+              <a:r>
+                <a:rPr lang="en-US" altLang="ko-KR" sz="1600" b="1" i="1" dirty="0">
+                  <a:solidFill>
+                    <a:schemeClr val="bg1"/>
+                  </a:solidFill>
+                  <a:latin typeface="나눔명조 ExtraBold" pitchFamily="18" charset="-127"/>
+                  <a:ea typeface="나눔명조 ExtraBold" pitchFamily="18" charset="-127"/>
+                </a:rPr>
+                <a:t>2</a:t>
+              </a:r>
+              <a:r>
+                <a:rPr lang="ko-KR" altLang="en-US" sz="1600" b="1" i="1" dirty="0">
+                  <a:solidFill>
+                    <a:schemeClr val="bg1"/>
+                  </a:solidFill>
+                  <a:latin typeface="나눔명조 ExtraBold" pitchFamily="18" charset="-127"/>
+                  <a:ea typeface="나눔명조 ExtraBold" pitchFamily="18" charset="-127"/>
+                </a:rPr>
+                <a:t>조 진행 현황</a:t>
+              </a:r>
+            </a:p>
+          </p:txBody>
+        </p:sp>
+      </p:grpSp>
+      <p:sp>
+        <p:nvSpPr>
+          <p:cNvPr id="9" name="TextBox 8"/>
+          <p:cNvSpPr txBox="1"/>
+          <p:nvPr/>
+        </p:nvSpPr>
+        <p:spPr>
+          <a:xfrm>
+            <a:off x="3461133" y="767538"/>
+            <a:ext cx="1367682" cy="430887"/>
+          </a:xfrm>
+          <a:prstGeom prst="rect">
+            <a:avLst/>
+          </a:prstGeom>
+          <a:noFill/>
+        </p:spPr>
+        <p:txBody>
+          <a:bodyPr wrap="none" rtlCol="0">
+            <a:spAutoFit/>
+          </a:bodyPr>
+          <a:lstStyle/>
+          <a:p>
+            <a:r>
+              <a:rPr lang="en-US" altLang="ko-KR" sz="2200" b="1" i="1" dirty="0">
+                <a:solidFill>
+                  <a:srgbClr val="1E5B86"/>
+                </a:solidFill>
+                <a:latin typeface="나눔명조 ExtraBold" pitchFamily="18" charset="-127"/>
+                <a:ea typeface="나눔명조 ExtraBold" pitchFamily="18" charset="-127"/>
+              </a:rPr>
+              <a:t>2. </a:t>
+            </a:r>
+            <a:r>
+              <a:rPr lang="ko-KR" altLang="en-US" sz="2200" b="1" i="1" dirty="0">
+                <a:solidFill>
+                  <a:srgbClr val="1E5B86"/>
+                </a:solidFill>
+                <a:latin typeface="나눔명조 ExtraBold" pitchFamily="18" charset="-127"/>
+                <a:ea typeface="나눔명조 ExtraBold" pitchFamily="18" charset="-127"/>
+              </a:rPr>
+              <a:t>진행도</a:t>
+            </a:r>
+          </a:p>
+        </p:txBody>
+      </p:sp>
+      <p:sp>
+        <p:nvSpPr>
+          <p:cNvPr id="11" name="TextBox 10"/>
+          <p:cNvSpPr txBox="1"/>
+          <p:nvPr/>
+        </p:nvSpPr>
+        <p:spPr>
+          <a:xfrm>
+            <a:off x="759752" y="1312033"/>
+            <a:ext cx="1523174" cy="400110"/>
+          </a:xfrm>
+          <a:prstGeom prst="rect">
+            <a:avLst/>
+          </a:prstGeom>
+          <a:noFill/>
+        </p:spPr>
+        <p:txBody>
+          <a:bodyPr wrap="none" rtlCol="0">
+            <a:spAutoFit/>
+          </a:bodyPr>
+          <a:lstStyle/>
+          <a:p>
+            <a:r>
+              <a:rPr lang="en-US" altLang="ko-KR" sz="2000" b="1" dirty="0">
+                <a:solidFill>
+                  <a:srgbClr val="5C431E"/>
+                </a:solidFill>
+                <a:latin typeface="나눔고딕" pitchFamily="50" charset="-127"/>
+                <a:ea typeface="나눔고딕" pitchFamily="50" charset="-127"/>
+              </a:rPr>
+              <a:t>4. </a:t>
+            </a:r>
+            <a:r>
+              <a:rPr lang="ko-KR" altLang="en-US" sz="2000" b="1" dirty="0">
+                <a:solidFill>
+                  <a:srgbClr val="5C431E"/>
+                </a:solidFill>
+                <a:latin typeface="나눔고딕" pitchFamily="50" charset="-127"/>
+                <a:ea typeface="나눔고딕" pitchFamily="50" charset="-127"/>
+              </a:rPr>
+              <a:t>다음 발표</a:t>
+            </a:r>
+          </a:p>
+        </p:txBody>
+      </p:sp>
+      <p:sp>
+        <p:nvSpPr>
+          <p:cNvPr id="16" name="TextBox 15">
+            <a:extLst>
+              <a:ext uri="{FF2B5EF4-FFF2-40B4-BE49-F238E27FC236}">
+                <a16:creationId xmlns:a16="http://schemas.microsoft.com/office/drawing/2014/main" id="{E10621A4-F4F6-6427-57F0-A9E3B2D21881}"/>
+              </a:ext>
+            </a:extLst>
+          </p:cNvPr>
+          <p:cNvSpPr txBox="1"/>
+          <p:nvPr/>
+        </p:nvSpPr>
+        <p:spPr>
+          <a:xfrm>
+            <a:off x="904330" y="2010085"/>
+            <a:ext cx="286393" cy="369332"/>
+          </a:xfrm>
+          <a:prstGeom prst="rect">
+            <a:avLst/>
+          </a:prstGeom>
+          <a:noFill/>
+        </p:spPr>
+        <p:txBody>
+          <a:bodyPr wrap="square">
+            <a:spAutoFit/>
+          </a:bodyPr>
+          <a:lstStyle/>
+          <a:p>
+            <a:pPr algn="ctr"/>
+            <a:endParaRPr lang="en-US" altLang="ko-KR" sz="1800" b="1" dirty="0">
+              <a:solidFill>
+                <a:srgbClr val="5B4058"/>
+              </a:solidFill>
+              <a:latin typeface="나눔고딕" pitchFamily="50" charset="-127"/>
+              <a:ea typeface="나눔고딕" pitchFamily="50" charset="-127"/>
+            </a:endParaRPr>
+          </a:p>
+        </p:txBody>
+      </p:sp>
+      <p:sp>
+        <p:nvSpPr>
+          <p:cNvPr id="5" name="TextBox 4">
+            <a:extLst>
+              <a:ext uri="{FF2B5EF4-FFF2-40B4-BE49-F238E27FC236}">
+                <a16:creationId xmlns:a16="http://schemas.microsoft.com/office/drawing/2014/main" id="{49A7ADAA-357B-407B-78DD-D9CDE922D856}"/>
+              </a:ext>
+            </a:extLst>
+          </p:cNvPr>
+          <p:cNvSpPr txBox="1"/>
+          <p:nvPr/>
+        </p:nvSpPr>
+        <p:spPr>
+          <a:xfrm>
+            <a:off x="878384" y="2124125"/>
+            <a:ext cx="7488832" cy="1477328"/>
+          </a:xfrm>
+          <a:prstGeom prst="rect">
+            <a:avLst/>
+          </a:prstGeom>
+          <a:noFill/>
+        </p:spPr>
+        <p:txBody>
+          <a:bodyPr wrap="square" rtlCol="0">
+            <a:spAutoFit/>
+          </a:bodyPr>
+          <a:lstStyle/>
+          <a:p>
+            <a:pPr marL="342900" indent="-342900">
+              <a:buAutoNum type="arabicPeriod"/>
+            </a:pPr>
+            <a:r>
+              <a:rPr lang="ko-KR" altLang="en-US" dirty="0"/>
+              <a:t>전체 요약 생성 </a:t>
+            </a:r>
+            <a:endParaRPr lang="en-US" altLang="ko-KR" dirty="0"/>
+          </a:p>
+          <a:p>
+            <a:pPr marL="342900" indent="-342900">
+              <a:buAutoNum type="arabicPeriod"/>
+            </a:pPr>
+            <a:endParaRPr lang="en-US" altLang="ko-KR" dirty="0"/>
+          </a:p>
+          <a:p>
+            <a:pPr marL="342900" indent="-342900">
+              <a:buAutoNum type="arabicPeriod"/>
+            </a:pPr>
+            <a:r>
+              <a:rPr lang="ko-KR" altLang="en-US" dirty="0"/>
+              <a:t>시스템 평가</a:t>
+            </a:r>
+            <a:endParaRPr lang="en-US" altLang="ko-KR" dirty="0"/>
+          </a:p>
+          <a:p>
+            <a:pPr marL="800100" lvl="1" indent="-342900">
+              <a:buAutoNum type="arabicPeriod"/>
+            </a:pPr>
+            <a:r>
+              <a:rPr lang="ko-KR" altLang="en-US" dirty="0"/>
+              <a:t>화자 분리 및 대본을 적용한 경우</a:t>
+            </a:r>
+            <a:r>
+              <a:rPr lang="en-US" altLang="ko-KR" dirty="0"/>
+              <a:t>/</a:t>
+            </a:r>
+            <a:r>
+              <a:rPr lang="ko-KR" altLang="en-US" dirty="0"/>
+              <a:t>적용하지 않은 경우</a:t>
+            </a:r>
+            <a:endParaRPr lang="en-US" altLang="ko-KR" dirty="0"/>
+          </a:p>
+          <a:p>
+            <a:pPr marL="800100" lvl="1" indent="-342900">
+              <a:buAutoNum type="arabicPeriod"/>
+            </a:pPr>
+            <a:r>
+              <a:rPr lang="en-US" altLang="ko-KR" dirty="0"/>
+              <a:t>Rouge, meteor</a:t>
+            </a:r>
+          </a:p>
+        </p:txBody>
+      </p:sp>
+    </p:spTree>
+    <p:extLst>
+      <p:ext uri="{BB962C8B-B14F-4D97-AF65-F5344CB8AC3E}">
+        <p14:creationId xmlns:p14="http://schemas.microsoft.com/office/powerpoint/2010/main" val="4257957507"/>
+      </p:ext>
+    </p:extLst>
+  </p:cSld>
+  <p:clrMapOvr>
+    <a:masterClrMapping/>
+  </p:clrMapOvr>
+</p:sld>
+</file>
+
 <file path=ppt/slides/slide2.xml><?xml version="1.0" encoding="utf-8"?>
 <p:sld xmlns:a="http://schemas.openxmlformats.org/drawingml/2006/main" xmlns:r="http://schemas.openxmlformats.org/officeDocument/2006/relationships" xmlns:p="http://schemas.openxmlformats.org/presentationml/2006/main">
   <p:cSld>
@@ -7300,7 +8998,7 @@
         <p:spPr>
           <a:xfrm>
             <a:off x="765148" y="1358092"/>
-            <a:ext cx="1649811" cy="400110"/>
+            <a:ext cx="1636987" cy="400110"/>
           </a:xfrm>
           <a:prstGeom prst="rect">
             <a:avLst/>
@@ -7321,7 +9019,7 @@
                 <a:latin typeface="나눔고딕" pitchFamily="50" charset="-127"/>
                 <a:ea typeface="나눔고딕" pitchFamily="50" charset="-127"/>
               </a:rPr>
-              <a:t>2.1 whisper</a:t>
+              <a:t>2.2 kogpt2</a:t>
             </a:r>
             <a:r>
               <a:rPr lang="ko-KR" altLang="en-US" sz="2000" b="1" dirty="0">
@@ -7331,7 +9029,1892 @@
                 <a:latin typeface="나눔고딕" pitchFamily="50" charset="-127"/>
                 <a:ea typeface="나눔고딕" pitchFamily="50" charset="-127"/>
               </a:rPr>
+              <a:t>  </a:t>
+            </a:r>
+          </a:p>
+        </p:txBody>
+      </p:sp>
+      <p:sp>
+        <p:nvSpPr>
+          <p:cNvPr id="3" name="TextBox 2">
+            <a:extLst>
+              <a:ext uri="{FF2B5EF4-FFF2-40B4-BE49-F238E27FC236}">
+                <a16:creationId xmlns:a16="http://schemas.microsoft.com/office/drawing/2014/main" id="{107F41AD-8912-754E-10A2-E17DB21F797A}"/>
+              </a:ext>
+            </a:extLst>
+          </p:cNvPr>
+          <p:cNvSpPr txBox="1"/>
+          <p:nvPr/>
+        </p:nvSpPr>
+        <p:spPr>
+          <a:xfrm>
+            <a:off x="761859" y="5716891"/>
+            <a:ext cx="6905859" cy="230832"/>
+          </a:xfrm>
+          <a:prstGeom prst="rect">
+            <a:avLst/>
+          </a:prstGeom>
+          <a:noFill/>
+        </p:spPr>
+        <p:txBody>
+          <a:bodyPr wrap="square" rtlCol="0">
+            <a:spAutoFit/>
+          </a:bodyPr>
+          <a:lstStyle/>
+          <a:p>
+            <a:endParaRPr lang="ko-KR" altLang="en-US" sz="900" dirty="0"/>
+          </a:p>
+        </p:txBody>
+      </p:sp>
+      <p:sp>
+        <p:nvSpPr>
+          <p:cNvPr id="2" name="TextBox 1">
+            <a:extLst>
+              <a:ext uri="{FF2B5EF4-FFF2-40B4-BE49-F238E27FC236}">
+                <a16:creationId xmlns:a16="http://schemas.microsoft.com/office/drawing/2014/main" id="{732DDCB5-CC4B-29EA-6F45-E6A57730CB36}"/>
+              </a:ext>
+            </a:extLst>
+          </p:cNvPr>
+          <p:cNvSpPr txBox="1"/>
+          <p:nvPr/>
+        </p:nvSpPr>
+        <p:spPr>
+          <a:xfrm>
+            <a:off x="1094408" y="2274124"/>
+            <a:ext cx="6573310" cy="369332"/>
+          </a:xfrm>
+          <a:prstGeom prst="rect">
+            <a:avLst/>
+          </a:prstGeom>
+          <a:noFill/>
+        </p:spPr>
+        <p:txBody>
+          <a:bodyPr wrap="square" rtlCol="0">
+            <a:spAutoFit/>
+          </a:bodyPr>
+          <a:lstStyle/>
+          <a:p>
+            <a:r>
+              <a:rPr lang="en-US" altLang="ko-KR" dirty="0"/>
+              <a:t>1) 40GB </a:t>
+            </a:r>
+            <a:r>
+              <a:rPr lang="ko-KR" altLang="en-US" dirty="0"/>
+              <a:t>이상의 텍스트로 학습된 한국어 </a:t>
+            </a:r>
+            <a:r>
+              <a:rPr lang="ko-KR" altLang="en-US" dirty="0" err="1"/>
+              <a:t>디코더</a:t>
+            </a:r>
+            <a:r>
+              <a:rPr lang="ko-KR" altLang="en-US" dirty="0"/>
+              <a:t> 언어 모델 </a:t>
+            </a:r>
+          </a:p>
+        </p:txBody>
+      </p:sp>
+      <p:sp>
+        <p:nvSpPr>
+          <p:cNvPr id="4" name="TextBox 3">
+            <a:extLst>
+              <a:ext uri="{FF2B5EF4-FFF2-40B4-BE49-F238E27FC236}">
+                <a16:creationId xmlns:a16="http://schemas.microsoft.com/office/drawing/2014/main" id="{4B710C82-5B4F-2D90-8B95-CB1A534776D1}"/>
+              </a:ext>
+            </a:extLst>
+          </p:cNvPr>
+          <p:cNvSpPr txBox="1"/>
+          <p:nvPr/>
+        </p:nvSpPr>
+        <p:spPr>
+          <a:xfrm>
+            <a:off x="1094408" y="3060229"/>
+            <a:ext cx="7495716" cy="923330"/>
+          </a:xfrm>
+          <a:prstGeom prst="rect">
+            <a:avLst/>
+          </a:prstGeom>
+          <a:noFill/>
+        </p:spPr>
+        <p:txBody>
+          <a:bodyPr wrap="square" rtlCol="0">
+            <a:spAutoFit/>
+          </a:bodyPr>
+          <a:lstStyle/>
+          <a:p>
+            <a:r>
+              <a:rPr lang="en-US" altLang="ko-KR" dirty="0"/>
+              <a:t>2) </a:t>
+            </a:r>
+            <a:r>
+              <a:rPr lang="ko-KR" altLang="en-US" dirty="0"/>
+              <a:t>한국어 위키 백과 이외</a:t>
+            </a:r>
+            <a:r>
+              <a:rPr lang="en-US" altLang="ko-KR" dirty="0"/>
+              <a:t>, </a:t>
+            </a:r>
+            <a:r>
+              <a:rPr lang="ko-KR" altLang="en-US" dirty="0"/>
+              <a:t>뉴스</a:t>
+            </a:r>
+            <a:r>
+              <a:rPr lang="en-US" altLang="ko-KR" dirty="0"/>
+              <a:t>, </a:t>
+            </a:r>
+            <a:r>
+              <a:rPr lang="ko-KR" altLang="en-US" dirty="0"/>
+              <a:t>모두의 말뭉치 </a:t>
+            </a:r>
+            <a:r>
+              <a:rPr lang="en-US" altLang="ko-KR" dirty="0"/>
+              <a:t>V1.0, </a:t>
+            </a:r>
+            <a:r>
+              <a:rPr lang="ko-KR" altLang="en-US" dirty="0"/>
+              <a:t>청와대 국민 청원</a:t>
+            </a:r>
+            <a:endParaRPr lang="en-US" altLang="ko-KR" dirty="0"/>
+          </a:p>
+          <a:p>
+            <a:endParaRPr lang="en-US" altLang="ko-KR" dirty="0"/>
+          </a:p>
+          <a:p>
+            <a:r>
+              <a:rPr lang="en-US" altLang="ko-KR" dirty="0"/>
+              <a:t>  </a:t>
+            </a:r>
+            <a:r>
+              <a:rPr lang="ko-KR" altLang="en-US" dirty="0"/>
+              <a:t> 등의 다양한 데이터가 모델 학습에 사용 </a:t>
+            </a:r>
+            <a:r>
+              <a:rPr lang="en-US" altLang="ko-KR" dirty="0"/>
               <a:t> </a:t>
+            </a:r>
+            <a:endParaRPr lang="ko-KR" altLang="en-US" dirty="0"/>
+          </a:p>
+        </p:txBody>
+      </p:sp>
+    </p:spTree>
+    <p:extLst>
+      <p:ext uri="{BB962C8B-B14F-4D97-AF65-F5344CB8AC3E}">
+        <p14:creationId xmlns:p14="http://schemas.microsoft.com/office/powerpoint/2010/main" val="2539699528"/>
+      </p:ext>
+    </p:extLst>
+  </p:cSld>
+  <p:clrMapOvr>
+    <a:masterClrMapping/>
+  </p:clrMapOvr>
+</p:sld>
+</file>
+
+<file path=ppt/slides/slide6.xml><?xml version="1.0" encoding="utf-8"?>
+<p:sld xmlns:a="http://schemas.openxmlformats.org/drawingml/2006/main" xmlns:r="http://schemas.openxmlformats.org/officeDocument/2006/relationships" xmlns:p="http://schemas.openxmlformats.org/presentationml/2006/main">
+  <p:cSld>
+    <p:spTree>
+      <p:nvGrpSpPr>
+        <p:cNvPr id="1" name=""/>
+        <p:cNvGrpSpPr/>
+        <p:nvPr/>
+      </p:nvGrpSpPr>
+      <p:grpSpPr>
+        <a:xfrm>
+          <a:off x="0" y="0"/>
+          <a:ext cx="0" cy="0"/>
+          <a:chOff x="0" y="0"/>
+          <a:chExt cx="0" cy="0"/>
+        </a:xfrm>
+      </p:grpSpPr>
+      <p:grpSp>
+        <p:nvGrpSpPr>
+          <p:cNvPr id="15" name="그룹 14"/>
+          <p:cNvGrpSpPr/>
+          <p:nvPr/>
+        </p:nvGrpSpPr>
+        <p:grpSpPr>
+          <a:xfrm>
+            <a:off x="27535" y="261017"/>
+            <a:ext cx="9153144" cy="6318504"/>
+            <a:chOff x="28575" y="464884"/>
+            <a:chExt cx="9153144" cy="6318504"/>
+          </a:xfrm>
+        </p:grpSpPr>
+        <p:pic>
+          <p:nvPicPr>
+            <p:cNvPr id="1030" name="Picture 6" descr="C:\Users\Administrator\Desktop\인하대학교\05_템플릿\01_작업\확정\01\PNG\01_보드.png"/>
+            <p:cNvPicPr>
+              <a:picLocks noChangeAspect="1" noChangeArrowheads="1"/>
+            </p:cNvPicPr>
+            <p:nvPr/>
+          </p:nvPicPr>
+          <p:blipFill>
+            <a:blip r:embed="rId3"/>
+            <a:srcRect/>
+            <a:stretch>
+              <a:fillRect/>
+            </a:stretch>
+          </p:blipFill>
+          <p:spPr bwMode="auto">
+            <a:xfrm>
+              <a:off x="28575" y="464884"/>
+              <a:ext cx="9153144" cy="6318504"/>
+            </a:xfrm>
+            <a:prstGeom prst="rect">
+              <a:avLst/>
+            </a:prstGeom>
+            <a:noFill/>
+          </p:spPr>
+        </p:pic>
+        <p:grpSp>
+          <p:nvGrpSpPr>
+            <p:cNvPr id="14" name="그룹 13"/>
+            <p:cNvGrpSpPr/>
+            <p:nvPr/>
+          </p:nvGrpSpPr>
+          <p:grpSpPr>
+            <a:xfrm>
+              <a:off x="5851533" y="6177777"/>
+              <a:ext cx="3000388" cy="304800"/>
+              <a:chOff x="5851533" y="6177777"/>
+              <a:chExt cx="3000388" cy="304800"/>
+            </a:xfrm>
+          </p:grpSpPr>
+          <p:pic>
+            <p:nvPicPr>
+              <p:cNvPr id="12" name="Picture 3" descr="C:\Users\Administrator\Desktop\인하대학교\05_템플릿\01_작업\확정\PNG\13_copyright.png"/>
+              <p:cNvPicPr>
+                <a:picLocks noChangeAspect="1" noChangeArrowheads="1"/>
+              </p:cNvPicPr>
+              <p:nvPr/>
+            </p:nvPicPr>
+            <p:blipFill>
+              <a:blip r:embed="rId4"/>
+              <a:srcRect/>
+              <a:stretch>
+                <a:fillRect/>
+              </a:stretch>
+            </p:blipFill>
+            <p:spPr bwMode="auto">
+              <a:xfrm>
+                <a:off x="5851533" y="6396852"/>
+                <a:ext cx="1838325" cy="47625"/>
+              </a:xfrm>
+              <a:prstGeom prst="rect">
+                <a:avLst/>
+              </a:prstGeom>
+              <a:noFill/>
+            </p:spPr>
+          </p:pic>
+          <p:pic>
+            <p:nvPicPr>
+              <p:cNvPr id="13" name="Picture 5" descr="C:\Users\Administrator\Desktop\인하대학교\05_템플릿\01_작업\확정\PNG\12_로고.png"/>
+              <p:cNvPicPr>
+                <a:picLocks noChangeAspect="1" noChangeArrowheads="1"/>
+              </p:cNvPicPr>
+              <p:nvPr/>
+            </p:nvPicPr>
+            <p:blipFill>
+              <a:blip r:embed="rId5"/>
+              <a:srcRect/>
+              <a:stretch>
+                <a:fillRect/>
+              </a:stretch>
+            </p:blipFill>
+            <p:spPr bwMode="auto">
+              <a:xfrm>
+                <a:off x="7756546" y="6177777"/>
+                <a:ext cx="1095375" cy="304800"/>
+              </a:xfrm>
+              <a:prstGeom prst="rect">
+                <a:avLst/>
+              </a:prstGeom>
+              <a:noFill/>
+            </p:spPr>
+          </p:pic>
+        </p:grpSp>
+      </p:grpSp>
+      <p:pic>
+        <p:nvPicPr>
+          <p:cNvPr id="3074" name="Picture 2" descr="C:\Users\Administrator\Desktop\인하대학교\05_템플릿\01_작업\확정\01\PNG\04.png"/>
+          <p:cNvPicPr>
+            <a:picLocks noChangeAspect="1" noChangeArrowheads="1"/>
+          </p:cNvPicPr>
+          <p:nvPr/>
+        </p:nvPicPr>
+        <p:blipFill>
+          <a:blip r:embed="rId6"/>
+          <a:srcRect/>
+          <a:stretch>
+            <a:fillRect/>
+          </a:stretch>
+        </p:blipFill>
+        <p:spPr bwMode="auto">
+          <a:xfrm>
+            <a:off x="317470" y="634187"/>
+            <a:ext cx="8650224" cy="612648"/>
+          </a:xfrm>
+          <a:prstGeom prst="rect">
+            <a:avLst/>
+          </a:prstGeom>
+          <a:noFill/>
+        </p:spPr>
+      </p:pic>
+      <p:pic>
+        <p:nvPicPr>
+          <p:cNvPr id="2050" name="Picture 2" descr="C:\Users\Administrator\Desktop\인하대학교\05_템플릿\01_작업\확정\01\PNG\02.png"/>
+          <p:cNvPicPr>
+            <a:picLocks noChangeAspect="1" noChangeArrowheads="1"/>
+          </p:cNvPicPr>
+          <p:nvPr/>
+        </p:nvPicPr>
+        <p:blipFill>
+          <a:blip r:embed="rId7"/>
+          <a:srcRect t="-140000" b="-140000"/>
+          <a:stretch>
+            <a:fillRect/>
+          </a:stretch>
+        </p:blipFill>
+        <p:spPr bwMode="auto">
+          <a:xfrm>
+            <a:off x="479396" y="1800405"/>
+            <a:ext cx="8110728" cy="69494"/>
+          </a:xfrm>
+          <a:prstGeom prst="rect">
+            <a:avLst/>
+          </a:prstGeom>
+          <a:noFill/>
+        </p:spPr>
+      </p:pic>
+      <p:grpSp>
+        <p:nvGrpSpPr>
+          <p:cNvPr id="10" name="그룹 9"/>
+          <p:cNvGrpSpPr/>
+          <p:nvPr/>
+        </p:nvGrpSpPr>
+        <p:grpSpPr>
+          <a:xfrm>
+            <a:off x="193644" y="777637"/>
+            <a:ext cx="3035808" cy="356616"/>
+            <a:chOff x="193644" y="777637"/>
+            <a:chExt cx="3035808" cy="356616"/>
+          </a:xfrm>
+        </p:grpSpPr>
+        <p:pic>
+          <p:nvPicPr>
+            <p:cNvPr id="7" name="Picture 11" descr="C:\Users\Administrator\Desktop\인하대학교\05_템플릿\01_작업\확정\01\PNG\03.png"/>
+            <p:cNvPicPr>
+              <a:picLocks noChangeAspect="1" noChangeArrowheads="1"/>
+            </p:cNvPicPr>
+            <p:nvPr/>
+          </p:nvPicPr>
+          <p:blipFill>
+            <a:blip r:embed="rId8"/>
+            <a:srcRect/>
+            <a:stretch>
+              <a:fillRect/>
+            </a:stretch>
+          </p:blipFill>
+          <p:spPr bwMode="auto">
+            <a:xfrm>
+              <a:off x="193644" y="777637"/>
+              <a:ext cx="3035808" cy="356616"/>
+            </a:xfrm>
+            <a:prstGeom prst="rect">
+              <a:avLst/>
+            </a:prstGeom>
+            <a:noFill/>
+          </p:spPr>
+        </p:pic>
+        <p:sp>
+          <p:nvSpPr>
+            <p:cNvPr id="8" name="TextBox 7"/>
+            <p:cNvSpPr txBox="1"/>
+            <p:nvPr/>
+          </p:nvSpPr>
+          <p:spPr>
+            <a:xfrm>
+              <a:off x="550834" y="787162"/>
+              <a:ext cx="1473480" cy="338554"/>
+            </a:xfrm>
+            <a:prstGeom prst="rect">
+              <a:avLst/>
+            </a:prstGeom>
+            <a:noFill/>
+          </p:spPr>
+          <p:txBody>
+            <a:bodyPr wrap="none" rtlCol="0">
+              <a:spAutoFit/>
+            </a:bodyPr>
+            <a:lstStyle/>
+            <a:p>
+              <a:r>
+                <a:rPr lang="en-US" altLang="ko-KR" sz="1600" b="1" i="1" dirty="0">
+                  <a:solidFill>
+                    <a:schemeClr val="bg1"/>
+                  </a:solidFill>
+                  <a:latin typeface="나눔명조 ExtraBold" pitchFamily="18" charset="-127"/>
+                  <a:ea typeface="나눔명조 ExtraBold" pitchFamily="18" charset="-127"/>
+                </a:rPr>
+                <a:t>2</a:t>
+              </a:r>
+              <a:r>
+                <a:rPr lang="ko-KR" altLang="en-US" sz="1600" b="1" i="1" dirty="0">
+                  <a:solidFill>
+                    <a:schemeClr val="bg1"/>
+                  </a:solidFill>
+                  <a:latin typeface="나눔명조 ExtraBold" pitchFamily="18" charset="-127"/>
+                  <a:ea typeface="나눔명조 ExtraBold" pitchFamily="18" charset="-127"/>
+                </a:rPr>
+                <a:t>조 진행 현황</a:t>
+              </a:r>
+            </a:p>
+          </p:txBody>
+        </p:sp>
+      </p:grpSp>
+      <p:sp>
+        <p:nvSpPr>
+          <p:cNvPr id="9" name="TextBox 8"/>
+          <p:cNvSpPr txBox="1"/>
+          <p:nvPr/>
+        </p:nvSpPr>
+        <p:spPr>
+          <a:xfrm>
+            <a:off x="3461133" y="767538"/>
+            <a:ext cx="1017715" cy="430887"/>
+          </a:xfrm>
+          <a:prstGeom prst="rect">
+            <a:avLst/>
+          </a:prstGeom>
+          <a:noFill/>
+        </p:spPr>
+        <p:txBody>
+          <a:bodyPr wrap="none" rtlCol="0">
+            <a:spAutoFit/>
+          </a:bodyPr>
+          <a:lstStyle/>
+          <a:p>
+            <a:r>
+              <a:rPr lang="en-US" altLang="ko-KR" sz="2200" b="1" i="1" dirty="0">
+                <a:solidFill>
+                  <a:srgbClr val="1E5B86"/>
+                </a:solidFill>
+                <a:latin typeface="나눔명조 ExtraBold" pitchFamily="18" charset="-127"/>
+                <a:ea typeface="나눔명조 ExtraBold" pitchFamily="18" charset="-127"/>
+              </a:rPr>
+              <a:t>2. STT</a:t>
+            </a:r>
+            <a:endParaRPr lang="ko-KR" altLang="en-US" sz="2200" b="1" i="1" dirty="0">
+              <a:solidFill>
+                <a:srgbClr val="1E5B86"/>
+              </a:solidFill>
+              <a:latin typeface="나눔명조 ExtraBold" pitchFamily="18" charset="-127"/>
+              <a:ea typeface="나눔명조 ExtraBold" pitchFamily="18" charset="-127"/>
+            </a:endParaRPr>
+          </a:p>
+        </p:txBody>
+      </p:sp>
+      <p:sp>
+        <p:nvSpPr>
+          <p:cNvPr id="11" name="TextBox 10"/>
+          <p:cNvSpPr txBox="1"/>
+          <p:nvPr/>
+        </p:nvSpPr>
+        <p:spPr>
+          <a:xfrm>
+            <a:off x="765148" y="1358092"/>
+            <a:ext cx="1678665" cy="400110"/>
+          </a:xfrm>
+          <a:prstGeom prst="rect">
+            <a:avLst/>
+          </a:prstGeom>
+          <a:noFill/>
+        </p:spPr>
+        <p:txBody>
+          <a:bodyPr wrap="none" rtlCol="0">
+            <a:spAutoFit/>
+          </a:bodyPr>
+          <a:lstStyle/>
+          <a:p>
+            <a:r>
+              <a:rPr lang="en-US" altLang="ko-KR" sz="2000" b="1" dirty="0">
+                <a:solidFill>
+                  <a:srgbClr val="5C431E"/>
+                </a:solidFill>
+                <a:latin typeface="나눔고딕" pitchFamily="50" charset="-127"/>
+                <a:ea typeface="나눔고딕" pitchFamily="50" charset="-127"/>
+              </a:rPr>
+              <a:t>2.3 </a:t>
+            </a:r>
+            <a:r>
+              <a:rPr lang="ko-KR" altLang="en-US" sz="2000" b="1" dirty="0">
+                <a:solidFill>
+                  <a:srgbClr val="5C431E"/>
+                </a:solidFill>
+                <a:latin typeface="나눔고딕" pitchFamily="50" charset="-127"/>
+                <a:ea typeface="나눔고딕" pitchFamily="50" charset="-127"/>
+              </a:rPr>
+              <a:t>모델 학습</a:t>
+            </a:r>
+          </a:p>
+        </p:txBody>
+      </p:sp>
+      <p:sp>
+        <p:nvSpPr>
+          <p:cNvPr id="3" name="TextBox 2">
+            <a:extLst>
+              <a:ext uri="{FF2B5EF4-FFF2-40B4-BE49-F238E27FC236}">
+                <a16:creationId xmlns:a16="http://schemas.microsoft.com/office/drawing/2014/main" id="{107F41AD-8912-754E-10A2-E17DB21F797A}"/>
+              </a:ext>
+            </a:extLst>
+          </p:cNvPr>
+          <p:cNvSpPr txBox="1"/>
+          <p:nvPr/>
+        </p:nvSpPr>
+        <p:spPr>
+          <a:xfrm>
+            <a:off x="761859" y="5716891"/>
+            <a:ext cx="6905859" cy="230832"/>
+          </a:xfrm>
+          <a:prstGeom prst="rect">
+            <a:avLst/>
+          </a:prstGeom>
+          <a:noFill/>
+        </p:spPr>
+        <p:txBody>
+          <a:bodyPr wrap="square" rtlCol="0">
+            <a:spAutoFit/>
+          </a:bodyPr>
+          <a:lstStyle/>
+          <a:p>
+            <a:endParaRPr lang="ko-KR" altLang="en-US" sz="900" dirty="0"/>
+          </a:p>
+        </p:txBody>
+      </p:sp>
+      <p:sp>
+        <p:nvSpPr>
+          <p:cNvPr id="5" name="TextBox 4">
+            <a:extLst>
+              <a:ext uri="{FF2B5EF4-FFF2-40B4-BE49-F238E27FC236}">
+                <a16:creationId xmlns:a16="http://schemas.microsoft.com/office/drawing/2014/main" id="{0666CDD6-B59F-21A3-89E4-F441A7C79F58}"/>
+              </a:ext>
+            </a:extLst>
+          </p:cNvPr>
+          <p:cNvSpPr txBox="1"/>
+          <p:nvPr/>
+        </p:nvSpPr>
+        <p:spPr>
+          <a:xfrm>
+            <a:off x="806376" y="2138383"/>
+            <a:ext cx="5904656" cy="369332"/>
+          </a:xfrm>
+          <a:prstGeom prst="rect">
+            <a:avLst/>
+          </a:prstGeom>
+          <a:noFill/>
+        </p:spPr>
+        <p:txBody>
+          <a:bodyPr wrap="square" rtlCol="0">
+            <a:spAutoFit/>
+          </a:bodyPr>
+          <a:lstStyle/>
+          <a:p>
+            <a:endParaRPr lang="ko-KR" altLang="en-US" dirty="0"/>
+          </a:p>
+        </p:txBody>
+      </p:sp>
+      <p:pic>
+        <p:nvPicPr>
+          <p:cNvPr id="17" name="그림 16">
+            <a:extLst>
+              <a:ext uri="{FF2B5EF4-FFF2-40B4-BE49-F238E27FC236}">
+                <a16:creationId xmlns:a16="http://schemas.microsoft.com/office/drawing/2014/main" id="{5AFAA303-FE81-C331-DF58-CC751F8E482A}"/>
+              </a:ext>
+            </a:extLst>
+          </p:cNvPr>
+          <p:cNvPicPr>
+            <a:picLocks noChangeAspect="1"/>
+          </p:cNvPicPr>
+          <p:nvPr/>
+        </p:nvPicPr>
+        <p:blipFill>
+          <a:blip r:embed="rId9"/>
+          <a:stretch>
+            <a:fillRect/>
+          </a:stretch>
+        </p:blipFill>
+        <p:spPr>
+          <a:xfrm>
+            <a:off x="3969990" y="2323049"/>
+            <a:ext cx="3860941" cy="2812692"/>
+          </a:xfrm>
+          <a:prstGeom prst="rect">
+            <a:avLst/>
+          </a:prstGeom>
+        </p:spPr>
+      </p:pic>
+      <p:sp>
+        <p:nvSpPr>
+          <p:cNvPr id="18" name="TextBox 17">
+            <a:extLst>
+              <a:ext uri="{FF2B5EF4-FFF2-40B4-BE49-F238E27FC236}">
+                <a16:creationId xmlns:a16="http://schemas.microsoft.com/office/drawing/2014/main" id="{5612F08B-E6C3-85A0-FE22-53DB44D16FA0}"/>
+              </a:ext>
+            </a:extLst>
+          </p:cNvPr>
+          <p:cNvSpPr txBox="1"/>
+          <p:nvPr/>
+        </p:nvSpPr>
+        <p:spPr>
+          <a:xfrm>
+            <a:off x="662360" y="2323049"/>
+            <a:ext cx="3096344" cy="1754326"/>
+          </a:xfrm>
+          <a:prstGeom prst="rect">
+            <a:avLst/>
+          </a:prstGeom>
+          <a:noFill/>
+        </p:spPr>
+        <p:txBody>
+          <a:bodyPr wrap="square" rtlCol="0">
+            <a:spAutoFit/>
+          </a:bodyPr>
+          <a:lstStyle/>
+          <a:p>
+            <a:r>
+              <a:rPr lang="en-US" altLang="ko-KR" dirty="0"/>
+              <a:t>Batch</a:t>
+            </a:r>
+            <a:r>
+              <a:rPr lang="ko-KR" altLang="en-US" dirty="0"/>
+              <a:t> </a:t>
+            </a:r>
+            <a:r>
+              <a:rPr lang="en-US" altLang="ko-KR" dirty="0"/>
+              <a:t>size: 4	</a:t>
+            </a:r>
+          </a:p>
+          <a:p>
+            <a:r>
+              <a:rPr lang="en-US" altLang="ko-KR" dirty="0"/>
+              <a:t>Max length:512</a:t>
+            </a:r>
+          </a:p>
+          <a:p>
+            <a:r>
+              <a:rPr lang="en-US" altLang="ko-KR" dirty="0" err="1"/>
+              <a:t>Optimizer:adamW</a:t>
+            </a:r>
+            <a:endParaRPr lang="en-US" altLang="ko-KR" dirty="0"/>
+          </a:p>
+          <a:p>
+            <a:r>
+              <a:rPr lang="en-US" altLang="ko-KR" dirty="0"/>
+              <a:t>learning rate:1e-4</a:t>
+            </a:r>
+          </a:p>
+          <a:p>
+            <a:r>
+              <a:rPr lang="en-US" altLang="ko-KR" dirty="0"/>
+              <a:t>Loss </a:t>
+            </a:r>
+            <a:r>
+              <a:rPr lang="en-US" altLang="ko-KR" dirty="0" err="1"/>
+              <a:t>fn:cross</a:t>
+            </a:r>
+            <a:r>
+              <a:rPr lang="en-US" altLang="ko-KR" dirty="0"/>
+              <a:t> entropy loss</a:t>
+            </a:r>
+          </a:p>
+          <a:p>
+            <a:r>
+              <a:rPr lang="en-US" altLang="ko-KR" dirty="0"/>
+              <a:t>epochs:5</a:t>
+            </a:r>
+          </a:p>
+        </p:txBody>
+      </p:sp>
+    </p:spTree>
+    <p:extLst>
+      <p:ext uri="{BB962C8B-B14F-4D97-AF65-F5344CB8AC3E}">
+        <p14:creationId xmlns:p14="http://schemas.microsoft.com/office/powerpoint/2010/main" val="4031489295"/>
+      </p:ext>
+    </p:extLst>
+  </p:cSld>
+  <p:clrMapOvr>
+    <a:masterClrMapping/>
+  </p:clrMapOvr>
+</p:sld>
+</file>
+
+<file path=ppt/slides/slide7.xml><?xml version="1.0" encoding="utf-8"?>
+<p:sld xmlns:a="http://schemas.openxmlformats.org/drawingml/2006/main" xmlns:r="http://schemas.openxmlformats.org/officeDocument/2006/relationships" xmlns:p="http://schemas.openxmlformats.org/presentationml/2006/main">
+  <p:cSld>
+    <p:spTree>
+      <p:nvGrpSpPr>
+        <p:cNvPr id="1" name=""/>
+        <p:cNvGrpSpPr/>
+        <p:nvPr/>
+      </p:nvGrpSpPr>
+      <p:grpSpPr>
+        <a:xfrm>
+          <a:off x="0" y="0"/>
+          <a:ext cx="0" cy="0"/>
+          <a:chOff x="0" y="0"/>
+          <a:chExt cx="0" cy="0"/>
+        </a:xfrm>
+      </p:grpSpPr>
+      <p:grpSp>
+        <p:nvGrpSpPr>
+          <p:cNvPr id="15" name="그룹 14"/>
+          <p:cNvGrpSpPr/>
+          <p:nvPr/>
+        </p:nvGrpSpPr>
+        <p:grpSpPr>
+          <a:xfrm>
+            <a:off x="27535" y="261017"/>
+            <a:ext cx="9153144" cy="6318504"/>
+            <a:chOff x="28575" y="464884"/>
+            <a:chExt cx="9153144" cy="6318504"/>
+          </a:xfrm>
+        </p:grpSpPr>
+        <p:pic>
+          <p:nvPicPr>
+            <p:cNvPr id="1030" name="Picture 6" descr="C:\Users\Administrator\Desktop\인하대학교\05_템플릿\01_작업\확정\01\PNG\01_보드.png"/>
+            <p:cNvPicPr>
+              <a:picLocks noChangeAspect="1" noChangeArrowheads="1"/>
+            </p:cNvPicPr>
+            <p:nvPr/>
+          </p:nvPicPr>
+          <p:blipFill>
+            <a:blip r:embed="rId3"/>
+            <a:srcRect/>
+            <a:stretch>
+              <a:fillRect/>
+            </a:stretch>
+          </p:blipFill>
+          <p:spPr bwMode="auto">
+            <a:xfrm>
+              <a:off x="28575" y="464884"/>
+              <a:ext cx="9153144" cy="6318504"/>
+            </a:xfrm>
+            <a:prstGeom prst="rect">
+              <a:avLst/>
+            </a:prstGeom>
+            <a:noFill/>
+          </p:spPr>
+        </p:pic>
+        <p:grpSp>
+          <p:nvGrpSpPr>
+            <p:cNvPr id="14" name="그룹 13"/>
+            <p:cNvGrpSpPr/>
+            <p:nvPr/>
+          </p:nvGrpSpPr>
+          <p:grpSpPr>
+            <a:xfrm>
+              <a:off x="5851533" y="6177777"/>
+              <a:ext cx="3000388" cy="304800"/>
+              <a:chOff x="5851533" y="6177777"/>
+              <a:chExt cx="3000388" cy="304800"/>
+            </a:xfrm>
+          </p:grpSpPr>
+          <p:pic>
+            <p:nvPicPr>
+              <p:cNvPr id="12" name="Picture 3" descr="C:\Users\Administrator\Desktop\인하대학교\05_템플릿\01_작업\확정\PNG\13_copyright.png"/>
+              <p:cNvPicPr>
+                <a:picLocks noChangeAspect="1" noChangeArrowheads="1"/>
+              </p:cNvPicPr>
+              <p:nvPr/>
+            </p:nvPicPr>
+            <p:blipFill>
+              <a:blip r:embed="rId4"/>
+              <a:srcRect/>
+              <a:stretch>
+                <a:fillRect/>
+              </a:stretch>
+            </p:blipFill>
+            <p:spPr bwMode="auto">
+              <a:xfrm>
+                <a:off x="5851533" y="6396852"/>
+                <a:ext cx="1838325" cy="47625"/>
+              </a:xfrm>
+              <a:prstGeom prst="rect">
+                <a:avLst/>
+              </a:prstGeom>
+              <a:noFill/>
+            </p:spPr>
+          </p:pic>
+          <p:pic>
+            <p:nvPicPr>
+              <p:cNvPr id="13" name="Picture 5" descr="C:\Users\Administrator\Desktop\인하대학교\05_템플릿\01_작업\확정\PNG\12_로고.png"/>
+              <p:cNvPicPr>
+                <a:picLocks noChangeAspect="1" noChangeArrowheads="1"/>
+              </p:cNvPicPr>
+              <p:nvPr/>
+            </p:nvPicPr>
+            <p:blipFill>
+              <a:blip r:embed="rId5"/>
+              <a:srcRect/>
+              <a:stretch>
+                <a:fillRect/>
+              </a:stretch>
+            </p:blipFill>
+            <p:spPr bwMode="auto">
+              <a:xfrm>
+                <a:off x="7756546" y="6177777"/>
+                <a:ext cx="1095375" cy="304800"/>
+              </a:xfrm>
+              <a:prstGeom prst="rect">
+                <a:avLst/>
+              </a:prstGeom>
+              <a:noFill/>
+            </p:spPr>
+          </p:pic>
+        </p:grpSp>
+      </p:grpSp>
+      <p:pic>
+        <p:nvPicPr>
+          <p:cNvPr id="3074" name="Picture 2" descr="C:\Users\Administrator\Desktop\인하대학교\05_템플릿\01_작업\확정\01\PNG\04.png"/>
+          <p:cNvPicPr>
+            <a:picLocks noChangeAspect="1" noChangeArrowheads="1"/>
+          </p:cNvPicPr>
+          <p:nvPr/>
+        </p:nvPicPr>
+        <p:blipFill>
+          <a:blip r:embed="rId6"/>
+          <a:srcRect/>
+          <a:stretch>
+            <a:fillRect/>
+          </a:stretch>
+        </p:blipFill>
+        <p:spPr bwMode="auto">
+          <a:xfrm>
+            <a:off x="317470" y="634187"/>
+            <a:ext cx="8650224" cy="612648"/>
+          </a:xfrm>
+          <a:prstGeom prst="rect">
+            <a:avLst/>
+          </a:prstGeom>
+          <a:noFill/>
+        </p:spPr>
+      </p:pic>
+      <p:pic>
+        <p:nvPicPr>
+          <p:cNvPr id="2050" name="Picture 2" descr="C:\Users\Administrator\Desktop\인하대학교\05_템플릿\01_작업\확정\01\PNG\02.png"/>
+          <p:cNvPicPr>
+            <a:picLocks noChangeAspect="1" noChangeArrowheads="1"/>
+          </p:cNvPicPr>
+          <p:nvPr/>
+        </p:nvPicPr>
+        <p:blipFill>
+          <a:blip r:embed="rId7"/>
+          <a:srcRect t="-140000" b="-140000"/>
+          <a:stretch>
+            <a:fillRect/>
+          </a:stretch>
+        </p:blipFill>
+        <p:spPr bwMode="auto">
+          <a:xfrm>
+            <a:off x="479396" y="1800405"/>
+            <a:ext cx="8110728" cy="69494"/>
+          </a:xfrm>
+          <a:prstGeom prst="rect">
+            <a:avLst/>
+          </a:prstGeom>
+          <a:noFill/>
+        </p:spPr>
+      </p:pic>
+      <p:grpSp>
+        <p:nvGrpSpPr>
+          <p:cNvPr id="10" name="그룹 9"/>
+          <p:cNvGrpSpPr/>
+          <p:nvPr/>
+        </p:nvGrpSpPr>
+        <p:grpSpPr>
+          <a:xfrm>
+            <a:off x="193644" y="777637"/>
+            <a:ext cx="3035808" cy="356616"/>
+            <a:chOff x="193644" y="777637"/>
+            <a:chExt cx="3035808" cy="356616"/>
+          </a:xfrm>
+        </p:grpSpPr>
+        <p:pic>
+          <p:nvPicPr>
+            <p:cNvPr id="7" name="Picture 11" descr="C:\Users\Administrator\Desktop\인하대학교\05_템플릿\01_작업\확정\01\PNG\03.png"/>
+            <p:cNvPicPr>
+              <a:picLocks noChangeAspect="1" noChangeArrowheads="1"/>
+            </p:cNvPicPr>
+            <p:nvPr/>
+          </p:nvPicPr>
+          <p:blipFill>
+            <a:blip r:embed="rId8"/>
+            <a:srcRect/>
+            <a:stretch>
+              <a:fillRect/>
+            </a:stretch>
+          </p:blipFill>
+          <p:spPr bwMode="auto">
+            <a:xfrm>
+              <a:off x="193644" y="777637"/>
+              <a:ext cx="3035808" cy="356616"/>
+            </a:xfrm>
+            <a:prstGeom prst="rect">
+              <a:avLst/>
+            </a:prstGeom>
+            <a:noFill/>
+          </p:spPr>
+        </p:pic>
+        <p:sp>
+          <p:nvSpPr>
+            <p:cNvPr id="8" name="TextBox 7"/>
+            <p:cNvSpPr txBox="1"/>
+            <p:nvPr/>
+          </p:nvSpPr>
+          <p:spPr>
+            <a:xfrm>
+              <a:off x="550834" y="787162"/>
+              <a:ext cx="1473480" cy="338554"/>
+            </a:xfrm>
+            <a:prstGeom prst="rect">
+              <a:avLst/>
+            </a:prstGeom>
+            <a:noFill/>
+          </p:spPr>
+          <p:txBody>
+            <a:bodyPr wrap="none" rtlCol="0">
+              <a:spAutoFit/>
+            </a:bodyPr>
+            <a:lstStyle/>
+            <a:p>
+              <a:r>
+                <a:rPr lang="en-US" altLang="ko-KR" sz="1600" b="1" i="1" dirty="0">
+                  <a:solidFill>
+                    <a:schemeClr val="bg1"/>
+                  </a:solidFill>
+                  <a:latin typeface="나눔명조 ExtraBold" pitchFamily="18" charset="-127"/>
+                  <a:ea typeface="나눔명조 ExtraBold" pitchFamily="18" charset="-127"/>
+                </a:rPr>
+                <a:t>2</a:t>
+              </a:r>
+              <a:r>
+                <a:rPr lang="ko-KR" altLang="en-US" sz="1600" b="1" i="1" dirty="0">
+                  <a:solidFill>
+                    <a:schemeClr val="bg1"/>
+                  </a:solidFill>
+                  <a:latin typeface="나눔명조 ExtraBold" pitchFamily="18" charset="-127"/>
+                  <a:ea typeface="나눔명조 ExtraBold" pitchFamily="18" charset="-127"/>
+                </a:rPr>
+                <a:t>조 진행 현황</a:t>
+              </a:r>
+            </a:p>
+          </p:txBody>
+        </p:sp>
+      </p:grpSp>
+      <p:sp>
+        <p:nvSpPr>
+          <p:cNvPr id="9" name="TextBox 8"/>
+          <p:cNvSpPr txBox="1"/>
+          <p:nvPr/>
+        </p:nvSpPr>
+        <p:spPr>
+          <a:xfrm>
+            <a:off x="3461133" y="767538"/>
+            <a:ext cx="1017715" cy="430887"/>
+          </a:xfrm>
+          <a:prstGeom prst="rect">
+            <a:avLst/>
+          </a:prstGeom>
+          <a:noFill/>
+        </p:spPr>
+        <p:txBody>
+          <a:bodyPr wrap="none" rtlCol="0">
+            <a:spAutoFit/>
+          </a:bodyPr>
+          <a:lstStyle/>
+          <a:p>
+            <a:r>
+              <a:rPr lang="en-US" altLang="ko-KR" sz="2200" b="1" i="1" dirty="0">
+                <a:solidFill>
+                  <a:srgbClr val="1E5B86"/>
+                </a:solidFill>
+                <a:latin typeface="나눔명조 ExtraBold" pitchFamily="18" charset="-127"/>
+                <a:ea typeface="나눔명조 ExtraBold" pitchFamily="18" charset="-127"/>
+              </a:rPr>
+              <a:t>2. STT</a:t>
+            </a:r>
+            <a:endParaRPr lang="ko-KR" altLang="en-US" sz="2200" b="1" i="1" dirty="0">
+              <a:solidFill>
+                <a:srgbClr val="1E5B86"/>
+              </a:solidFill>
+              <a:latin typeface="나눔명조 ExtraBold" pitchFamily="18" charset="-127"/>
+              <a:ea typeface="나눔명조 ExtraBold" pitchFamily="18" charset="-127"/>
+            </a:endParaRPr>
+          </a:p>
+        </p:txBody>
+      </p:sp>
+      <p:sp>
+        <p:nvSpPr>
+          <p:cNvPr id="11" name="TextBox 10"/>
+          <p:cNvSpPr txBox="1"/>
+          <p:nvPr/>
+        </p:nvSpPr>
+        <p:spPr>
+          <a:xfrm>
+            <a:off x="765148" y="1358092"/>
+            <a:ext cx="1678665" cy="400110"/>
+          </a:xfrm>
+          <a:prstGeom prst="rect">
+            <a:avLst/>
+          </a:prstGeom>
+          <a:noFill/>
+        </p:spPr>
+        <p:txBody>
+          <a:bodyPr wrap="none" rtlCol="0">
+            <a:spAutoFit/>
+          </a:bodyPr>
+          <a:lstStyle/>
+          <a:p>
+            <a:r>
+              <a:rPr lang="en-US" altLang="ko-KR" sz="2000" b="1" dirty="0">
+                <a:solidFill>
+                  <a:srgbClr val="5C431E"/>
+                </a:solidFill>
+                <a:latin typeface="나눔고딕" pitchFamily="50" charset="-127"/>
+                <a:ea typeface="나눔고딕" pitchFamily="50" charset="-127"/>
+              </a:rPr>
+              <a:t>2.4 </a:t>
+            </a:r>
+            <a:r>
+              <a:rPr lang="ko-KR" altLang="en-US" sz="2000" b="1" dirty="0">
+                <a:solidFill>
+                  <a:srgbClr val="5C431E"/>
+                </a:solidFill>
+                <a:latin typeface="나눔고딕" pitchFamily="50" charset="-127"/>
+                <a:ea typeface="나눔고딕" pitchFamily="50" charset="-127"/>
+              </a:rPr>
+              <a:t>학습 결과</a:t>
+            </a:r>
+          </a:p>
+        </p:txBody>
+      </p:sp>
+      <p:sp>
+        <p:nvSpPr>
+          <p:cNvPr id="3" name="TextBox 2">
+            <a:extLst>
+              <a:ext uri="{FF2B5EF4-FFF2-40B4-BE49-F238E27FC236}">
+                <a16:creationId xmlns:a16="http://schemas.microsoft.com/office/drawing/2014/main" id="{107F41AD-8912-754E-10A2-E17DB21F797A}"/>
+              </a:ext>
+            </a:extLst>
+          </p:cNvPr>
+          <p:cNvSpPr txBox="1"/>
+          <p:nvPr/>
+        </p:nvSpPr>
+        <p:spPr>
+          <a:xfrm>
+            <a:off x="761859" y="5716891"/>
+            <a:ext cx="6905859" cy="230832"/>
+          </a:xfrm>
+          <a:prstGeom prst="rect">
+            <a:avLst/>
+          </a:prstGeom>
+          <a:noFill/>
+        </p:spPr>
+        <p:txBody>
+          <a:bodyPr wrap="square" rtlCol="0">
+            <a:spAutoFit/>
+          </a:bodyPr>
+          <a:lstStyle/>
+          <a:p>
+            <a:endParaRPr lang="ko-KR" altLang="en-US" sz="900" dirty="0"/>
+          </a:p>
+        </p:txBody>
+      </p:sp>
+      <p:sp>
+        <p:nvSpPr>
+          <p:cNvPr id="5" name="TextBox 4">
+            <a:extLst>
+              <a:ext uri="{FF2B5EF4-FFF2-40B4-BE49-F238E27FC236}">
+                <a16:creationId xmlns:a16="http://schemas.microsoft.com/office/drawing/2014/main" id="{0666CDD6-B59F-21A3-89E4-F441A7C79F58}"/>
+              </a:ext>
+            </a:extLst>
+          </p:cNvPr>
+          <p:cNvSpPr txBox="1"/>
+          <p:nvPr/>
+        </p:nvSpPr>
+        <p:spPr>
+          <a:xfrm>
+            <a:off x="806376" y="2138383"/>
+            <a:ext cx="5904656" cy="369332"/>
+          </a:xfrm>
+          <a:prstGeom prst="rect">
+            <a:avLst/>
+          </a:prstGeom>
+          <a:noFill/>
+        </p:spPr>
+        <p:txBody>
+          <a:bodyPr wrap="square" rtlCol="0">
+            <a:spAutoFit/>
+          </a:bodyPr>
+          <a:lstStyle/>
+          <a:p>
+            <a:endParaRPr lang="ko-KR" altLang="en-US" dirty="0"/>
+          </a:p>
+        </p:txBody>
+      </p:sp>
+      <p:sp>
+        <p:nvSpPr>
+          <p:cNvPr id="2" name="TextBox 1">
+            <a:extLst>
+              <a:ext uri="{FF2B5EF4-FFF2-40B4-BE49-F238E27FC236}">
+                <a16:creationId xmlns:a16="http://schemas.microsoft.com/office/drawing/2014/main" id="{3D6D6F27-05CB-2ED4-1C31-C76BF30F64F6}"/>
+              </a:ext>
+            </a:extLst>
+          </p:cNvPr>
+          <p:cNvSpPr txBox="1"/>
+          <p:nvPr/>
+        </p:nvSpPr>
+        <p:spPr>
+          <a:xfrm>
+            <a:off x="4880289" y="2148532"/>
+            <a:ext cx="2952328" cy="3831818"/>
+          </a:xfrm>
+          <a:prstGeom prst="rect">
+            <a:avLst/>
+          </a:prstGeom>
+          <a:noFill/>
+        </p:spPr>
+        <p:txBody>
+          <a:bodyPr wrap="square" rtlCol="0">
+            <a:spAutoFit/>
+          </a:bodyPr>
+          <a:lstStyle/>
+          <a:p>
+            <a:r>
+              <a:rPr lang="en-US" altLang="ko-KR" sz="900" dirty="0"/>
+              <a:t>['\n</a:t>
+            </a:r>
+            <a:r>
+              <a:rPr lang="ko-KR" altLang="en-US" sz="900" dirty="0"/>
+              <a:t>제주 서귀포 앞바다에서 제트스키로 돌고래 무리를 위협한 동호회 일당이 경찰에 잡혔다</a:t>
+            </a:r>
+            <a:r>
+              <a:rPr lang="en-US" altLang="ko-KR" sz="900" dirty="0"/>
+              <a:t>\n\n21</a:t>
+            </a:r>
+            <a:r>
+              <a:rPr lang="ko-KR" altLang="en-US" sz="900" dirty="0"/>
+              <a:t>일 제주 서귀포해양경찰서에 따르면 전날 오후 </a:t>
+            </a:r>
+            <a:r>
+              <a:rPr lang="en-US" altLang="ko-KR" sz="900" dirty="0"/>
+              <a:t>5</a:t>
+            </a:r>
+            <a:r>
+              <a:rPr lang="ko-KR" altLang="en-US" sz="900" dirty="0"/>
+              <a:t>시쯤 서귀포시 신도포구 인근 해상에서 제트스키 </a:t>
+            </a:r>
+            <a:r>
+              <a:rPr lang="en-US" altLang="ko-KR" sz="900" dirty="0"/>
+              <a:t>6</a:t>
+            </a:r>
+            <a:r>
+              <a:rPr lang="ko-KR" altLang="en-US" sz="900" dirty="0"/>
+              <a:t>대가 돌고래 무리의 이동을 방해한다는 신고가 접수됐다</a:t>
+            </a:r>
+            <a:r>
+              <a:rPr lang="en-US" altLang="ko-KR" sz="900" dirty="0"/>
+              <a:t>.\n\n</a:t>
+            </a:r>
+            <a:r>
+              <a:rPr lang="ko-KR" altLang="en-US" sz="900" dirty="0"/>
+              <a:t>이들은 </a:t>
+            </a:r>
+            <a:r>
+              <a:rPr lang="ko-KR" altLang="en-US" sz="900" dirty="0" err="1"/>
+              <a:t>남방큰돌고래에</a:t>
+            </a:r>
+            <a:r>
+              <a:rPr lang="ko-KR" altLang="en-US" sz="900" dirty="0"/>
+              <a:t> </a:t>
+            </a:r>
+            <a:r>
+              <a:rPr lang="en-US" altLang="ko-KR" sz="900" dirty="0"/>
+              <a:t>10m </a:t>
+            </a:r>
+            <a:r>
+              <a:rPr lang="ko-KR" altLang="en-US" sz="900" dirty="0"/>
+              <a:t>이내로 접근</a:t>
+            </a:r>
+            <a:r>
+              <a:rPr lang="en-US" altLang="ko-KR" sz="900" dirty="0"/>
+              <a:t>, </a:t>
+            </a:r>
+            <a:r>
+              <a:rPr lang="ko-KR" altLang="en-US" sz="900" dirty="0"/>
+              <a:t>규정 속도 이상으로 운항했는데 출동한 해경은 서귀포시 </a:t>
+            </a:r>
+            <a:r>
+              <a:rPr lang="ko-KR" altLang="en-US" sz="900" dirty="0" err="1"/>
+              <a:t>대정읍</a:t>
+            </a:r>
+            <a:r>
+              <a:rPr lang="ko-KR" altLang="en-US" sz="900" dirty="0"/>
+              <a:t> </a:t>
+            </a:r>
+            <a:r>
+              <a:rPr lang="ko-KR" altLang="en-US" sz="900" dirty="0" err="1"/>
+              <a:t>모슬포항으로</a:t>
+            </a:r>
+            <a:r>
+              <a:rPr lang="ko-KR" altLang="en-US" sz="900" dirty="0"/>
+              <a:t> 이동 중인 제트스키 </a:t>
+            </a:r>
+            <a:r>
+              <a:rPr lang="en-US" altLang="ko-KR" sz="900" dirty="0"/>
+              <a:t>6</a:t>
+            </a:r>
+            <a:r>
+              <a:rPr lang="ko-KR" altLang="en-US" sz="900" dirty="0"/>
+              <a:t>대를 발견하고 </a:t>
+            </a:r>
+            <a:r>
+              <a:rPr lang="en-US" altLang="ko-KR" sz="900" dirty="0"/>
+              <a:t>6</a:t>
+            </a:r>
+            <a:r>
+              <a:rPr lang="ko-KR" altLang="en-US" sz="900" dirty="0"/>
+              <a:t>명을 붙잡았다</a:t>
+            </a:r>
+            <a:r>
+              <a:rPr lang="en-US" altLang="ko-KR" sz="900" dirty="0"/>
+              <a:t>.\n\n</a:t>
+            </a:r>
+            <a:r>
+              <a:rPr lang="ko-KR" altLang="en-US" sz="900" dirty="0"/>
+              <a:t>지난 </a:t>
+            </a:r>
+            <a:r>
+              <a:rPr lang="en-US" altLang="ko-KR" sz="900" dirty="0"/>
+              <a:t>4</a:t>
+            </a:r>
+            <a:r>
+              <a:rPr lang="ko-KR" altLang="en-US" sz="900" dirty="0"/>
+              <a:t>월</a:t>
+            </a:r>
+            <a:r>
+              <a:rPr lang="en-US" altLang="ko-KR" sz="900" dirty="0"/>
+              <a:t>19</a:t>
+            </a:r>
+            <a:r>
+              <a:rPr lang="ko-KR" altLang="en-US" sz="900" dirty="0"/>
+              <a:t>일부터 개정 시행된 해양생태계의 보전 및 관리에 관한 법률에서는 돌고래 무리 주변에서는 거리에 따라 선박의 속력을 줄여야 한다</a:t>
+            </a:r>
+            <a:r>
+              <a:rPr lang="en-US" altLang="ko-KR" sz="900" dirty="0"/>
+              <a:t>. </a:t>
+            </a:r>
+            <a:r>
+              <a:rPr lang="ko-KR" altLang="en-US" sz="900" dirty="0"/>
+              <a:t>돌고래와 거리가 </a:t>
+            </a:r>
+            <a:r>
+              <a:rPr lang="en-US" altLang="ko-KR" sz="900" dirty="0"/>
+              <a:t>750~1500m</a:t>
+            </a:r>
+            <a:r>
+              <a:rPr lang="ko-KR" altLang="en-US" sz="900" dirty="0"/>
+              <a:t>일 경우 </a:t>
+            </a:r>
+            <a:r>
+              <a:rPr lang="en-US" altLang="ko-KR" sz="900" dirty="0"/>
+              <a:t>10</a:t>
+            </a:r>
+            <a:r>
+              <a:rPr lang="ko-KR" altLang="en-US" sz="900" dirty="0"/>
+              <a:t>노트 이하</a:t>
+            </a:r>
+            <a:r>
+              <a:rPr lang="en-US" altLang="ko-KR" sz="900" dirty="0"/>
+              <a:t>, 300~750m</a:t>
+            </a:r>
+            <a:r>
+              <a:rPr lang="ko-KR" altLang="en-US" sz="900" dirty="0"/>
+              <a:t>에선 </a:t>
+            </a:r>
+            <a:r>
+              <a:rPr lang="en-US" altLang="ko-KR" sz="900" dirty="0"/>
+              <a:t>5</a:t>
+            </a:r>
+            <a:r>
+              <a:rPr lang="ko-KR" altLang="en-US" sz="900" dirty="0"/>
+              <a:t>노트 이하</a:t>
+            </a:r>
+            <a:r>
+              <a:rPr lang="en-US" altLang="ko-KR" sz="900" dirty="0"/>
+              <a:t>, 50~300m</a:t>
+            </a:r>
+            <a:r>
+              <a:rPr lang="ko-KR" altLang="en-US" sz="900" dirty="0"/>
+              <a:t>이면 선박의 </a:t>
+            </a:r>
+            <a:r>
+              <a:rPr lang="ko-KR" altLang="en-US" sz="900" dirty="0" err="1"/>
+              <a:t>스크루를</a:t>
+            </a:r>
+            <a:r>
+              <a:rPr lang="ko-KR" altLang="en-US" sz="900" dirty="0"/>
+              <a:t> 멈춰야 한다</a:t>
+            </a:r>
+            <a:r>
+              <a:rPr lang="en-US" altLang="ko-KR" sz="900" dirty="0"/>
+              <a:t>.\n\n</a:t>
+            </a:r>
+            <a:r>
+              <a:rPr lang="ko-KR" altLang="en-US" sz="900" dirty="0"/>
+              <a:t>이를 어기면 </a:t>
+            </a:r>
+            <a:r>
+              <a:rPr lang="en-US" altLang="ko-KR" sz="900" dirty="0"/>
+              <a:t>200</a:t>
+            </a:r>
+            <a:r>
+              <a:rPr lang="ko-KR" altLang="en-US" sz="900" dirty="0"/>
+              <a:t>만원 이하 과태료가 부과된다</a:t>
+            </a:r>
+            <a:r>
+              <a:rPr lang="en-US" altLang="ko-KR" sz="900" dirty="0"/>
+              <a:t>.\n</a:t>
+            </a:r>
+            <a:r>
+              <a:rPr lang="ko-KR" altLang="en-US" sz="900" dirty="0"/>
+              <a:t>된다</a:t>
+            </a:r>
+            <a:r>
+              <a:rPr lang="en-US" altLang="ko-KR" sz="900" dirty="0"/>
+              <a:t>.\n</a:t>
+            </a:r>
+            <a:r>
+              <a:rPr lang="ko-KR" altLang="en-US" sz="900" dirty="0"/>
+              <a:t>된다</a:t>
+            </a:r>
+            <a:r>
+              <a:rPr lang="en-US" altLang="ko-KR" sz="900" dirty="0"/>
+              <a:t>.\n</a:t>
+            </a:r>
+            <a:r>
+              <a:rPr lang="ko-KR" altLang="en-US" sz="900" dirty="0"/>
+              <a:t>된다</a:t>
+            </a:r>
+            <a:r>
+              <a:rPr lang="en-US" altLang="ko-KR" sz="900" dirty="0"/>
+              <a:t>.\n</a:t>
+            </a:r>
+            <a:r>
+              <a:rPr lang="ko-KR" altLang="en-US" sz="900" dirty="0"/>
+              <a:t>된다</a:t>
+            </a:r>
+            <a:r>
+              <a:rPr lang="en-US" altLang="ko-KR" sz="900" dirty="0"/>
+              <a:t>.\n</a:t>
+            </a:r>
+            <a:r>
+              <a:rPr lang="ko-KR" altLang="en-US" sz="900" dirty="0"/>
+              <a:t>된다</a:t>
+            </a:r>
+            <a:r>
+              <a:rPr lang="en-US" altLang="ko-KR" sz="900" dirty="0"/>
+              <a:t>.\n</a:t>
+            </a:r>
+            <a:r>
+              <a:rPr lang="ko-KR" altLang="en-US" sz="900" dirty="0"/>
+              <a:t>된다</a:t>
+            </a:r>
+            <a:r>
+              <a:rPr lang="en-US" altLang="ko-KR" sz="900" dirty="0"/>
+              <a:t>.\n</a:t>
+            </a:r>
+            <a:r>
+              <a:rPr lang="ko-KR" altLang="en-US" sz="900" dirty="0"/>
+              <a:t>된다</a:t>
+            </a:r>
+            <a:r>
+              <a:rPr lang="en-US" altLang="ko-KR" sz="900" dirty="0"/>
+              <a:t>.\n</a:t>
+            </a:r>
+            <a:r>
+              <a:rPr lang="ko-KR" altLang="en-US" sz="900" dirty="0"/>
+              <a:t>된다</a:t>
+            </a:r>
+            <a:r>
+              <a:rPr lang="en-US" altLang="ko-KR" sz="900" dirty="0"/>
+              <a:t>.\n</a:t>
+            </a:r>
+            <a:r>
+              <a:rPr lang="ko-KR" altLang="en-US" sz="900" dirty="0"/>
+              <a:t>된다</a:t>
+            </a:r>
+            <a:r>
+              <a:rPr lang="en-US" altLang="ko-KR" sz="900" dirty="0"/>
+              <a:t>.\n</a:t>
+            </a:r>
+            <a:r>
+              <a:rPr lang="ko-KR" altLang="en-US" sz="900" dirty="0"/>
+              <a:t>된다</a:t>
+            </a:r>
+            <a:r>
+              <a:rPr lang="en-US" altLang="ko-KR" sz="900" dirty="0"/>
+              <a:t>.\n</a:t>
+            </a:r>
+            <a:r>
+              <a:rPr lang="ko-KR" altLang="en-US" sz="900" dirty="0"/>
+              <a:t>됐다</a:t>
+            </a:r>
+            <a:r>
+              <a:rPr lang="en-US" altLang="ko-KR" sz="900" dirty="0"/>
+              <a:t>.\n</a:t>
+            </a:r>
+            <a:r>
+              <a:rPr lang="ko-KR" altLang="en-US" sz="900" dirty="0"/>
+              <a:t>됐다</a:t>
+            </a:r>
+            <a:r>
+              <a:rPr lang="en-US" altLang="ko-KR" sz="900" dirty="0"/>
+              <a:t>.\n</a:t>
+            </a:r>
+            <a:r>
+              <a:rPr lang="ko-KR" altLang="en-US" sz="900" dirty="0"/>
+              <a:t>됐됐됐됐됐됐됐됐됐됐됐됐됐됐됐됐됐됐됐됐됐됐됐됐됐됐됐됐됐됐됐됐됐됐됐됐됐됐됐됐됐됐됐됐됐됐됐됐됐됐됐됐됐됐됐됐됐됐됐됐됐됐됐됐됐됐됐됐됐됐됐됐됐됐됐됐됐됐됐됐됐됐됐됐됐됐됐됐됐됐됐됐됐됐됐됐됐됐됐됐됐됐됐됐됐됐됐됐됐됐됐됐됐됐됐됐됐됐됐됐됐됐됐됐됐됐됐됐됐됐됐됐됐됐됐됐됐됐됐됐됐됐됐됐됐됐됐됐됐됐됐됐됐됐됐됐됐됐됐됐됐됐됐됐됐됐됐됐됐됐됐됐됐됐됐됐됐됐됐됐됐됐됐됐됐됐됐됐됐됐됐됐됐됐됐됐됐됐됐됐됐됐됐됐됐됐됐됐됐됐됐됐됐됐됐됐됐됐됐됐됐됐됐됐됐됐됐됐됐됐됐됐됐됐됐됐됐됐됐됐됐</a:t>
+            </a:r>
+            <a:r>
+              <a:rPr lang="en-US" altLang="ko-KR" sz="900" dirty="0"/>
+              <a:t>']</a:t>
+            </a:r>
+            <a:endParaRPr lang="ko-KR" altLang="en-US" sz="900" dirty="0"/>
+          </a:p>
+        </p:txBody>
+      </p:sp>
+      <p:sp>
+        <p:nvSpPr>
+          <p:cNvPr id="4" name="TextBox 3">
+            <a:extLst>
+              <a:ext uri="{FF2B5EF4-FFF2-40B4-BE49-F238E27FC236}">
+                <a16:creationId xmlns:a16="http://schemas.microsoft.com/office/drawing/2014/main" id="{E7D5077F-C096-BCD8-33D7-99CAA9176923}"/>
+              </a:ext>
+            </a:extLst>
+          </p:cNvPr>
+          <p:cNvSpPr txBox="1"/>
+          <p:nvPr/>
+        </p:nvSpPr>
+        <p:spPr>
+          <a:xfrm>
+            <a:off x="568771" y="2218252"/>
+            <a:ext cx="4255062" cy="923330"/>
+          </a:xfrm>
+          <a:prstGeom prst="rect">
+            <a:avLst/>
+          </a:prstGeom>
+          <a:noFill/>
+        </p:spPr>
+        <p:txBody>
+          <a:bodyPr wrap="square" rtlCol="0">
+            <a:spAutoFit/>
+          </a:bodyPr>
+          <a:lstStyle/>
+          <a:p>
+            <a:pPr marL="342900" indent="-342900">
+              <a:buAutoNum type="arabicPeriod"/>
+            </a:pPr>
+            <a:r>
+              <a:rPr lang="ko-KR" altLang="en-US" dirty="0"/>
+              <a:t>낮은 </a:t>
+            </a:r>
+            <a:r>
+              <a:rPr lang="en-US" altLang="ko-KR" dirty="0"/>
+              <a:t>loss</a:t>
+            </a:r>
+            <a:r>
+              <a:rPr lang="ko-KR" altLang="en-US" dirty="0"/>
+              <a:t>값</a:t>
+            </a:r>
+            <a:endParaRPr lang="en-US" altLang="ko-KR" dirty="0"/>
+          </a:p>
+          <a:p>
+            <a:pPr marL="342900" indent="-342900">
+              <a:buAutoNum type="arabicPeriod"/>
+            </a:pPr>
+            <a:endParaRPr lang="en-US" altLang="ko-KR" dirty="0"/>
+          </a:p>
+          <a:p>
+            <a:pPr marL="342900" indent="-342900">
+              <a:buAutoNum type="arabicPeriod"/>
+            </a:pPr>
+            <a:r>
+              <a:rPr lang="ko-KR" altLang="en-US" dirty="0"/>
+              <a:t>비 정상적인 요약 결과 생성</a:t>
+            </a:r>
+            <a:endParaRPr lang="en-US" altLang="ko-KR" dirty="0"/>
+          </a:p>
+        </p:txBody>
+      </p:sp>
+    </p:spTree>
+    <p:extLst>
+      <p:ext uri="{BB962C8B-B14F-4D97-AF65-F5344CB8AC3E}">
+        <p14:creationId xmlns:p14="http://schemas.microsoft.com/office/powerpoint/2010/main" val="825919695"/>
+      </p:ext>
+    </p:extLst>
+  </p:cSld>
+  <p:clrMapOvr>
+    <a:masterClrMapping/>
+  </p:clrMapOvr>
+</p:sld>
+</file>
+
+<file path=ppt/slides/slide8.xml><?xml version="1.0" encoding="utf-8"?>
+<p:sld xmlns:a="http://schemas.openxmlformats.org/drawingml/2006/main" xmlns:r="http://schemas.openxmlformats.org/officeDocument/2006/relationships" xmlns:p="http://schemas.openxmlformats.org/presentationml/2006/main">
+  <p:cSld>
+    <p:spTree>
+      <p:nvGrpSpPr>
+        <p:cNvPr id="1" name=""/>
+        <p:cNvGrpSpPr/>
+        <p:nvPr/>
+      </p:nvGrpSpPr>
+      <p:grpSpPr>
+        <a:xfrm>
+          <a:off x="0" y="0"/>
+          <a:ext cx="0" cy="0"/>
+          <a:chOff x="0" y="0"/>
+          <a:chExt cx="0" cy="0"/>
+        </a:xfrm>
+      </p:grpSpPr>
+      <p:grpSp>
+        <p:nvGrpSpPr>
+          <p:cNvPr id="15" name="그룹 14"/>
+          <p:cNvGrpSpPr/>
+          <p:nvPr/>
+        </p:nvGrpSpPr>
+        <p:grpSpPr>
+          <a:xfrm>
+            <a:off x="20385" y="261017"/>
+            <a:ext cx="9153144" cy="6318504"/>
+            <a:chOff x="28575" y="464884"/>
+            <a:chExt cx="9153144" cy="6318504"/>
+          </a:xfrm>
+        </p:grpSpPr>
+        <p:pic>
+          <p:nvPicPr>
+            <p:cNvPr id="1030" name="Picture 6" descr="C:\Users\Administrator\Desktop\인하대학교\05_템플릿\01_작업\확정\01\PNG\01_보드.png"/>
+            <p:cNvPicPr>
+              <a:picLocks noChangeAspect="1" noChangeArrowheads="1"/>
+            </p:cNvPicPr>
+            <p:nvPr/>
+          </p:nvPicPr>
+          <p:blipFill>
+            <a:blip r:embed="rId3"/>
+            <a:srcRect/>
+            <a:stretch>
+              <a:fillRect/>
+            </a:stretch>
+          </p:blipFill>
+          <p:spPr bwMode="auto">
+            <a:xfrm>
+              <a:off x="28575" y="464884"/>
+              <a:ext cx="9153144" cy="6318504"/>
+            </a:xfrm>
+            <a:prstGeom prst="rect">
+              <a:avLst/>
+            </a:prstGeom>
+            <a:noFill/>
+          </p:spPr>
+        </p:pic>
+        <p:grpSp>
+          <p:nvGrpSpPr>
+            <p:cNvPr id="14" name="그룹 13"/>
+            <p:cNvGrpSpPr/>
+            <p:nvPr/>
+          </p:nvGrpSpPr>
+          <p:grpSpPr>
+            <a:xfrm>
+              <a:off x="5851533" y="6177777"/>
+              <a:ext cx="3000388" cy="304800"/>
+              <a:chOff x="5851533" y="6177777"/>
+              <a:chExt cx="3000388" cy="304800"/>
+            </a:xfrm>
+          </p:grpSpPr>
+          <p:pic>
+            <p:nvPicPr>
+              <p:cNvPr id="12" name="Picture 3" descr="C:\Users\Administrator\Desktop\인하대학교\05_템플릿\01_작업\확정\PNG\13_copyright.png"/>
+              <p:cNvPicPr>
+                <a:picLocks noChangeAspect="1" noChangeArrowheads="1"/>
+              </p:cNvPicPr>
+              <p:nvPr/>
+            </p:nvPicPr>
+            <p:blipFill>
+              <a:blip r:embed="rId4"/>
+              <a:srcRect/>
+              <a:stretch>
+                <a:fillRect/>
+              </a:stretch>
+            </p:blipFill>
+            <p:spPr bwMode="auto">
+              <a:xfrm>
+                <a:off x="5851533" y="6396852"/>
+                <a:ext cx="1838325" cy="47625"/>
+              </a:xfrm>
+              <a:prstGeom prst="rect">
+                <a:avLst/>
+              </a:prstGeom>
+              <a:noFill/>
+            </p:spPr>
+          </p:pic>
+          <p:pic>
+            <p:nvPicPr>
+              <p:cNvPr id="13" name="Picture 5" descr="C:\Users\Administrator\Desktop\인하대학교\05_템플릿\01_작업\확정\PNG\12_로고.png"/>
+              <p:cNvPicPr>
+                <a:picLocks noChangeAspect="1" noChangeArrowheads="1"/>
+              </p:cNvPicPr>
+              <p:nvPr/>
+            </p:nvPicPr>
+            <p:blipFill>
+              <a:blip r:embed="rId5"/>
+              <a:srcRect/>
+              <a:stretch>
+                <a:fillRect/>
+              </a:stretch>
+            </p:blipFill>
+            <p:spPr bwMode="auto">
+              <a:xfrm>
+                <a:off x="7756546" y="6177777"/>
+                <a:ext cx="1095375" cy="304800"/>
+              </a:xfrm>
+              <a:prstGeom prst="rect">
+                <a:avLst/>
+              </a:prstGeom>
+              <a:noFill/>
+            </p:spPr>
+          </p:pic>
+        </p:grpSp>
+      </p:grpSp>
+      <p:pic>
+        <p:nvPicPr>
+          <p:cNvPr id="3074" name="Picture 2" descr="C:\Users\Administrator\Desktop\인하대학교\05_템플릿\01_작업\확정\01\PNG\04.png"/>
+          <p:cNvPicPr>
+            <a:picLocks noChangeAspect="1" noChangeArrowheads="1"/>
+          </p:cNvPicPr>
+          <p:nvPr/>
+        </p:nvPicPr>
+        <p:blipFill>
+          <a:blip r:embed="rId6"/>
+          <a:srcRect/>
+          <a:stretch>
+            <a:fillRect/>
+          </a:stretch>
+        </p:blipFill>
+        <p:spPr bwMode="auto">
+          <a:xfrm>
+            <a:off x="317470" y="634187"/>
+            <a:ext cx="8650224" cy="612648"/>
+          </a:xfrm>
+          <a:prstGeom prst="rect">
+            <a:avLst/>
+          </a:prstGeom>
+          <a:noFill/>
+        </p:spPr>
+      </p:pic>
+      <p:pic>
+        <p:nvPicPr>
+          <p:cNvPr id="2050" name="Picture 2" descr="C:\Users\Administrator\Desktop\인하대학교\05_템플릿\01_작업\확정\01\PNG\02.png"/>
+          <p:cNvPicPr>
+            <a:picLocks noChangeAspect="1" noChangeArrowheads="1"/>
+          </p:cNvPicPr>
+          <p:nvPr/>
+        </p:nvPicPr>
+        <p:blipFill>
+          <a:blip r:embed="rId7"/>
+          <a:srcRect t="-140000" b="-140000"/>
+          <a:stretch>
+            <a:fillRect/>
+          </a:stretch>
+        </p:blipFill>
+        <p:spPr bwMode="auto">
+          <a:xfrm>
+            <a:off x="479396" y="1800405"/>
+            <a:ext cx="8110728" cy="69494"/>
+          </a:xfrm>
+          <a:prstGeom prst="rect">
+            <a:avLst/>
+          </a:prstGeom>
+          <a:noFill/>
+        </p:spPr>
+      </p:pic>
+      <p:grpSp>
+        <p:nvGrpSpPr>
+          <p:cNvPr id="10" name="그룹 9"/>
+          <p:cNvGrpSpPr/>
+          <p:nvPr/>
+        </p:nvGrpSpPr>
+        <p:grpSpPr>
+          <a:xfrm>
+            <a:off x="193644" y="777637"/>
+            <a:ext cx="3035808" cy="356616"/>
+            <a:chOff x="193644" y="777637"/>
+            <a:chExt cx="3035808" cy="356616"/>
+          </a:xfrm>
+        </p:grpSpPr>
+        <p:pic>
+          <p:nvPicPr>
+            <p:cNvPr id="7" name="Picture 11" descr="C:\Users\Administrator\Desktop\인하대학교\05_템플릿\01_작업\확정\01\PNG\03.png"/>
+            <p:cNvPicPr>
+              <a:picLocks noChangeAspect="1" noChangeArrowheads="1"/>
+            </p:cNvPicPr>
+            <p:nvPr/>
+          </p:nvPicPr>
+          <p:blipFill>
+            <a:blip r:embed="rId8"/>
+            <a:srcRect/>
+            <a:stretch>
+              <a:fillRect/>
+            </a:stretch>
+          </p:blipFill>
+          <p:spPr bwMode="auto">
+            <a:xfrm>
+              <a:off x="193644" y="777637"/>
+              <a:ext cx="3035808" cy="356616"/>
+            </a:xfrm>
+            <a:prstGeom prst="rect">
+              <a:avLst/>
+            </a:prstGeom>
+            <a:noFill/>
+          </p:spPr>
+        </p:pic>
+        <p:sp>
+          <p:nvSpPr>
+            <p:cNvPr id="8" name="TextBox 7"/>
+            <p:cNvSpPr txBox="1"/>
+            <p:nvPr/>
+          </p:nvSpPr>
+          <p:spPr>
+            <a:xfrm>
+              <a:off x="550834" y="787162"/>
+              <a:ext cx="1473480" cy="338554"/>
+            </a:xfrm>
+            <a:prstGeom prst="rect">
+              <a:avLst/>
+            </a:prstGeom>
+            <a:noFill/>
+          </p:spPr>
+          <p:txBody>
+            <a:bodyPr wrap="none" rtlCol="0">
+              <a:spAutoFit/>
+            </a:bodyPr>
+            <a:lstStyle/>
+            <a:p>
+              <a:r>
+                <a:rPr lang="en-US" altLang="ko-KR" sz="1600" b="1" i="1" dirty="0">
+                  <a:solidFill>
+                    <a:schemeClr val="bg1"/>
+                  </a:solidFill>
+                  <a:latin typeface="나눔명조 ExtraBold" pitchFamily="18" charset="-127"/>
+                  <a:ea typeface="나눔명조 ExtraBold" pitchFamily="18" charset="-127"/>
+                </a:rPr>
+                <a:t>2</a:t>
+              </a:r>
+              <a:r>
+                <a:rPr lang="ko-KR" altLang="en-US" sz="1600" b="1" i="1" dirty="0">
+                  <a:solidFill>
+                    <a:schemeClr val="bg1"/>
+                  </a:solidFill>
+                  <a:latin typeface="나눔명조 ExtraBold" pitchFamily="18" charset="-127"/>
+                  <a:ea typeface="나눔명조 ExtraBold" pitchFamily="18" charset="-127"/>
+                </a:rPr>
+                <a:t>조 진행 현황</a:t>
+              </a:r>
+            </a:p>
+          </p:txBody>
+        </p:sp>
+      </p:grpSp>
+      <p:sp>
+        <p:nvSpPr>
+          <p:cNvPr id="9" name="TextBox 8"/>
+          <p:cNvSpPr txBox="1"/>
+          <p:nvPr/>
+        </p:nvSpPr>
+        <p:spPr>
+          <a:xfrm>
+            <a:off x="3461133" y="767538"/>
+            <a:ext cx="1017715" cy="430887"/>
+          </a:xfrm>
+          <a:prstGeom prst="rect">
+            <a:avLst/>
+          </a:prstGeom>
+          <a:noFill/>
+        </p:spPr>
+        <p:txBody>
+          <a:bodyPr wrap="none" rtlCol="0">
+            <a:spAutoFit/>
+          </a:bodyPr>
+          <a:lstStyle/>
+          <a:p>
+            <a:r>
+              <a:rPr lang="en-US" altLang="ko-KR" sz="2200" b="1" i="1" dirty="0">
+                <a:solidFill>
+                  <a:srgbClr val="1E5B86"/>
+                </a:solidFill>
+                <a:latin typeface="나눔명조 ExtraBold" pitchFamily="18" charset="-127"/>
+                <a:ea typeface="나눔명조 ExtraBold" pitchFamily="18" charset="-127"/>
+              </a:rPr>
+              <a:t>2. STT</a:t>
+            </a:r>
+            <a:endParaRPr lang="ko-KR" altLang="en-US" sz="2200" b="1" i="1" dirty="0">
+              <a:solidFill>
+                <a:srgbClr val="1E5B86"/>
+              </a:solidFill>
+              <a:latin typeface="나눔명조 ExtraBold" pitchFamily="18" charset="-127"/>
+              <a:ea typeface="나눔명조 ExtraBold" pitchFamily="18" charset="-127"/>
+            </a:endParaRPr>
+          </a:p>
+        </p:txBody>
+      </p:sp>
+      <p:sp>
+        <p:nvSpPr>
+          <p:cNvPr id="11" name="TextBox 10"/>
+          <p:cNvSpPr txBox="1"/>
+          <p:nvPr/>
+        </p:nvSpPr>
+        <p:spPr>
+          <a:xfrm>
+            <a:off x="765148" y="1358092"/>
+            <a:ext cx="1991251" cy="400110"/>
+          </a:xfrm>
+          <a:prstGeom prst="rect">
+            <a:avLst/>
+          </a:prstGeom>
+          <a:noFill/>
+        </p:spPr>
+        <p:txBody>
+          <a:bodyPr wrap="none" rtlCol="0">
+            <a:spAutoFit/>
+          </a:bodyPr>
+          <a:lstStyle/>
+          <a:p>
+            <a:r>
+              <a:rPr lang="en-US" altLang="ko-KR" sz="2000" b="1" dirty="0">
+                <a:solidFill>
+                  <a:srgbClr val="5C431E"/>
+                </a:solidFill>
+                <a:latin typeface="나눔고딕" pitchFamily="50" charset="-127"/>
+                <a:ea typeface="나눔고딕" pitchFamily="50" charset="-127"/>
+              </a:rPr>
+              <a:t>3.1 </a:t>
+            </a:r>
+            <a:r>
+              <a:rPr lang="ko-KR" altLang="en-US" sz="2000" b="1" dirty="0">
+                <a:solidFill>
+                  <a:srgbClr val="5C431E"/>
+                </a:solidFill>
+                <a:latin typeface="나눔고딕" pitchFamily="50" charset="-127"/>
+                <a:ea typeface="나눔고딕" pitchFamily="50" charset="-127"/>
+              </a:rPr>
+              <a:t>화자 별 요약</a:t>
             </a:r>
           </a:p>
         </p:txBody>
@@ -7471,7 +11054,7 @@
 </p:sld>
 </file>
 
-<file path=ppt/slides/slide6.xml><?xml version="1.0" encoding="utf-8"?>
+<file path=ppt/slides/slide9.xml><?xml version="1.0" encoding="utf-8"?>
 <p:sld xmlns:a="http://schemas.openxmlformats.org/drawingml/2006/main" xmlns:r="http://schemas.openxmlformats.org/officeDocument/2006/relationships" xmlns:p="http://schemas.openxmlformats.org/presentationml/2006/main">
   <p:cSld>
     <p:spTree>
@@ -7788,7 +11371,7 @@
         <p:spPr>
           <a:xfrm>
             <a:off x="759752" y="1312033"/>
-            <a:ext cx="2388795" cy="400110"/>
+            <a:ext cx="2544286" cy="400110"/>
           </a:xfrm>
           <a:prstGeom prst="rect">
             <a:avLst/>
@@ -7809,7 +11392,7 @@
                 <a:latin typeface="나눔고딕" pitchFamily="50" charset="-127"/>
                 <a:ea typeface="나눔고딕" pitchFamily="50" charset="-127"/>
               </a:rPr>
-              <a:t>2. </a:t>
+              <a:t>3.2 </a:t>
             </a:r>
             <a:r>
               <a:rPr lang="ko-KR" altLang="en-US" sz="2000" b="1" dirty="0">
